--- a/docs/数据插值与拟合.pptx
+++ b/docs/数据插值与拟合.pptx
@@ -14,7 +14,11 @@
     <p:sldId id="262" r:id="rId8"/>
     <p:sldId id="263" r:id="rId9"/>
     <p:sldId id="264" r:id="rId10"/>
-    <p:sldId id="265" r:id="rId11"/>
+    <p:sldId id="266" r:id="rId11"/>
+    <p:sldId id="265" r:id="rId12"/>
+    <p:sldId id="267" r:id="rId13"/>
+    <p:sldId id="268" r:id="rId14"/>
+    <p:sldId id="269" r:id="rId15"/>
   </p:sldIdLst>
   <p:sldSz cx="12192000" cy="6858000"/>
   <p:notesSz cx="6858000" cy="9144000"/>
@@ -113,6 +117,11 @@
       </a:defRPr>
     </a:lvl9pPr>
   </p:defaultTextStyle>
+  <p:extLst>
+    <p:ext uri="{EFAFB233-063F-42B5-8137-9DF3F51BA10A}">
+      <p15:sldGuideLst xmlns:p15="http://schemas.microsoft.com/office/powerpoint/2012/main"/>
+    </p:ext>
+  </p:extLst>
 </p:presentation>
 </file>
 
@@ -3320,7 +3329,7 @@
           <a:p>
             <a:r>
               <a:rPr lang="zh-CN" altLang="en-US" dirty="0"/>
-              <a:t>数据插值与拟合</a:t>
+              <a:t>数据插值法</a:t>
             </a:r>
           </a:p>
         </p:txBody>
@@ -3360,6 +3369,689 @@
           <p:cNvPr id="4" name="文本框 3">
             <a:extLst>
               <a:ext uri="{FF2B5EF4-FFF2-40B4-BE49-F238E27FC236}">
+                <a16:creationId xmlns:a16="http://schemas.microsoft.com/office/drawing/2014/main" id="{48EF9019-D1C6-41E8-A207-2C1492612A72}"/>
+              </a:ext>
+            </a:extLst>
+          </p:cNvPr>
+          <p:cNvSpPr txBox="1"/>
+          <p:nvPr/>
+        </p:nvSpPr>
+        <p:spPr>
+          <a:xfrm>
+            <a:off x="352697" y="391885"/>
+            <a:ext cx="7106194" cy="461665"/>
+          </a:xfrm>
+          <a:prstGeom prst="rect">
+            <a:avLst/>
+          </a:prstGeom>
+          <a:noFill/>
+        </p:spPr>
+        <p:txBody>
+          <a:bodyPr wrap="square" rtlCol="0">
+            <a:spAutoFit/>
+          </a:bodyPr>
+          <a:lstStyle/>
+          <a:p>
+            <a:r>
+              <a:rPr lang="zh-CN" altLang="en-US" sz="2400" b="1" dirty="0">
+                <a:solidFill>
+                  <a:schemeClr val="accent1"/>
+                </a:solidFill>
+              </a:rPr>
+              <a:t>拉格朗日插值法的优缺点</a:t>
+            </a:r>
+            <a:endParaRPr lang="en-US" altLang="zh-CN" sz="2400" b="1" dirty="0">
+              <a:solidFill>
+                <a:schemeClr val="accent1"/>
+              </a:solidFill>
+            </a:endParaRPr>
+          </a:p>
+        </p:txBody>
+      </p:sp>
+      <p:sp>
+        <p:nvSpPr>
+          <p:cNvPr id="5" name="文本框 4">
+            <a:extLst>
+              <a:ext uri="{FF2B5EF4-FFF2-40B4-BE49-F238E27FC236}">
+                <a16:creationId xmlns:a16="http://schemas.microsoft.com/office/drawing/2014/main" id="{34887570-CF71-4933-8627-CC05266D4151}"/>
+              </a:ext>
+            </a:extLst>
+          </p:cNvPr>
+          <p:cNvSpPr txBox="1"/>
+          <p:nvPr/>
+        </p:nvSpPr>
+        <p:spPr>
+          <a:xfrm>
+            <a:off x="1045028" y="1436914"/>
+            <a:ext cx="9496698" cy="1851789"/>
+          </a:xfrm>
+          <a:prstGeom prst="rect">
+            <a:avLst/>
+          </a:prstGeom>
+          <a:noFill/>
+        </p:spPr>
+        <p:txBody>
+          <a:bodyPr wrap="square" rtlCol="0">
+            <a:spAutoFit/>
+          </a:bodyPr>
+          <a:lstStyle/>
+          <a:p>
+            <a:pPr marL="285750" indent="-285750">
+              <a:lnSpc>
+                <a:spcPct val="200000"/>
+              </a:lnSpc>
+              <a:buFont typeface="Arial" panose="020B0604020202020204" pitchFamily="34" charset="0"/>
+              <a:buChar char="•"/>
+            </a:pPr>
+            <a:r>
+              <a:rPr lang="zh-CN" altLang="en-US" sz="2000" dirty="0">
+                <a:solidFill>
+                  <a:srgbClr val="FFC000"/>
+                </a:solidFill>
+              </a:rPr>
+              <a:t>相比于线性方程组，逻辑清楚，便于编程计算（优点）</a:t>
+            </a:r>
+            <a:endParaRPr lang="en-US" altLang="zh-CN" sz="2000" dirty="0">
+              <a:solidFill>
+                <a:srgbClr val="FFC000"/>
+              </a:solidFill>
+            </a:endParaRPr>
+          </a:p>
+          <a:p>
+            <a:pPr marL="285750" indent="-285750">
+              <a:lnSpc>
+                <a:spcPct val="200000"/>
+              </a:lnSpc>
+              <a:buFont typeface="Arial" panose="020B0604020202020204" pitchFamily="34" charset="0"/>
+              <a:buChar char="•"/>
+            </a:pPr>
+            <a:r>
+              <a:rPr lang="zh-CN" altLang="en-US" sz="2000" dirty="0">
+                <a:solidFill>
+                  <a:srgbClr val="FFC000"/>
+                </a:solidFill>
+              </a:rPr>
+              <a:t>新增数据点后，整个多项式需要重新计算（缺点）</a:t>
+            </a:r>
+            <a:endParaRPr lang="en-US" altLang="zh-CN" sz="2000" dirty="0">
+              <a:solidFill>
+                <a:srgbClr val="FFC000"/>
+              </a:solidFill>
+            </a:endParaRPr>
+          </a:p>
+          <a:p>
+            <a:pPr marL="285750" indent="-285750">
+              <a:lnSpc>
+                <a:spcPct val="200000"/>
+              </a:lnSpc>
+              <a:buFont typeface="Arial" panose="020B0604020202020204" pitchFamily="34" charset="0"/>
+              <a:buChar char="•"/>
+            </a:pPr>
+            <a:r>
+              <a:rPr lang="zh-CN" altLang="en-US" sz="2000" dirty="0">
+                <a:solidFill>
+                  <a:srgbClr val="FFC000"/>
+                </a:solidFill>
+              </a:rPr>
+              <a:t>龙格现象</a:t>
+            </a:r>
+            <a:r>
+              <a:rPr lang="en-US" altLang="zh-CN" sz="2000" dirty="0">
+                <a:solidFill>
+                  <a:srgbClr val="FFC000"/>
+                </a:solidFill>
+              </a:rPr>
+              <a:t>:n</a:t>
+            </a:r>
+            <a:r>
+              <a:rPr lang="zh-CN" altLang="en-US" sz="2000" dirty="0">
+                <a:solidFill>
+                  <a:srgbClr val="FFC000"/>
+                </a:solidFill>
+              </a:rPr>
+              <a:t>增大时，</a:t>
+            </a:r>
+            <a:r>
+              <a:rPr lang="en-US" altLang="zh-CN" sz="2000" dirty="0">
+                <a:solidFill>
+                  <a:srgbClr val="FFC000"/>
+                </a:solidFill>
+              </a:rPr>
+              <a:t>Ln(x)</a:t>
+            </a:r>
+            <a:r>
+              <a:rPr lang="zh-CN" altLang="en-US" sz="2000" dirty="0">
+                <a:solidFill>
+                  <a:srgbClr val="FFC000"/>
+                </a:solidFill>
+              </a:rPr>
+              <a:t>的光滑性变坏，有时会出现很大的振荡（缺点）</a:t>
+            </a:r>
+          </a:p>
+        </p:txBody>
+      </p:sp>
+    </p:spTree>
+    <p:extLst>
+      <p:ext uri="{BB962C8B-B14F-4D97-AF65-F5344CB8AC3E}">
+        <p14:creationId xmlns:p14="http://schemas.microsoft.com/office/powerpoint/2010/main" val="3267302241"/>
+      </p:ext>
+    </p:extLst>
+  </p:cSld>
+  <p:clrMapOvr>
+    <a:masterClrMapping/>
+  </p:clrMapOvr>
+  <p:timing>
+    <p:tnLst>
+      <p:par>
+        <p:cTn id="1" dur="indefinite" restart="never" nodeType="tmRoot">
+          <p:childTnLst>
+            <p:seq concurrent="1" nextAc="seek">
+              <p:cTn id="2" dur="indefinite" nodeType="mainSeq">
+                <p:childTnLst>
+                  <p:par>
+                    <p:cTn id="3" fill="hold">
+                      <p:stCondLst>
+                        <p:cond delay="indefinite"/>
+                      </p:stCondLst>
+                      <p:childTnLst>
+                        <p:par>
+                          <p:cTn id="4" fill="hold">
+                            <p:stCondLst>
+                              <p:cond delay="0"/>
+                            </p:stCondLst>
+                            <p:childTnLst>
+                              <p:par>
+                                <p:cTn id="5" presetID="2" presetClass="entr" presetSubtype="4" fill="hold" grpId="0" nodeType="clickEffect">
+                                  <p:stCondLst>
+                                    <p:cond delay="0"/>
+                                  </p:stCondLst>
+                                  <p:childTnLst>
+                                    <p:set>
+                                      <p:cBhvr>
+                                        <p:cTn id="6" dur="1" fill="hold">
+                                          <p:stCondLst>
+                                            <p:cond delay="0"/>
+                                          </p:stCondLst>
+                                        </p:cTn>
+                                        <p:tgtEl>
+                                          <p:spTgt spid="4"/>
+                                        </p:tgtEl>
+                                        <p:attrNameLst>
+                                          <p:attrName>style.visibility</p:attrName>
+                                        </p:attrNameLst>
+                                      </p:cBhvr>
+                                      <p:to>
+                                        <p:strVal val="visible"/>
+                                      </p:to>
+                                    </p:set>
+                                    <p:anim calcmode="lin" valueType="num">
+                                      <p:cBhvr additive="base">
+                                        <p:cTn id="7" dur="500" fill="hold"/>
+                                        <p:tgtEl>
+                                          <p:spTgt spid="4"/>
+                                        </p:tgtEl>
+                                        <p:attrNameLst>
+                                          <p:attrName>ppt_x</p:attrName>
+                                        </p:attrNameLst>
+                                      </p:cBhvr>
+                                      <p:tavLst>
+                                        <p:tav tm="0">
+                                          <p:val>
+                                            <p:strVal val="#ppt_x"/>
+                                          </p:val>
+                                        </p:tav>
+                                        <p:tav tm="100000">
+                                          <p:val>
+                                            <p:strVal val="#ppt_x"/>
+                                          </p:val>
+                                        </p:tav>
+                                      </p:tavLst>
+                                    </p:anim>
+                                    <p:anim calcmode="lin" valueType="num">
+                                      <p:cBhvr additive="base">
+                                        <p:cTn id="8" dur="500" fill="hold"/>
+                                        <p:tgtEl>
+                                          <p:spTgt spid="4"/>
+                                        </p:tgtEl>
+                                        <p:attrNameLst>
+                                          <p:attrName>ppt_y</p:attrName>
+                                        </p:attrNameLst>
+                                      </p:cBhvr>
+                                      <p:tavLst>
+                                        <p:tav tm="0">
+                                          <p:val>
+                                            <p:strVal val="1+#ppt_h/2"/>
+                                          </p:val>
+                                        </p:tav>
+                                        <p:tav tm="100000">
+                                          <p:val>
+                                            <p:strVal val="#ppt_y"/>
+                                          </p:val>
+                                        </p:tav>
+                                      </p:tavLst>
+                                    </p:anim>
+                                  </p:childTnLst>
+                                </p:cTn>
+                              </p:par>
+                            </p:childTnLst>
+                          </p:cTn>
+                        </p:par>
+                      </p:childTnLst>
+                    </p:cTn>
+                  </p:par>
+                  <p:par>
+                    <p:cTn id="9" fill="hold">
+                      <p:stCondLst>
+                        <p:cond delay="indefinite"/>
+                      </p:stCondLst>
+                      <p:childTnLst>
+                        <p:par>
+                          <p:cTn id="10" fill="hold">
+                            <p:stCondLst>
+                              <p:cond delay="0"/>
+                            </p:stCondLst>
+                            <p:childTnLst>
+                              <p:par>
+                                <p:cTn id="11" presetID="14" presetClass="entr" presetSubtype="10" fill="hold" grpId="0" nodeType="clickEffect">
+                                  <p:stCondLst>
+                                    <p:cond delay="0"/>
+                                  </p:stCondLst>
+                                  <p:childTnLst>
+                                    <p:set>
+                                      <p:cBhvr>
+                                        <p:cTn id="12" dur="1" fill="hold">
+                                          <p:stCondLst>
+                                            <p:cond delay="0"/>
+                                          </p:stCondLst>
+                                        </p:cTn>
+                                        <p:tgtEl>
+                                          <p:spTgt spid="5"/>
+                                        </p:tgtEl>
+                                        <p:attrNameLst>
+                                          <p:attrName>style.visibility</p:attrName>
+                                        </p:attrNameLst>
+                                      </p:cBhvr>
+                                      <p:to>
+                                        <p:strVal val="visible"/>
+                                      </p:to>
+                                    </p:set>
+                                    <p:animEffect transition="in" filter="randombar(horizontal)">
+                                      <p:cBhvr>
+                                        <p:cTn id="13" dur="500"/>
+                                        <p:tgtEl>
+                                          <p:spTgt spid="5"/>
+                                        </p:tgtEl>
+                                      </p:cBhvr>
+                                    </p:animEffect>
+                                  </p:childTnLst>
+                                </p:cTn>
+                              </p:par>
+                            </p:childTnLst>
+                          </p:cTn>
+                        </p:par>
+                      </p:childTnLst>
+                    </p:cTn>
+                  </p:par>
+                  <p:par>
+                    <p:cTn id="14" fill="hold">
+                      <p:stCondLst>
+                        <p:cond delay="indefinite"/>
+                      </p:stCondLst>
+                      <p:childTnLst>
+                        <p:par>
+                          <p:cTn id="15" fill="hold">
+                            <p:stCondLst>
+                              <p:cond delay="0"/>
+                            </p:stCondLst>
+                            <p:childTnLst>
+                              <p:par>
+                                <p:cTn id="16" presetID="42" presetClass="entr" presetSubtype="0" fill="hold" nodeType="clickEffect">
+                                  <p:stCondLst>
+                                    <p:cond delay="0"/>
+                                  </p:stCondLst>
+                                  <p:childTnLst>
+                                    <p:set>
+                                      <p:cBhvr>
+                                        <p:cTn id="17" dur="1" fill="hold">
+                                          <p:stCondLst>
+                                            <p:cond delay="0"/>
+                                          </p:stCondLst>
+                                        </p:cTn>
+                                        <p:tgtEl>
+                                          <p:spTgt spid="5">
+                                            <p:txEl>
+                                              <p:pRg st="0" end="0"/>
+                                            </p:txEl>
+                                          </p:spTgt>
+                                        </p:tgtEl>
+                                        <p:attrNameLst>
+                                          <p:attrName>style.visibility</p:attrName>
+                                        </p:attrNameLst>
+                                      </p:cBhvr>
+                                      <p:to>
+                                        <p:strVal val="visible"/>
+                                      </p:to>
+                                    </p:set>
+                                    <p:animEffect transition="in" filter="fade">
+                                      <p:cBhvr>
+                                        <p:cTn id="18" dur="1000"/>
+                                        <p:tgtEl>
+                                          <p:spTgt spid="5">
+                                            <p:txEl>
+                                              <p:pRg st="0" end="0"/>
+                                            </p:txEl>
+                                          </p:spTgt>
+                                        </p:tgtEl>
+                                      </p:cBhvr>
+                                    </p:animEffect>
+                                    <p:anim calcmode="lin" valueType="num">
+                                      <p:cBhvr>
+                                        <p:cTn id="19" dur="1000" fill="hold"/>
+                                        <p:tgtEl>
+                                          <p:spTgt spid="5">
+                                            <p:txEl>
+                                              <p:pRg st="0" end="0"/>
+                                            </p:txEl>
+                                          </p:spTgt>
+                                        </p:tgtEl>
+                                        <p:attrNameLst>
+                                          <p:attrName>ppt_x</p:attrName>
+                                        </p:attrNameLst>
+                                      </p:cBhvr>
+                                      <p:tavLst>
+                                        <p:tav tm="0">
+                                          <p:val>
+                                            <p:strVal val="#ppt_x"/>
+                                          </p:val>
+                                        </p:tav>
+                                        <p:tav tm="100000">
+                                          <p:val>
+                                            <p:strVal val="#ppt_x"/>
+                                          </p:val>
+                                        </p:tav>
+                                      </p:tavLst>
+                                    </p:anim>
+                                    <p:anim calcmode="lin" valueType="num">
+                                      <p:cBhvr>
+                                        <p:cTn id="20" dur="1000" fill="hold"/>
+                                        <p:tgtEl>
+                                          <p:spTgt spid="5">
+                                            <p:txEl>
+                                              <p:pRg st="0" end="0"/>
+                                            </p:txEl>
+                                          </p:spTgt>
+                                        </p:tgtEl>
+                                        <p:attrNameLst>
+                                          <p:attrName>ppt_y</p:attrName>
+                                        </p:attrNameLst>
+                                      </p:cBhvr>
+                                      <p:tavLst>
+                                        <p:tav tm="0">
+                                          <p:val>
+                                            <p:strVal val="#ppt_y+.1"/>
+                                          </p:val>
+                                        </p:tav>
+                                        <p:tav tm="100000">
+                                          <p:val>
+                                            <p:strVal val="#ppt_y"/>
+                                          </p:val>
+                                        </p:tav>
+                                      </p:tavLst>
+                                    </p:anim>
+                                  </p:childTnLst>
+                                </p:cTn>
+                              </p:par>
+                              <p:par>
+                                <p:cTn id="21" presetID="42" presetClass="entr" presetSubtype="0" fill="hold" nodeType="withEffect">
+                                  <p:stCondLst>
+                                    <p:cond delay="0"/>
+                                  </p:stCondLst>
+                                  <p:childTnLst>
+                                    <p:set>
+                                      <p:cBhvr>
+                                        <p:cTn id="22" dur="1" fill="hold">
+                                          <p:stCondLst>
+                                            <p:cond delay="0"/>
+                                          </p:stCondLst>
+                                        </p:cTn>
+                                        <p:tgtEl>
+                                          <p:spTgt spid="5">
+                                            <p:txEl>
+                                              <p:pRg st="1" end="1"/>
+                                            </p:txEl>
+                                          </p:spTgt>
+                                        </p:tgtEl>
+                                        <p:attrNameLst>
+                                          <p:attrName>style.visibility</p:attrName>
+                                        </p:attrNameLst>
+                                      </p:cBhvr>
+                                      <p:to>
+                                        <p:strVal val="visible"/>
+                                      </p:to>
+                                    </p:set>
+                                    <p:animEffect transition="in" filter="fade">
+                                      <p:cBhvr>
+                                        <p:cTn id="23" dur="1000"/>
+                                        <p:tgtEl>
+                                          <p:spTgt spid="5">
+                                            <p:txEl>
+                                              <p:pRg st="1" end="1"/>
+                                            </p:txEl>
+                                          </p:spTgt>
+                                        </p:tgtEl>
+                                      </p:cBhvr>
+                                    </p:animEffect>
+                                    <p:anim calcmode="lin" valueType="num">
+                                      <p:cBhvr>
+                                        <p:cTn id="24" dur="1000" fill="hold"/>
+                                        <p:tgtEl>
+                                          <p:spTgt spid="5">
+                                            <p:txEl>
+                                              <p:pRg st="1" end="1"/>
+                                            </p:txEl>
+                                          </p:spTgt>
+                                        </p:tgtEl>
+                                        <p:attrNameLst>
+                                          <p:attrName>ppt_x</p:attrName>
+                                        </p:attrNameLst>
+                                      </p:cBhvr>
+                                      <p:tavLst>
+                                        <p:tav tm="0">
+                                          <p:val>
+                                            <p:strVal val="#ppt_x"/>
+                                          </p:val>
+                                        </p:tav>
+                                        <p:tav tm="100000">
+                                          <p:val>
+                                            <p:strVal val="#ppt_x"/>
+                                          </p:val>
+                                        </p:tav>
+                                      </p:tavLst>
+                                    </p:anim>
+                                    <p:anim calcmode="lin" valueType="num">
+                                      <p:cBhvr>
+                                        <p:cTn id="25" dur="1000" fill="hold"/>
+                                        <p:tgtEl>
+                                          <p:spTgt spid="5">
+                                            <p:txEl>
+                                              <p:pRg st="1" end="1"/>
+                                            </p:txEl>
+                                          </p:spTgt>
+                                        </p:tgtEl>
+                                        <p:attrNameLst>
+                                          <p:attrName>ppt_y</p:attrName>
+                                        </p:attrNameLst>
+                                      </p:cBhvr>
+                                      <p:tavLst>
+                                        <p:tav tm="0">
+                                          <p:val>
+                                            <p:strVal val="#ppt_y+.1"/>
+                                          </p:val>
+                                        </p:tav>
+                                        <p:tav tm="100000">
+                                          <p:val>
+                                            <p:strVal val="#ppt_y"/>
+                                          </p:val>
+                                        </p:tav>
+                                      </p:tavLst>
+                                    </p:anim>
+                                  </p:childTnLst>
+                                </p:cTn>
+                              </p:par>
+                              <p:par>
+                                <p:cTn id="26" presetID="42" presetClass="entr" presetSubtype="0" fill="hold" nodeType="withEffect">
+                                  <p:stCondLst>
+                                    <p:cond delay="0"/>
+                                  </p:stCondLst>
+                                  <p:childTnLst>
+                                    <p:set>
+                                      <p:cBhvr>
+                                        <p:cTn id="27" dur="1" fill="hold">
+                                          <p:stCondLst>
+                                            <p:cond delay="0"/>
+                                          </p:stCondLst>
+                                        </p:cTn>
+                                        <p:tgtEl>
+                                          <p:spTgt spid="5">
+                                            <p:txEl>
+                                              <p:pRg st="2" end="2"/>
+                                            </p:txEl>
+                                          </p:spTgt>
+                                        </p:tgtEl>
+                                        <p:attrNameLst>
+                                          <p:attrName>style.visibility</p:attrName>
+                                        </p:attrNameLst>
+                                      </p:cBhvr>
+                                      <p:to>
+                                        <p:strVal val="visible"/>
+                                      </p:to>
+                                    </p:set>
+                                    <p:animEffect transition="in" filter="fade">
+                                      <p:cBhvr>
+                                        <p:cTn id="28" dur="1000"/>
+                                        <p:tgtEl>
+                                          <p:spTgt spid="5">
+                                            <p:txEl>
+                                              <p:pRg st="2" end="2"/>
+                                            </p:txEl>
+                                          </p:spTgt>
+                                        </p:tgtEl>
+                                      </p:cBhvr>
+                                    </p:animEffect>
+                                    <p:anim calcmode="lin" valueType="num">
+                                      <p:cBhvr>
+                                        <p:cTn id="29" dur="1000" fill="hold"/>
+                                        <p:tgtEl>
+                                          <p:spTgt spid="5">
+                                            <p:txEl>
+                                              <p:pRg st="2" end="2"/>
+                                            </p:txEl>
+                                          </p:spTgt>
+                                        </p:tgtEl>
+                                        <p:attrNameLst>
+                                          <p:attrName>ppt_x</p:attrName>
+                                        </p:attrNameLst>
+                                      </p:cBhvr>
+                                      <p:tavLst>
+                                        <p:tav tm="0">
+                                          <p:val>
+                                            <p:strVal val="#ppt_x"/>
+                                          </p:val>
+                                        </p:tav>
+                                        <p:tav tm="100000">
+                                          <p:val>
+                                            <p:strVal val="#ppt_x"/>
+                                          </p:val>
+                                        </p:tav>
+                                      </p:tavLst>
+                                    </p:anim>
+                                    <p:anim calcmode="lin" valueType="num">
+                                      <p:cBhvr>
+                                        <p:cTn id="30" dur="1000" fill="hold"/>
+                                        <p:tgtEl>
+                                          <p:spTgt spid="5">
+                                            <p:txEl>
+                                              <p:pRg st="2" end="2"/>
+                                            </p:txEl>
+                                          </p:spTgt>
+                                        </p:tgtEl>
+                                        <p:attrNameLst>
+                                          <p:attrName>ppt_y</p:attrName>
+                                        </p:attrNameLst>
+                                      </p:cBhvr>
+                                      <p:tavLst>
+                                        <p:tav tm="0">
+                                          <p:val>
+                                            <p:strVal val="#ppt_y+.1"/>
+                                          </p:val>
+                                        </p:tav>
+                                        <p:tav tm="100000">
+                                          <p:val>
+                                            <p:strVal val="#ppt_y"/>
+                                          </p:val>
+                                        </p:tav>
+                                      </p:tavLst>
+                                    </p:anim>
+                                  </p:childTnLst>
+                                </p:cTn>
+                              </p:par>
+                            </p:childTnLst>
+                          </p:cTn>
+                        </p:par>
+                      </p:childTnLst>
+                    </p:cTn>
+                  </p:par>
+                </p:childTnLst>
+              </p:cTn>
+              <p:prevCondLst>
+                <p:cond evt="onPrev" delay="0">
+                  <p:tgtEl>
+                    <p:sldTgt/>
+                  </p:tgtEl>
+                </p:cond>
+              </p:prevCondLst>
+              <p:nextCondLst>
+                <p:cond evt="onNext" delay="0">
+                  <p:tgtEl>
+                    <p:sldTgt/>
+                  </p:tgtEl>
+                </p:cond>
+              </p:nextCondLst>
+            </p:seq>
+          </p:childTnLst>
+        </p:cTn>
+      </p:par>
+    </p:tnLst>
+    <p:bldLst>
+      <p:bldP spid="4" grpId="0"/>
+      <p:bldP spid="5" grpId="0"/>
+    </p:bldLst>
+  </p:timing>
+</p:sld>
+</file>
+
+<file path=ppt/slides/slide11.xml><?xml version="1.0" encoding="utf-8"?>
+<p:sld xmlns:a="http://schemas.openxmlformats.org/drawingml/2006/main" xmlns:r="http://schemas.openxmlformats.org/officeDocument/2006/relationships" xmlns:p="http://schemas.openxmlformats.org/presentationml/2006/main">
+  <p:cSld>
+    <p:spTree>
+      <p:nvGrpSpPr>
+        <p:cNvPr id="1" name=""/>
+        <p:cNvGrpSpPr/>
+        <p:nvPr/>
+      </p:nvGrpSpPr>
+      <p:grpSpPr>
+        <a:xfrm>
+          <a:off x="0" y="0"/>
+          <a:ext cx="0" cy="0"/>
+          <a:chOff x="0" y="0"/>
+          <a:chExt cx="0" cy="0"/>
+        </a:xfrm>
+      </p:grpSpPr>
+      <p:sp>
+        <p:nvSpPr>
+          <p:cNvPr id="4" name="文本框 3">
+            <a:extLst>
+              <a:ext uri="{FF2B5EF4-FFF2-40B4-BE49-F238E27FC236}">
                 <a16:creationId xmlns:a16="http://schemas.microsoft.com/office/drawing/2014/main" id="{BEC40220-D4BE-4B23-8C94-0D953246DC58}"/>
               </a:ext>
             </a:extLst>
@@ -3369,7 +4061,7 @@
         </p:nvSpPr>
         <p:spPr>
           <a:xfrm>
-            <a:off x="300446" y="365760"/>
+            <a:off x="822961" y="352697"/>
             <a:ext cx="6818811" cy="461665"/>
           </a:xfrm>
           <a:prstGeom prst="rect">
@@ -3400,9 +4092,289 @@
               <a:t>Newton</a:t>
             </a:r>
             <a:r>
+              <a:rPr lang="zh-CN" altLang="en-US" sz="2400" dirty="0">
+                <a:solidFill>
+                  <a:schemeClr val="accent1"/>
+                </a:solidFill>
+              </a:rPr>
+              <a:t>）</a:t>
+            </a:r>
+          </a:p>
+        </p:txBody>
+      </p:sp>
+      <p:sp>
+        <p:nvSpPr>
+          <p:cNvPr id="2" name="文本框 1">
+            <a:extLst>
+              <a:ext uri="{FF2B5EF4-FFF2-40B4-BE49-F238E27FC236}">
+                <a16:creationId xmlns:a16="http://schemas.microsoft.com/office/drawing/2014/main" id="{6371F91D-8F72-462F-915A-6DBA770399C4}"/>
+              </a:ext>
+            </a:extLst>
+          </p:cNvPr>
+          <p:cNvSpPr txBox="1"/>
+          <p:nvPr/>
+        </p:nvSpPr>
+        <p:spPr>
+          <a:xfrm>
+            <a:off x="822961" y="1149531"/>
+            <a:ext cx="10737668" cy="646331"/>
+          </a:xfrm>
+          <a:prstGeom prst="rect">
+            <a:avLst/>
+          </a:prstGeom>
+          <a:noFill/>
+        </p:spPr>
+        <p:txBody>
+          <a:bodyPr wrap="square" rtlCol="0">
+            <a:spAutoFit/>
+          </a:bodyPr>
+          <a:lstStyle/>
+          <a:p>
+            <a:r>
               <a:rPr lang="zh-CN" altLang="en-US" dirty="0"/>
-              <a:t>）</a:t>
-            </a:r>
+              <a:t>相比于</a:t>
+            </a:r>
+            <a:r>
+              <a:rPr lang="en-US" altLang="zh-CN" dirty="0"/>
+              <a:t>Lagrange</a:t>
+            </a:r>
+            <a:r>
+              <a:rPr lang="zh-CN" altLang="en-US" dirty="0"/>
+              <a:t>的基函数，寻找一组新的基函数，使得新增的基函数对原有的函数进行修正，解决新节点插入</a:t>
+            </a:r>
+            <a:r>
+              <a:rPr lang="en-US" altLang="zh-CN" dirty="0"/>
+              <a:t>Lagrange</a:t>
+            </a:r>
+            <a:r>
+              <a:rPr lang="zh-CN" altLang="en-US" dirty="0"/>
+              <a:t>时的重复计算。</a:t>
+            </a:r>
+          </a:p>
+        </p:txBody>
+      </p:sp>
+      <p:pic>
+        <p:nvPicPr>
+          <p:cNvPr id="5" name="图片 4">
+            <a:extLst>
+              <a:ext uri="{FF2B5EF4-FFF2-40B4-BE49-F238E27FC236}">
+                <a16:creationId xmlns:a16="http://schemas.microsoft.com/office/drawing/2014/main" id="{B629586E-085A-48FF-9782-5F3BE7FE38C4}"/>
+              </a:ext>
+            </a:extLst>
+          </p:cNvPr>
+          <p:cNvPicPr>
+            <a:picLocks noChangeAspect="1"/>
+          </p:cNvPicPr>
+          <p:nvPr/>
+        </p:nvPicPr>
+        <p:blipFill>
+          <a:blip r:embed="rId2">
+            <a:extLst>
+              <a:ext uri="{28A0092B-C50C-407E-A947-70E740481C1C}">
+                <a14:useLocalDpi xmlns:a14="http://schemas.microsoft.com/office/drawing/2010/main" val="0"/>
+              </a:ext>
+            </a:extLst>
+          </a:blip>
+          <a:stretch>
+            <a:fillRect/>
+          </a:stretch>
+        </p:blipFill>
+        <p:spPr>
+          <a:xfrm>
+            <a:off x="943993" y="1866060"/>
+            <a:ext cx="4032956" cy="2217477"/>
+          </a:xfrm>
+          <a:prstGeom prst="rect">
+            <a:avLst/>
+          </a:prstGeom>
+        </p:spPr>
+      </p:pic>
+      <p:sp>
+        <p:nvSpPr>
+          <p:cNvPr id="8" name="文本框 7">
+            <a:extLst>
+              <a:ext uri="{FF2B5EF4-FFF2-40B4-BE49-F238E27FC236}">
+                <a16:creationId xmlns:a16="http://schemas.microsoft.com/office/drawing/2014/main" id="{5CF439A2-F319-4F32-9698-3E1C5C30BBF9}"/>
+              </a:ext>
+            </a:extLst>
+          </p:cNvPr>
+          <p:cNvSpPr txBox="1"/>
+          <p:nvPr/>
+        </p:nvSpPr>
+        <p:spPr>
+          <a:xfrm>
+            <a:off x="943993" y="4349931"/>
+            <a:ext cx="10120247" cy="1354217"/>
+          </a:xfrm>
+          <a:prstGeom prst="rect">
+            <a:avLst/>
+          </a:prstGeom>
+          <a:noFill/>
+        </p:spPr>
+        <p:txBody>
+          <a:bodyPr wrap="square" rtlCol="0">
+            <a:spAutoFit/>
+          </a:bodyPr>
+          <a:lstStyle/>
+          <a:p>
+            <a:r>
+              <a:rPr lang="zh-CN" altLang="en-US" dirty="0"/>
+              <a:t>每增加一个点只需要增加一个基函数，前面的计算依然可用，我们用</a:t>
+            </a:r>
+            <a:r>
+              <a:rPr lang="el-GR" altLang="zh-CN" dirty="0"/>
+              <a:t> Φ</a:t>
+            </a:r>
+            <a:r>
+              <a:rPr lang="en-US" altLang="zh-CN" baseline="-25000" dirty="0" err="1"/>
+              <a:t>i</a:t>
+            </a:r>
+            <a:r>
+              <a:rPr lang="en-US" altLang="zh-CN" dirty="0"/>
+              <a:t>(x)</a:t>
+            </a:r>
+            <a:r>
+              <a:rPr lang="zh-CN" altLang="en-US" dirty="0"/>
+              <a:t>对前面的函数进行修正使其通过新节点。那我们假设的函数应该是：</a:t>
+            </a:r>
+            <a:endParaRPr lang="en-US" altLang="zh-CN" dirty="0"/>
+          </a:p>
+          <a:p>
+            <a:r>
+              <a:rPr lang="en-US" altLang="zh-CN" dirty="0"/>
+              <a:t>	</a:t>
+            </a:r>
+            <a:r>
+              <a:rPr lang="en-US" altLang="zh-CN" sz="2800" b="1" dirty="0">
+                <a:solidFill>
+                  <a:srgbClr val="00B0F0"/>
+                </a:solidFill>
+              </a:rPr>
+              <a:t>N(x) = a</a:t>
+            </a:r>
+            <a:r>
+              <a:rPr lang="en-US" altLang="zh-CN" sz="2800" b="1" baseline="-25000" dirty="0">
+                <a:solidFill>
+                  <a:srgbClr val="00B0F0"/>
+                </a:solidFill>
+              </a:rPr>
+              <a:t>0</a:t>
+            </a:r>
+            <a:r>
+              <a:rPr lang="el-GR" altLang="zh-CN" sz="2800" b="1" dirty="0">
+                <a:solidFill>
+                  <a:srgbClr val="00B0F0"/>
+                </a:solidFill>
+              </a:rPr>
+              <a:t> Φ</a:t>
+            </a:r>
+            <a:r>
+              <a:rPr lang="en-US" altLang="zh-CN" sz="2800" b="1" baseline="-25000" dirty="0">
+                <a:solidFill>
+                  <a:srgbClr val="00B0F0"/>
+                </a:solidFill>
+              </a:rPr>
+              <a:t>0</a:t>
+            </a:r>
+            <a:r>
+              <a:rPr lang="en-US" altLang="zh-CN" sz="2800" b="1" dirty="0">
+                <a:solidFill>
+                  <a:srgbClr val="00B0F0"/>
+                </a:solidFill>
+              </a:rPr>
+              <a:t>(x) + a</a:t>
+            </a:r>
+            <a:r>
+              <a:rPr lang="en-US" altLang="zh-CN" sz="2800" b="1" baseline="-25000" dirty="0">
+                <a:solidFill>
+                  <a:srgbClr val="00B0F0"/>
+                </a:solidFill>
+              </a:rPr>
+              <a:t>1</a:t>
+            </a:r>
+            <a:r>
+              <a:rPr lang="el-GR" altLang="zh-CN" sz="2800" b="1" dirty="0">
+                <a:solidFill>
+                  <a:srgbClr val="00B0F0"/>
+                </a:solidFill>
+              </a:rPr>
+              <a:t> Φ</a:t>
+            </a:r>
+            <a:r>
+              <a:rPr lang="en-US" altLang="zh-CN" sz="2800" b="1" baseline="-25000" dirty="0">
+                <a:solidFill>
+                  <a:srgbClr val="00B0F0"/>
+                </a:solidFill>
+              </a:rPr>
+              <a:t>1</a:t>
+            </a:r>
+            <a:r>
+              <a:rPr lang="en-US" altLang="zh-CN" sz="2800" b="1" dirty="0">
+                <a:solidFill>
+                  <a:srgbClr val="00B0F0"/>
+                </a:solidFill>
+              </a:rPr>
+              <a:t>(x) + a</a:t>
+            </a:r>
+            <a:r>
+              <a:rPr lang="en-US" altLang="zh-CN" sz="2800" b="1" baseline="-25000" dirty="0">
+                <a:solidFill>
+                  <a:srgbClr val="00B0F0"/>
+                </a:solidFill>
+              </a:rPr>
+              <a:t>2</a:t>
+            </a:r>
+            <a:r>
+              <a:rPr lang="el-GR" altLang="zh-CN" sz="2800" b="1" dirty="0">
+                <a:solidFill>
+                  <a:srgbClr val="00B0F0"/>
+                </a:solidFill>
+              </a:rPr>
+              <a:t> Φ</a:t>
+            </a:r>
+            <a:r>
+              <a:rPr lang="en-US" altLang="zh-CN" sz="2800" b="1" baseline="-25000" dirty="0">
+                <a:solidFill>
+                  <a:srgbClr val="00B0F0"/>
+                </a:solidFill>
+              </a:rPr>
+              <a:t>2</a:t>
+            </a:r>
+            <a:r>
+              <a:rPr lang="en-US" altLang="zh-CN" sz="2800" b="1" dirty="0">
+                <a:solidFill>
+                  <a:srgbClr val="00B0F0"/>
+                </a:solidFill>
+              </a:rPr>
+              <a:t>(x) + ……..</a:t>
+            </a:r>
+          </a:p>
+          <a:p>
+            <a:r>
+              <a:rPr lang="zh-CN" altLang="en-US" dirty="0"/>
+              <a:t>仅仅需要确定基函数的大小</a:t>
+            </a:r>
+            <a:r>
+              <a:rPr lang="en-US" altLang="zh-CN" dirty="0">
+                <a:solidFill>
+                  <a:srgbClr val="00B0F0"/>
+                </a:solidFill>
+              </a:rPr>
+              <a:t>a</a:t>
+            </a:r>
+            <a:r>
+              <a:rPr lang="en-US" altLang="zh-CN" baseline="-25000" dirty="0">
+                <a:solidFill>
+                  <a:srgbClr val="00B0F0"/>
+                </a:solidFill>
+              </a:rPr>
+              <a:t>i</a:t>
+            </a:r>
+            <a:r>
+              <a:rPr lang="zh-CN" altLang="en-US" dirty="0"/>
+              <a:t>的值。</a:t>
+            </a:r>
+            <a:endParaRPr lang="en-US" altLang="zh-CN" dirty="0"/>
           </a:p>
         </p:txBody>
       </p:sp>
@@ -3416,6 +4388,2044 @@
   <p:clrMapOvr>
     <a:masterClrMapping/>
   </p:clrMapOvr>
+</p:sld>
+</file>
+
+<file path=ppt/slides/slide12.xml><?xml version="1.0" encoding="utf-8"?>
+<p:sld xmlns:a="http://schemas.openxmlformats.org/drawingml/2006/main" xmlns:r="http://schemas.openxmlformats.org/officeDocument/2006/relationships" xmlns:p="http://schemas.openxmlformats.org/presentationml/2006/main">
+  <p:cSld>
+    <p:spTree>
+      <p:nvGrpSpPr>
+        <p:cNvPr id="1" name=""/>
+        <p:cNvGrpSpPr/>
+        <p:nvPr/>
+      </p:nvGrpSpPr>
+      <p:grpSpPr>
+        <a:xfrm>
+          <a:off x="0" y="0"/>
+          <a:ext cx="0" cy="0"/>
+          <a:chOff x="0" y="0"/>
+          <a:chExt cx="0" cy="0"/>
+        </a:xfrm>
+      </p:grpSpPr>
+      <p:sp>
+        <p:nvSpPr>
+          <p:cNvPr id="4" name="文本框 3">
+            <a:extLst>
+              <a:ext uri="{FF2B5EF4-FFF2-40B4-BE49-F238E27FC236}">
+                <a16:creationId xmlns:a16="http://schemas.microsoft.com/office/drawing/2014/main" id="{CB4440BB-5EE5-41D9-8A3C-421DE333747F}"/>
+              </a:ext>
+            </a:extLst>
+          </p:cNvPr>
+          <p:cNvSpPr txBox="1"/>
+          <p:nvPr/>
+        </p:nvSpPr>
+        <p:spPr>
+          <a:xfrm>
+            <a:off x="496389" y="496389"/>
+            <a:ext cx="6518365" cy="461665"/>
+          </a:xfrm>
+          <a:prstGeom prst="rect">
+            <a:avLst/>
+          </a:prstGeom>
+          <a:noFill/>
+        </p:spPr>
+        <p:txBody>
+          <a:bodyPr wrap="square" rtlCol="0">
+            <a:spAutoFit/>
+          </a:bodyPr>
+          <a:lstStyle/>
+          <a:p>
+            <a:r>
+              <a:rPr lang="zh-CN" altLang="en-US" sz="2400" b="1" dirty="0">
+                <a:solidFill>
+                  <a:schemeClr val="accent1"/>
+                </a:solidFill>
+              </a:rPr>
+              <a:t>简单推导下？</a:t>
+            </a:r>
+          </a:p>
+        </p:txBody>
+      </p:sp>
+      <p:sp>
+        <p:nvSpPr>
+          <p:cNvPr id="5" name="文本框 4">
+            <a:extLst>
+              <a:ext uri="{FF2B5EF4-FFF2-40B4-BE49-F238E27FC236}">
+                <a16:creationId xmlns:a16="http://schemas.microsoft.com/office/drawing/2014/main" id="{7E8FEC45-4BCE-4F12-9ACD-F76B9BF2F795}"/>
+              </a:ext>
+            </a:extLst>
+          </p:cNvPr>
+          <p:cNvSpPr txBox="1"/>
+          <p:nvPr/>
+        </p:nvSpPr>
+        <p:spPr>
+          <a:xfrm>
+            <a:off x="496390" y="1058091"/>
+            <a:ext cx="6008914" cy="369332"/>
+          </a:xfrm>
+          <a:prstGeom prst="rect">
+            <a:avLst/>
+          </a:prstGeom>
+          <a:noFill/>
+        </p:spPr>
+        <p:txBody>
+          <a:bodyPr wrap="square" rtlCol="0">
+            <a:spAutoFit/>
+          </a:bodyPr>
+          <a:lstStyle/>
+          <a:p>
+            <a:r>
+              <a:rPr lang="zh-CN" altLang="en-US" dirty="0"/>
+              <a:t>一个点时</a:t>
+            </a:r>
+            <a:r>
+              <a:rPr lang="en-US" altLang="zh-CN" dirty="0"/>
+              <a:t>N</a:t>
+            </a:r>
+            <a:r>
+              <a:rPr lang="en-US" altLang="zh-CN" baseline="-20000" dirty="0"/>
+              <a:t>0</a:t>
+            </a:r>
+            <a:r>
+              <a:rPr lang="en-US" altLang="zh-CN" dirty="0"/>
+              <a:t>(x) = a</a:t>
+            </a:r>
+            <a:r>
+              <a:rPr lang="en-US" altLang="zh-CN" baseline="-25000" dirty="0"/>
+              <a:t>0</a:t>
+            </a:r>
+            <a:r>
+              <a:rPr lang="el-GR" altLang="zh-CN" dirty="0"/>
+              <a:t> Φ</a:t>
+            </a:r>
+            <a:r>
+              <a:rPr lang="en-US" altLang="zh-CN" baseline="-25000" dirty="0"/>
+              <a:t>0</a:t>
+            </a:r>
+            <a:r>
+              <a:rPr lang="en-US" altLang="zh-CN" dirty="0"/>
+              <a:t>(x)   	 </a:t>
+            </a:r>
+            <a:r>
+              <a:rPr lang="en-US" altLang="zh-CN" dirty="0">
+                <a:sym typeface="Wingdings" panose="05000000000000000000" pitchFamily="2" charset="2"/>
+              </a:rPr>
+              <a:t></a:t>
+            </a:r>
+            <a:r>
+              <a:rPr lang="en-US" altLang="zh-CN" dirty="0"/>
+              <a:t>    a</a:t>
+            </a:r>
+            <a:r>
+              <a:rPr lang="en-US" altLang="zh-CN" baseline="-25000" dirty="0"/>
+              <a:t>0</a:t>
+            </a:r>
+            <a:r>
+              <a:rPr lang="en-US" altLang="zh-CN" dirty="0"/>
+              <a:t> = y</a:t>
+            </a:r>
+            <a:r>
+              <a:rPr lang="en-US" altLang="zh-CN" baseline="-25000" dirty="0"/>
+              <a:t>0</a:t>
+            </a:r>
+            <a:endParaRPr lang="zh-CN" altLang="en-US" baseline="-25000" dirty="0"/>
+          </a:p>
+        </p:txBody>
+      </p:sp>
+      <p:sp>
+        <p:nvSpPr>
+          <p:cNvPr id="6" name="文本框 5">
+            <a:extLst>
+              <a:ext uri="{FF2B5EF4-FFF2-40B4-BE49-F238E27FC236}">
+                <a16:creationId xmlns:a16="http://schemas.microsoft.com/office/drawing/2014/main" id="{F03AA609-C4D5-4F0D-8D33-4CFF827FC2D2}"/>
+              </a:ext>
+            </a:extLst>
+          </p:cNvPr>
+          <p:cNvSpPr txBox="1"/>
+          <p:nvPr/>
+        </p:nvSpPr>
+        <p:spPr>
+          <a:xfrm>
+            <a:off x="496388" y="1815737"/>
+            <a:ext cx="6335485" cy="369332"/>
+          </a:xfrm>
+          <a:prstGeom prst="rect">
+            <a:avLst/>
+          </a:prstGeom>
+          <a:noFill/>
+        </p:spPr>
+        <p:txBody>
+          <a:bodyPr wrap="square" rtlCol="0">
+            <a:spAutoFit/>
+          </a:bodyPr>
+          <a:lstStyle/>
+          <a:p>
+            <a:r>
+              <a:rPr lang="zh-CN" altLang="en-US" dirty="0"/>
+              <a:t>新增一个点 </a:t>
+            </a:r>
+            <a:r>
+              <a:rPr lang="en-US" altLang="zh-CN" dirty="0"/>
+              <a:t>N</a:t>
+            </a:r>
+            <a:r>
+              <a:rPr lang="en-US" altLang="zh-CN" baseline="-25000" dirty="0"/>
+              <a:t>1</a:t>
+            </a:r>
+            <a:r>
+              <a:rPr lang="en-US" altLang="zh-CN" dirty="0"/>
+              <a:t>(x) = N</a:t>
+            </a:r>
+            <a:r>
+              <a:rPr lang="en-US" altLang="zh-CN" baseline="-25000" dirty="0"/>
+              <a:t>0</a:t>
+            </a:r>
+            <a:r>
+              <a:rPr lang="en-US" altLang="zh-CN" dirty="0"/>
+              <a:t>(x) + a</a:t>
+            </a:r>
+            <a:r>
+              <a:rPr lang="en-US" altLang="zh-CN" baseline="-25000" dirty="0"/>
+              <a:t>1</a:t>
+            </a:r>
+            <a:r>
+              <a:rPr lang="el-GR" altLang="zh-CN" dirty="0"/>
+              <a:t> Φ</a:t>
+            </a:r>
+            <a:r>
+              <a:rPr lang="en-US" altLang="zh-CN" baseline="-25000" dirty="0"/>
+              <a:t>1</a:t>
+            </a:r>
+            <a:r>
+              <a:rPr lang="en-US" altLang="zh-CN" dirty="0"/>
+              <a:t>(x) = y</a:t>
+            </a:r>
+            <a:r>
+              <a:rPr lang="en-US" altLang="zh-CN" baseline="-25000" dirty="0"/>
+              <a:t>0</a:t>
+            </a:r>
+            <a:r>
+              <a:rPr lang="en-US" altLang="zh-CN" dirty="0"/>
+              <a:t> + a</a:t>
+            </a:r>
+            <a:r>
+              <a:rPr lang="en-US" altLang="zh-CN" baseline="-25000" dirty="0"/>
+              <a:t>1</a:t>
+            </a:r>
+            <a:r>
+              <a:rPr lang="el-GR" altLang="zh-CN" dirty="0"/>
+              <a:t> Φ</a:t>
+            </a:r>
+            <a:r>
+              <a:rPr lang="en-US" altLang="zh-CN" baseline="-25000" dirty="0"/>
+              <a:t>1</a:t>
+            </a:r>
+            <a:r>
+              <a:rPr lang="en-US" altLang="zh-CN" dirty="0"/>
+              <a:t>(x)   </a:t>
+            </a:r>
+            <a:r>
+              <a:rPr lang="en-US" altLang="zh-CN" dirty="0">
+                <a:sym typeface="Wingdings" panose="05000000000000000000" pitchFamily="2" charset="2"/>
+              </a:rPr>
+              <a:t></a:t>
+            </a:r>
+            <a:r>
+              <a:rPr lang="en-US" altLang="zh-CN" dirty="0"/>
+              <a:t> </a:t>
+            </a:r>
+            <a:endParaRPr lang="zh-CN" altLang="en-US" dirty="0"/>
+          </a:p>
+        </p:txBody>
+      </p:sp>
+      <p:pic>
+        <p:nvPicPr>
+          <p:cNvPr id="8" name="图片 7">
+            <a:extLst>
+              <a:ext uri="{FF2B5EF4-FFF2-40B4-BE49-F238E27FC236}">
+                <a16:creationId xmlns:a16="http://schemas.microsoft.com/office/drawing/2014/main" id="{220C8490-F1A1-4FFA-B5CC-5C7D226741E7}"/>
+              </a:ext>
+            </a:extLst>
+          </p:cNvPr>
+          <p:cNvPicPr>
+            <a:picLocks noChangeAspect="1"/>
+          </p:cNvPicPr>
+          <p:nvPr/>
+        </p:nvPicPr>
+        <p:blipFill>
+          <a:blip r:embed="rId2">
+            <a:extLst>
+              <a:ext uri="{28A0092B-C50C-407E-A947-70E740481C1C}">
+                <a14:useLocalDpi xmlns:a14="http://schemas.microsoft.com/office/drawing/2010/main" val="0"/>
+              </a:ext>
+            </a:extLst>
+          </a:blip>
+          <a:stretch>
+            <a:fillRect/>
+          </a:stretch>
+        </p:blipFill>
+        <p:spPr>
+          <a:xfrm>
+            <a:off x="6505304" y="1685335"/>
+            <a:ext cx="1800476" cy="571580"/>
+          </a:xfrm>
+          <a:prstGeom prst="rect">
+            <a:avLst/>
+          </a:prstGeom>
+        </p:spPr>
+      </p:pic>
+      <p:sp>
+        <p:nvSpPr>
+          <p:cNvPr id="9" name="文本框 8">
+            <a:extLst>
+              <a:ext uri="{FF2B5EF4-FFF2-40B4-BE49-F238E27FC236}">
+                <a16:creationId xmlns:a16="http://schemas.microsoft.com/office/drawing/2014/main" id="{108D6B47-C70B-411D-BDED-54104D89F919}"/>
+              </a:ext>
+            </a:extLst>
+          </p:cNvPr>
+          <p:cNvSpPr txBox="1"/>
+          <p:nvPr/>
+        </p:nvSpPr>
+        <p:spPr>
+          <a:xfrm>
+            <a:off x="496388" y="2821577"/>
+            <a:ext cx="7445829" cy="369332"/>
+          </a:xfrm>
+          <a:prstGeom prst="rect">
+            <a:avLst/>
+          </a:prstGeom>
+          <a:noFill/>
+        </p:spPr>
+        <p:txBody>
+          <a:bodyPr wrap="square" rtlCol="0">
+            <a:spAutoFit/>
+          </a:bodyPr>
+          <a:lstStyle/>
+          <a:p>
+            <a:r>
+              <a:rPr lang="zh-CN" altLang="en-US" dirty="0"/>
+              <a:t>再新增一个点</a:t>
+            </a:r>
+            <a:r>
+              <a:rPr lang="en-US" altLang="zh-CN" dirty="0"/>
+              <a:t>N</a:t>
+            </a:r>
+            <a:r>
+              <a:rPr lang="en-US" altLang="zh-CN" baseline="-25000" dirty="0"/>
+              <a:t>2</a:t>
+            </a:r>
+            <a:r>
+              <a:rPr lang="en-US" altLang="zh-CN" dirty="0"/>
+              <a:t>(x) = N</a:t>
+            </a:r>
+            <a:r>
+              <a:rPr lang="en-US" altLang="zh-CN" baseline="-25000" dirty="0"/>
+              <a:t>1</a:t>
+            </a:r>
+            <a:r>
+              <a:rPr lang="en-US" altLang="zh-CN" dirty="0"/>
+              <a:t>(x) + a</a:t>
+            </a:r>
+            <a:r>
+              <a:rPr lang="en-US" altLang="zh-CN" baseline="-25000" dirty="0"/>
+              <a:t>2</a:t>
+            </a:r>
+            <a:r>
+              <a:rPr lang="el-GR" altLang="zh-CN" dirty="0"/>
+              <a:t> Φ </a:t>
+            </a:r>
+            <a:r>
+              <a:rPr lang="en-US" altLang="zh-CN" baseline="-25000" dirty="0"/>
+              <a:t>2</a:t>
+            </a:r>
+            <a:r>
+              <a:rPr lang="en-US" altLang="zh-CN" dirty="0"/>
+              <a:t>(x) = y</a:t>
+            </a:r>
+            <a:r>
+              <a:rPr lang="en-US" altLang="zh-CN" baseline="-25000" dirty="0"/>
+              <a:t>0</a:t>
+            </a:r>
+            <a:r>
+              <a:rPr lang="en-US" altLang="zh-CN" dirty="0"/>
+              <a:t> + a</a:t>
+            </a:r>
+            <a:r>
+              <a:rPr lang="en-US" altLang="zh-CN" baseline="-25000" dirty="0"/>
+              <a:t>1</a:t>
+            </a:r>
+            <a:r>
+              <a:rPr lang="el-GR" altLang="zh-CN" dirty="0"/>
+              <a:t> Φ</a:t>
+            </a:r>
+            <a:r>
+              <a:rPr lang="en-US" altLang="zh-CN" baseline="-25000" dirty="0"/>
+              <a:t>1</a:t>
+            </a:r>
+            <a:r>
+              <a:rPr lang="en-US" altLang="zh-CN" dirty="0"/>
+              <a:t>(x) + a</a:t>
+            </a:r>
+            <a:r>
+              <a:rPr lang="en-US" altLang="zh-CN" baseline="-25000" dirty="0"/>
+              <a:t>2</a:t>
+            </a:r>
+            <a:r>
+              <a:rPr lang="el-GR" altLang="zh-CN" dirty="0"/>
+              <a:t> Φ</a:t>
+            </a:r>
+            <a:r>
+              <a:rPr lang="en-US" altLang="zh-CN" baseline="-25000" dirty="0"/>
+              <a:t>2</a:t>
+            </a:r>
+            <a:r>
+              <a:rPr lang="en-US" altLang="zh-CN" dirty="0"/>
+              <a:t>(x) </a:t>
+            </a:r>
+            <a:endParaRPr lang="zh-CN" altLang="en-US" dirty="0"/>
+          </a:p>
+        </p:txBody>
+      </p:sp>
+      <p:pic>
+        <p:nvPicPr>
+          <p:cNvPr id="11" name="图片 10">
+            <a:extLst>
+              <a:ext uri="{FF2B5EF4-FFF2-40B4-BE49-F238E27FC236}">
+                <a16:creationId xmlns:a16="http://schemas.microsoft.com/office/drawing/2014/main" id="{D815F83F-3969-420F-8801-82253870E9CF}"/>
+              </a:ext>
+            </a:extLst>
+          </p:cNvPr>
+          <p:cNvPicPr>
+            <a:picLocks noChangeAspect="1"/>
+          </p:cNvPicPr>
+          <p:nvPr/>
+        </p:nvPicPr>
+        <p:blipFill>
+          <a:blip r:embed="rId3">
+            <a:extLst>
+              <a:ext uri="{28A0092B-C50C-407E-A947-70E740481C1C}">
+                <a14:useLocalDpi xmlns:a14="http://schemas.microsoft.com/office/drawing/2010/main" val="0"/>
+              </a:ext>
+            </a:extLst>
+          </a:blip>
+          <a:stretch>
+            <a:fillRect/>
+          </a:stretch>
+        </p:blipFill>
+        <p:spPr>
+          <a:xfrm>
+            <a:off x="496388" y="3486503"/>
+            <a:ext cx="10091250" cy="1372880"/>
+          </a:xfrm>
+          <a:prstGeom prst="rect">
+            <a:avLst/>
+          </a:prstGeom>
+        </p:spPr>
+      </p:pic>
+      <p:sp>
+        <p:nvSpPr>
+          <p:cNvPr id="13" name="文本框 12">
+            <a:extLst>
+              <a:ext uri="{FF2B5EF4-FFF2-40B4-BE49-F238E27FC236}">
+                <a16:creationId xmlns:a16="http://schemas.microsoft.com/office/drawing/2014/main" id="{47C37BBA-9BD4-4107-9DA7-D5CFBF749746}"/>
+              </a:ext>
+            </a:extLst>
+          </p:cNvPr>
+          <p:cNvSpPr txBox="1"/>
+          <p:nvPr/>
+        </p:nvSpPr>
+        <p:spPr>
+          <a:xfrm>
+            <a:off x="496388" y="5342709"/>
+            <a:ext cx="8190412" cy="369332"/>
+          </a:xfrm>
+          <a:prstGeom prst="rect">
+            <a:avLst/>
+          </a:prstGeom>
+          <a:noFill/>
+        </p:spPr>
+        <p:txBody>
+          <a:bodyPr wrap="square" rtlCol="0">
+            <a:spAutoFit/>
+          </a:bodyPr>
+          <a:lstStyle/>
+          <a:p>
+            <a:r>
+              <a:rPr lang="zh-CN" altLang="en-US" dirty="0"/>
+              <a:t>再新增一个点</a:t>
+            </a:r>
+            <a:r>
+              <a:rPr lang="en-US" altLang="zh-CN" dirty="0"/>
+              <a:t>N</a:t>
+            </a:r>
+            <a:r>
+              <a:rPr lang="en-US" altLang="zh-CN" baseline="-25000" dirty="0"/>
+              <a:t>3</a:t>
+            </a:r>
+            <a:r>
+              <a:rPr lang="en-US" altLang="zh-CN" dirty="0"/>
+              <a:t>(x)?  o(≧</a:t>
+            </a:r>
+            <a:r>
+              <a:rPr lang="zh-CN" altLang="en-US" dirty="0"/>
+              <a:t>口≦</a:t>
+            </a:r>
+            <a:r>
+              <a:rPr lang="en-US" altLang="zh-CN" dirty="0"/>
+              <a:t>)o….. </a:t>
+            </a:r>
+            <a:r>
+              <a:rPr lang="zh-CN" altLang="en-US" dirty="0"/>
+              <a:t>还有完没完，这里就不推导了。</a:t>
+            </a:r>
+          </a:p>
+        </p:txBody>
+      </p:sp>
+    </p:spTree>
+    <p:extLst>
+      <p:ext uri="{BB962C8B-B14F-4D97-AF65-F5344CB8AC3E}">
+        <p14:creationId xmlns:p14="http://schemas.microsoft.com/office/powerpoint/2010/main" val="3998678182"/>
+      </p:ext>
+    </p:extLst>
+  </p:cSld>
+  <p:clrMapOvr>
+    <a:masterClrMapping/>
+  </p:clrMapOvr>
+  <p:timing>
+    <p:tnLst>
+      <p:par>
+        <p:cTn id="1" dur="indefinite" restart="never" nodeType="tmRoot">
+          <p:childTnLst>
+            <p:seq concurrent="1" nextAc="seek">
+              <p:cTn id="2" dur="indefinite" nodeType="mainSeq">
+                <p:childTnLst>
+                  <p:par>
+                    <p:cTn id="3" fill="hold">
+                      <p:stCondLst>
+                        <p:cond delay="indefinite"/>
+                      </p:stCondLst>
+                      <p:childTnLst>
+                        <p:par>
+                          <p:cTn id="4" fill="hold">
+                            <p:stCondLst>
+                              <p:cond delay="0"/>
+                            </p:stCondLst>
+                            <p:childTnLst>
+                              <p:par>
+                                <p:cTn id="5" presetID="10" presetClass="entr" presetSubtype="0" fill="hold" grpId="0" nodeType="clickEffect">
+                                  <p:stCondLst>
+                                    <p:cond delay="0"/>
+                                  </p:stCondLst>
+                                  <p:childTnLst>
+                                    <p:set>
+                                      <p:cBhvr>
+                                        <p:cTn id="6" dur="1" fill="hold">
+                                          <p:stCondLst>
+                                            <p:cond delay="0"/>
+                                          </p:stCondLst>
+                                        </p:cTn>
+                                        <p:tgtEl>
+                                          <p:spTgt spid="4"/>
+                                        </p:tgtEl>
+                                        <p:attrNameLst>
+                                          <p:attrName>style.visibility</p:attrName>
+                                        </p:attrNameLst>
+                                      </p:cBhvr>
+                                      <p:to>
+                                        <p:strVal val="visible"/>
+                                      </p:to>
+                                    </p:set>
+                                    <p:animEffect transition="in" filter="fade">
+                                      <p:cBhvr>
+                                        <p:cTn id="7" dur="500"/>
+                                        <p:tgtEl>
+                                          <p:spTgt spid="4"/>
+                                        </p:tgtEl>
+                                      </p:cBhvr>
+                                    </p:animEffect>
+                                  </p:childTnLst>
+                                </p:cTn>
+                              </p:par>
+                            </p:childTnLst>
+                          </p:cTn>
+                        </p:par>
+                      </p:childTnLst>
+                    </p:cTn>
+                  </p:par>
+                  <p:par>
+                    <p:cTn id="8" fill="hold">
+                      <p:stCondLst>
+                        <p:cond delay="indefinite"/>
+                      </p:stCondLst>
+                      <p:childTnLst>
+                        <p:par>
+                          <p:cTn id="9" fill="hold">
+                            <p:stCondLst>
+                              <p:cond delay="0"/>
+                            </p:stCondLst>
+                            <p:childTnLst>
+                              <p:par>
+                                <p:cTn id="10" presetID="42" presetClass="entr" presetSubtype="0" fill="hold" grpId="0" nodeType="clickEffect">
+                                  <p:stCondLst>
+                                    <p:cond delay="0"/>
+                                  </p:stCondLst>
+                                  <p:childTnLst>
+                                    <p:set>
+                                      <p:cBhvr>
+                                        <p:cTn id="11" dur="1" fill="hold">
+                                          <p:stCondLst>
+                                            <p:cond delay="0"/>
+                                          </p:stCondLst>
+                                        </p:cTn>
+                                        <p:tgtEl>
+                                          <p:spTgt spid="5"/>
+                                        </p:tgtEl>
+                                        <p:attrNameLst>
+                                          <p:attrName>style.visibility</p:attrName>
+                                        </p:attrNameLst>
+                                      </p:cBhvr>
+                                      <p:to>
+                                        <p:strVal val="visible"/>
+                                      </p:to>
+                                    </p:set>
+                                    <p:animEffect transition="in" filter="fade">
+                                      <p:cBhvr>
+                                        <p:cTn id="12" dur="1000"/>
+                                        <p:tgtEl>
+                                          <p:spTgt spid="5"/>
+                                        </p:tgtEl>
+                                      </p:cBhvr>
+                                    </p:animEffect>
+                                    <p:anim calcmode="lin" valueType="num">
+                                      <p:cBhvr>
+                                        <p:cTn id="13" dur="1000" fill="hold"/>
+                                        <p:tgtEl>
+                                          <p:spTgt spid="5"/>
+                                        </p:tgtEl>
+                                        <p:attrNameLst>
+                                          <p:attrName>ppt_x</p:attrName>
+                                        </p:attrNameLst>
+                                      </p:cBhvr>
+                                      <p:tavLst>
+                                        <p:tav tm="0">
+                                          <p:val>
+                                            <p:strVal val="#ppt_x"/>
+                                          </p:val>
+                                        </p:tav>
+                                        <p:tav tm="100000">
+                                          <p:val>
+                                            <p:strVal val="#ppt_x"/>
+                                          </p:val>
+                                        </p:tav>
+                                      </p:tavLst>
+                                    </p:anim>
+                                    <p:anim calcmode="lin" valueType="num">
+                                      <p:cBhvr>
+                                        <p:cTn id="14" dur="1000" fill="hold"/>
+                                        <p:tgtEl>
+                                          <p:spTgt spid="5"/>
+                                        </p:tgtEl>
+                                        <p:attrNameLst>
+                                          <p:attrName>ppt_y</p:attrName>
+                                        </p:attrNameLst>
+                                      </p:cBhvr>
+                                      <p:tavLst>
+                                        <p:tav tm="0">
+                                          <p:val>
+                                            <p:strVal val="#ppt_y+.1"/>
+                                          </p:val>
+                                        </p:tav>
+                                        <p:tav tm="100000">
+                                          <p:val>
+                                            <p:strVal val="#ppt_y"/>
+                                          </p:val>
+                                        </p:tav>
+                                      </p:tavLst>
+                                    </p:anim>
+                                  </p:childTnLst>
+                                </p:cTn>
+                              </p:par>
+                            </p:childTnLst>
+                          </p:cTn>
+                        </p:par>
+                      </p:childTnLst>
+                    </p:cTn>
+                  </p:par>
+                  <p:par>
+                    <p:cTn id="15" fill="hold">
+                      <p:stCondLst>
+                        <p:cond delay="indefinite"/>
+                      </p:stCondLst>
+                      <p:childTnLst>
+                        <p:par>
+                          <p:cTn id="16" fill="hold">
+                            <p:stCondLst>
+                              <p:cond delay="0"/>
+                            </p:stCondLst>
+                            <p:childTnLst>
+                              <p:par>
+                                <p:cTn id="17" presetID="42" presetClass="entr" presetSubtype="0" fill="hold" grpId="0" nodeType="clickEffect">
+                                  <p:stCondLst>
+                                    <p:cond delay="0"/>
+                                  </p:stCondLst>
+                                  <p:childTnLst>
+                                    <p:set>
+                                      <p:cBhvr>
+                                        <p:cTn id="18" dur="1" fill="hold">
+                                          <p:stCondLst>
+                                            <p:cond delay="0"/>
+                                          </p:stCondLst>
+                                        </p:cTn>
+                                        <p:tgtEl>
+                                          <p:spTgt spid="6"/>
+                                        </p:tgtEl>
+                                        <p:attrNameLst>
+                                          <p:attrName>style.visibility</p:attrName>
+                                        </p:attrNameLst>
+                                      </p:cBhvr>
+                                      <p:to>
+                                        <p:strVal val="visible"/>
+                                      </p:to>
+                                    </p:set>
+                                    <p:animEffect transition="in" filter="fade">
+                                      <p:cBhvr>
+                                        <p:cTn id="19" dur="1000"/>
+                                        <p:tgtEl>
+                                          <p:spTgt spid="6"/>
+                                        </p:tgtEl>
+                                      </p:cBhvr>
+                                    </p:animEffect>
+                                    <p:anim calcmode="lin" valueType="num">
+                                      <p:cBhvr>
+                                        <p:cTn id="20" dur="1000" fill="hold"/>
+                                        <p:tgtEl>
+                                          <p:spTgt spid="6"/>
+                                        </p:tgtEl>
+                                        <p:attrNameLst>
+                                          <p:attrName>ppt_x</p:attrName>
+                                        </p:attrNameLst>
+                                      </p:cBhvr>
+                                      <p:tavLst>
+                                        <p:tav tm="0">
+                                          <p:val>
+                                            <p:strVal val="#ppt_x"/>
+                                          </p:val>
+                                        </p:tav>
+                                        <p:tav tm="100000">
+                                          <p:val>
+                                            <p:strVal val="#ppt_x"/>
+                                          </p:val>
+                                        </p:tav>
+                                      </p:tavLst>
+                                    </p:anim>
+                                    <p:anim calcmode="lin" valueType="num">
+                                      <p:cBhvr>
+                                        <p:cTn id="21" dur="1000" fill="hold"/>
+                                        <p:tgtEl>
+                                          <p:spTgt spid="6"/>
+                                        </p:tgtEl>
+                                        <p:attrNameLst>
+                                          <p:attrName>ppt_y</p:attrName>
+                                        </p:attrNameLst>
+                                      </p:cBhvr>
+                                      <p:tavLst>
+                                        <p:tav tm="0">
+                                          <p:val>
+                                            <p:strVal val="#ppt_y+.1"/>
+                                          </p:val>
+                                        </p:tav>
+                                        <p:tav tm="100000">
+                                          <p:val>
+                                            <p:strVal val="#ppt_y"/>
+                                          </p:val>
+                                        </p:tav>
+                                      </p:tavLst>
+                                    </p:anim>
+                                  </p:childTnLst>
+                                </p:cTn>
+                              </p:par>
+                            </p:childTnLst>
+                          </p:cTn>
+                        </p:par>
+                      </p:childTnLst>
+                    </p:cTn>
+                  </p:par>
+                  <p:par>
+                    <p:cTn id="22" fill="hold">
+                      <p:stCondLst>
+                        <p:cond delay="indefinite"/>
+                      </p:stCondLst>
+                      <p:childTnLst>
+                        <p:par>
+                          <p:cTn id="23" fill="hold">
+                            <p:stCondLst>
+                              <p:cond delay="0"/>
+                            </p:stCondLst>
+                            <p:childTnLst>
+                              <p:par>
+                                <p:cTn id="24" presetID="6" presetClass="entr" presetSubtype="16" fill="hold" nodeType="clickEffect">
+                                  <p:stCondLst>
+                                    <p:cond delay="0"/>
+                                  </p:stCondLst>
+                                  <p:childTnLst>
+                                    <p:set>
+                                      <p:cBhvr>
+                                        <p:cTn id="25" dur="1" fill="hold">
+                                          <p:stCondLst>
+                                            <p:cond delay="0"/>
+                                          </p:stCondLst>
+                                        </p:cTn>
+                                        <p:tgtEl>
+                                          <p:spTgt spid="8"/>
+                                        </p:tgtEl>
+                                        <p:attrNameLst>
+                                          <p:attrName>style.visibility</p:attrName>
+                                        </p:attrNameLst>
+                                      </p:cBhvr>
+                                      <p:to>
+                                        <p:strVal val="visible"/>
+                                      </p:to>
+                                    </p:set>
+                                    <p:animEffect transition="in" filter="circle(in)">
+                                      <p:cBhvr>
+                                        <p:cTn id="26" dur="2000"/>
+                                        <p:tgtEl>
+                                          <p:spTgt spid="8"/>
+                                        </p:tgtEl>
+                                      </p:cBhvr>
+                                    </p:animEffect>
+                                  </p:childTnLst>
+                                </p:cTn>
+                              </p:par>
+                            </p:childTnLst>
+                          </p:cTn>
+                        </p:par>
+                      </p:childTnLst>
+                    </p:cTn>
+                  </p:par>
+                  <p:par>
+                    <p:cTn id="27" fill="hold">
+                      <p:stCondLst>
+                        <p:cond delay="indefinite"/>
+                      </p:stCondLst>
+                      <p:childTnLst>
+                        <p:par>
+                          <p:cTn id="28" fill="hold">
+                            <p:stCondLst>
+                              <p:cond delay="0"/>
+                            </p:stCondLst>
+                            <p:childTnLst>
+                              <p:par>
+                                <p:cTn id="29" presetID="42" presetClass="entr" presetSubtype="0" fill="hold" grpId="0" nodeType="clickEffect">
+                                  <p:stCondLst>
+                                    <p:cond delay="0"/>
+                                  </p:stCondLst>
+                                  <p:childTnLst>
+                                    <p:set>
+                                      <p:cBhvr>
+                                        <p:cTn id="30" dur="1" fill="hold">
+                                          <p:stCondLst>
+                                            <p:cond delay="0"/>
+                                          </p:stCondLst>
+                                        </p:cTn>
+                                        <p:tgtEl>
+                                          <p:spTgt spid="9"/>
+                                        </p:tgtEl>
+                                        <p:attrNameLst>
+                                          <p:attrName>style.visibility</p:attrName>
+                                        </p:attrNameLst>
+                                      </p:cBhvr>
+                                      <p:to>
+                                        <p:strVal val="visible"/>
+                                      </p:to>
+                                    </p:set>
+                                    <p:animEffect transition="in" filter="fade">
+                                      <p:cBhvr>
+                                        <p:cTn id="31" dur="1000"/>
+                                        <p:tgtEl>
+                                          <p:spTgt spid="9"/>
+                                        </p:tgtEl>
+                                      </p:cBhvr>
+                                    </p:animEffect>
+                                    <p:anim calcmode="lin" valueType="num">
+                                      <p:cBhvr>
+                                        <p:cTn id="32" dur="1000" fill="hold"/>
+                                        <p:tgtEl>
+                                          <p:spTgt spid="9"/>
+                                        </p:tgtEl>
+                                        <p:attrNameLst>
+                                          <p:attrName>ppt_x</p:attrName>
+                                        </p:attrNameLst>
+                                      </p:cBhvr>
+                                      <p:tavLst>
+                                        <p:tav tm="0">
+                                          <p:val>
+                                            <p:strVal val="#ppt_x"/>
+                                          </p:val>
+                                        </p:tav>
+                                        <p:tav tm="100000">
+                                          <p:val>
+                                            <p:strVal val="#ppt_x"/>
+                                          </p:val>
+                                        </p:tav>
+                                      </p:tavLst>
+                                    </p:anim>
+                                    <p:anim calcmode="lin" valueType="num">
+                                      <p:cBhvr>
+                                        <p:cTn id="33" dur="1000" fill="hold"/>
+                                        <p:tgtEl>
+                                          <p:spTgt spid="9"/>
+                                        </p:tgtEl>
+                                        <p:attrNameLst>
+                                          <p:attrName>ppt_y</p:attrName>
+                                        </p:attrNameLst>
+                                      </p:cBhvr>
+                                      <p:tavLst>
+                                        <p:tav tm="0">
+                                          <p:val>
+                                            <p:strVal val="#ppt_y+.1"/>
+                                          </p:val>
+                                        </p:tav>
+                                        <p:tav tm="100000">
+                                          <p:val>
+                                            <p:strVal val="#ppt_y"/>
+                                          </p:val>
+                                        </p:tav>
+                                      </p:tavLst>
+                                    </p:anim>
+                                  </p:childTnLst>
+                                </p:cTn>
+                              </p:par>
+                            </p:childTnLst>
+                          </p:cTn>
+                        </p:par>
+                      </p:childTnLst>
+                    </p:cTn>
+                  </p:par>
+                  <p:par>
+                    <p:cTn id="34" fill="hold">
+                      <p:stCondLst>
+                        <p:cond delay="indefinite"/>
+                      </p:stCondLst>
+                      <p:childTnLst>
+                        <p:par>
+                          <p:cTn id="35" fill="hold">
+                            <p:stCondLst>
+                              <p:cond delay="0"/>
+                            </p:stCondLst>
+                            <p:childTnLst>
+                              <p:par>
+                                <p:cTn id="36" presetID="6" presetClass="entr" presetSubtype="16" fill="hold" nodeType="clickEffect">
+                                  <p:stCondLst>
+                                    <p:cond delay="0"/>
+                                  </p:stCondLst>
+                                  <p:childTnLst>
+                                    <p:set>
+                                      <p:cBhvr>
+                                        <p:cTn id="37" dur="1" fill="hold">
+                                          <p:stCondLst>
+                                            <p:cond delay="0"/>
+                                          </p:stCondLst>
+                                        </p:cTn>
+                                        <p:tgtEl>
+                                          <p:spTgt spid="11"/>
+                                        </p:tgtEl>
+                                        <p:attrNameLst>
+                                          <p:attrName>style.visibility</p:attrName>
+                                        </p:attrNameLst>
+                                      </p:cBhvr>
+                                      <p:to>
+                                        <p:strVal val="visible"/>
+                                      </p:to>
+                                    </p:set>
+                                    <p:animEffect transition="in" filter="circle(in)">
+                                      <p:cBhvr>
+                                        <p:cTn id="38" dur="2000"/>
+                                        <p:tgtEl>
+                                          <p:spTgt spid="11"/>
+                                        </p:tgtEl>
+                                      </p:cBhvr>
+                                    </p:animEffect>
+                                  </p:childTnLst>
+                                </p:cTn>
+                              </p:par>
+                            </p:childTnLst>
+                          </p:cTn>
+                        </p:par>
+                      </p:childTnLst>
+                    </p:cTn>
+                  </p:par>
+                  <p:par>
+                    <p:cTn id="39" fill="hold">
+                      <p:stCondLst>
+                        <p:cond delay="indefinite"/>
+                      </p:stCondLst>
+                      <p:childTnLst>
+                        <p:par>
+                          <p:cTn id="40" fill="hold">
+                            <p:stCondLst>
+                              <p:cond delay="0"/>
+                            </p:stCondLst>
+                            <p:childTnLst>
+                              <p:par>
+                                <p:cTn id="41" presetID="42" presetClass="entr" presetSubtype="0" fill="hold" grpId="0" nodeType="clickEffect">
+                                  <p:stCondLst>
+                                    <p:cond delay="0"/>
+                                  </p:stCondLst>
+                                  <p:childTnLst>
+                                    <p:set>
+                                      <p:cBhvr>
+                                        <p:cTn id="42" dur="1" fill="hold">
+                                          <p:stCondLst>
+                                            <p:cond delay="0"/>
+                                          </p:stCondLst>
+                                        </p:cTn>
+                                        <p:tgtEl>
+                                          <p:spTgt spid="13"/>
+                                        </p:tgtEl>
+                                        <p:attrNameLst>
+                                          <p:attrName>style.visibility</p:attrName>
+                                        </p:attrNameLst>
+                                      </p:cBhvr>
+                                      <p:to>
+                                        <p:strVal val="visible"/>
+                                      </p:to>
+                                    </p:set>
+                                    <p:animEffect transition="in" filter="fade">
+                                      <p:cBhvr>
+                                        <p:cTn id="43" dur="1000"/>
+                                        <p:tgtEl>
+                                          <p:spTgt spid="13"/>
+                                        </p:tgtEl>
+                                      </p:cBhvr>
+                                    </p:animEffect>
+                                    <p:anim calcmode="lin" valueType="num">
+                                      <p:cBhvr>
+                                        <p:cTn id="44" dur="1000" fill="hold"/>
+                                        <p:tgtEl>
+                                          <p:spTgt spid="13"/>
+                                        </p:tgtEl>
+                                        <p:attrNameLst>
+                                          <p:attrName>ppt_x</p:attrName>
+                                        </p:attrNameLst>
+                                      </p:cBhvr>
+                                      <p:tavLst>
+                                        <p:tav tm="0">
+                                          <p:val>
+                                            <p:strVal val="#ppt_x"/>
+                                          </p:val>
+                                        </p:tav>
+                                        <p:tav tm="100000">
+                                          <p:val>
+                                            <p:strVal val="#ppt_x"/>
+                                          </p:val>
+                                        </p:tav>
+                                      </p:tavLst>
+                                    </p:anim>
+                                    <p:anim calcmode="lin" valueType="num">
+                                      <p:cBhvr>
+                                        <p:cTn id="45" dur="1000" fill="hold"/>
+                                        <p:tgtEl>
+                                          <p:spTgt spid="13"/>
+                                        </p:tgtEl>
+                                        <p:attrNameLst>
+                                          <p:attrName>ppt_y</p:attrName>
+                                        </p:attrNameLst>
+                                      </p:cBhvr>
+                                      <p:tavLst>
+                                        <p:tav tm="0">
+                                          <p:val>
+                                            <p:strVal val="#ppt_y+.1"/>
+                                          </p:val>
+                                        </p:tav>
+                                        <p:tav tm="100000">
+                                          <p:val>
+                                            <p:strVal val="#ppt_y"/>
+                                          </p:val>
+                                        </p:tav>
+                                      </p:tavLst>
+                                    </p:anim>
+                                  </p:childTnLst>
+                                </p:cTn>
+                              </p:par>
+                            </p:childTnLst>
+                          </p:cTn>
+                        </p:par>
+                      </p:childTnLst>
+                    </p:cTn>
+                  </p:par>
+                </p:childTnLst>
+              </p:cTn>
+              <p:prevCondLst>
+                <p:cond evt="onPrev" delay="0">
+                  <p:tgtEl>
+                    <p:sldTgt/>
+                  </p:tgtEl>
+                </p:cond>
+              </p:prevCondLst>
+              <p:nextCondLst>
+                <p:cond evt="onNext" delay="0">
+                  <p:tgtEl>
+                    <p:sldTgt/>
+                  </p:tgtEl>
+                </p:cond>
+              </p:nextCondLst>
+            </p:seq>
+          </p:childTnLst>
+        </p:cTn>
+      </p:par>
+    </p:tnLst>
+    <p:bldLst>
+      <p:bldP spid="4" grpId="0"/>
+      <p:bldP spid="5" grpId="0"/>
+      <p:bldP spid="6" grpId="0"/>
+      <p:bldP spid="9" grpId="0"/>
+      <p:bldP spid="13" grpId="0"/>
+    </p:bldLst>
+  </p:timing>
+</p:sld>
+</file>
+
+<file path=ppt/slides/slide13.xml><?xml version="1.0" encoding="utf-8"?>
+<p:sld xmlns:a="http://schemas.openxmlformats.org/drawingml/2006/main" xmlns:r="http://schemas.openxmlformats.org/officeDocument/2006/relationships" xmlns:p="http://schemas.openxmlformats.org/presentationml/2006/main">
+  <p:cSld>
+    <p:spTree>
+      <p:nvGrpSpPr>
+        <p:cNvPr id="1" name=""/>
+        <p:cNvGrpSpPr/>
+        <p:nvPr/>
+      </p:nvGrpSpPr>
+      <p:grpSpPr>
+        <a:xfrm>
+          <a:off x="0" y="0"/>
+          <a:ext cx="0" cy="0"/>
+          <a:chOff x="0" y="0"/>
+          <a:chExt cx="0" cy="0"/>
+        </a:xfrm>
+      </p:grpSpPr>
+      <p:sp>
+        <p:nvSpPr>
+          <p:cNvPr id="4" name="文本框 3">
+            <a:extLst>
+              <a:ext uri="{FF2B5EF4-FFF2-40B4-BE49-F238E27FC236}">
+                <a16:creationId xmlns:a16="http://schemas.microsoft.com/office/drawing/2014/main" id="{CF6E53BD-22C2-42FD-B5B5-ACA26301028E}"/>
+              </a:ext>
+            </a:extLst>
+          </p:cNvPr>
+          <p:cNvSpPr txBox="1"/>
+          <p:nvPr/>
+        </p:nvSpPr>
+        <p:spPr>
+          <a:xfrm>
+            <a:off x="279400" y="220133"/>
+            <a:ext cx="5063067" cy="461665"/>
+          </a:xfrm>
+          <a:prstGeom prst="rect">
+            <a:avLst/>
+          </a:prstGeom>
+          <a:noFill/>
+        </p:spPr>
+        <p:txBody>
+          <a:bodyPr wrap="square" rtlCol="0">
+            <a:spAutoFit/>
+          </a:bodyPr>
+          <a:lstStyle/>
+          <a:p>
+            <a:r>
+              <a:rPr lang="zh-CN" altLang="en-US" sz="2400" b="1" dirty="0">
+                <a:solidFill>
+                  <a:schemeClr val="accent1"/>
+                </a:solidFill>
+              </a:rPr>
+              <a:t>抽取特征，引入差商概念</a:t>
+            </a:r>
+          </a:p>
+        </p:txBody>
+      </p:sp>
+      <p:sp>
+        <p:nvSpPr>
+          <p:cNvPr id="5" name="文本框 4">
+            <a:extLst>
+              <a:ext uri="{FF2B5EF4-FFF2-40B4-BE49-F238E27FC236}">
+                <a16:creationId xmlns:a16="http://schemas.microsoft.com/office/drawing/2014/main" id="{47A81DB4-7D42-4007-AAE0-7C6947CC6B82}"/>
+              </a:ext>
+            </a:extLst>
+          </p:cNvPr>
+          <p:cNvSpPr txBox="1"/>
+          <p:nvPr/>
+        </p:nvSpPr>
+        <p:spPr>
+          <a:xfrm>
+            <a:off x="404949" y="914400"/>
+            <a:ext cx="11382102" cy="646331"/>
+          </a:xfrm>
+          <a:prstGeom prst="rect">
+            <a:avLst/>
+          </a:prstGeom>
+          <a:noFill/>
+        </p:spPr>
+        <p:txBody>
+          <a:bodyPr wrap="square" rtlCol="0">
+            <a:spAutoFit/>
+          </a:bodyPr>
+          <a:lstStyle/>
+          <a:p>
+            <a:r>
+              <a:rPr lang="zh-CN" altLang="en-US" dirty="0"/>
+              <a:t>给定函数</a:t>
+            </a:r>
+            <a:r>
+              <a:rPr lang="en-US" altLang="zh-CN" dirty="0"/>
+              <a:t>f(x)</a:t>
+            </a:r>
+            <a:r>
+              <a:rPr lang="zh-CN" altLang="en-US" dirty="0"/>
+              <a:t>的插值节点</a:t>
+            </a:r>
+            <a:r>
+              <a:rPr lang="en-US" altLang="zh-CN" dirty="0"/>
+              <a:t>x</a:t>
+            </a:r>
+            <a:r>
+              <a:rPr lang="en-US" altLang="zh-CN" baseline="-25000" dirty="0"/>
+              <a:t>0</a:t>
+            </a:r>
+            <a:r>
+              <a:rPr lang="en-US" altLang="zh-CN" dirty="0"/>
+              <a:t>, x</a:t>
+            </a:r>
+            <a:r>
+              <a:rPr lang="en-US" altLang="zh-CN" baseline="-25000" dirty="0"/>
+              <a:t>1</a:t>
+            </a:r>
+            <a:r>
+              <a:rPr lang="en-US" altLang="zh-CN" dirty="0"/>
+              <a:t>, ……, </a:t>
+            </a:r>
+            <a:r>
+              <a:rPr lang="en-US" altLang="zh-CN" dirty="0" err="1"/>
+              <a:t>x</a:t>
+            </a:r>
+            <a:r>
+              <a:rPr lang="en-US" altLang="zh-CN" baseline="-25000" dirty="0" err="1"/>
+              <a:t>n</a:t>
+            </a:r>
+            <a:r>
+              <a:rPr lang="en-US" altLang="zh-CN" dirty="0"/>
+              <a:t>, </a:t>
+            </a:r>
+            <a:r>
+              <a:rPr lang="zh-CN" altLang="en-US" dirty="0"/>
+              <a:t>用</a:t>
+            </a:r>
+            <a:r>
+              <a:rPr lang="en-US" altLang="zh-CN" dirty="0"/>
+              <a:t>f[x</a:t>
+            </a:r>
+            <a:r>
+              <a:rPr lang="en-US" altLang="zh-CN" baseline="-25000" dirty="0"/>
+              <a:t>0</a:t>
+            </a:r>
+            <a:r>
+              <a:rPr lang="en-US" altLang="zh-CN" dirty="0"/>
+              <a:t>, x</a:t>
+            </a:r>
+            <a:r>
+              <a:rPr lang="en-US" altLang="zh-CN" baseline="-25000" dirty="0"/>
+              <a:t>1</a:t>
+            </a:r>
+            <a:r>
+              <a:rPr lang="en-US" altLang="zh-CN" dirty="0"/>
+              <a:t>, …, </a:t>
+            </a:r>
+            <a:r>
+              <a:rPr lang="en-US" altLang="zh-CN" dirty="0" err="1"/>
+              <a:t>x</a:t>
+            </a:r>
+            <a:r>
+              <a:rPr lang="en-US" altLang="zh-CN" baseline="-25000" dirty="0" err="1"/>
+              <a:t>k</a:t>
+            </a:r>
+            <a:r>
+              <a:rPr lang="en-US" altLang="zh-CN" dirty="0"/>
+              <a:t>]</a:t>
+            </a:r>
+            <a:r>
+              <a:rPr lang="zh-CN" altLang="en-US" dirty="0"/>
+              <a:t>表示</a:t>
+            </a:r>
+            <a:r>
+              <a:rPr lang="en-US" altLang="zh-CN" dirty="0"/>
+              <a:t>f(x)</a:t>
+            </a:r>
+            <a:r>
+              <a:rPr lang="zh-CN" altLang="en-US" dirty="0"/>
+              <a:t>关于节点</a:t>
+            </a:r>
+            <a:r>
+              <a:rPr lang="en-US" altLang="zh-CN" dirty="0"/>
+              <a:t>x</a:t>
+            </a:r>
+            <a:r>
+              <a:rPr lang="en-US" altLang="zh-CN" baseline="-25000" dirty="0"/>
+              <a:t>0</a:t>
+            </a:r>
+            <a:r>
+              <a:rPr lang="en-US" altLang="zh-CN" dirty="0"/>
+              <a:t>, x</a:t>
+            </a:r>
+            <a:r>
+              <a:rPr lang="en-US" altLang="zh-CN" baseline="-25000" dirty="0"/>
+              <a:t>1</a:t>
+            </a:r>
+            <a:r>
+              <a:rPr lang="en-US" altLang="zh-CN" dirty="0"/>
+              <a:t>, …, </a:t>
+            </a:r>
+            <a:r>
+              <a:rPr lang="en-US" altLang="zh-CN" dirty="0" err="1"/>
+              <a:t>x</a:t>
+            </a:r>
+            <a:r>
+              <a:rPr lang="en-US" altLang="zh-CN" baseline="-25000" dirty="0" err="1"/>
+              <a:t>k</a:t>
+            </a:r>
+            <a:r>
+              <a:rPr lang="zh-CN" altLang="en-US" dirty="0"/>
+              <a:t>的</a:t>
+            </a:r>
+            <a:r>
+              <a:rPr lang="en-US" altLang="zh-CN" dirty="0"/>
+              <a:t>k</a:t>
+            </a:r>
+            <a:r>
+              <a:rPr lang="zh-CN" altLang="en-US" dirty="0"/>
+              <a:t>阶差商</a:t>
+            </a:r>
+            <a:r>
+              <a:rPr lang="en-US" altLang="zh-CN" dirty="0"/>
+              <a:t>(k=1,2,…,n)</a:t>
+            </a:r>
+          </a:p>
+          <a:p>
+            <a:r>
+              <a:rPr lang="zh-CN" altLang="en-US" dirty="0"/>
+              <a:t>其递归定义为</a:t>
+            </a:r>
+            <a:r>
+              <a:rPr lang="en-US" altLang="zh-CN" dirty="0"/>
+              <a:t>:</a:t>
+            </a:r>
+          </a:p>
+        </p:txBody>
+      </p:sp>
+      <p:pic>
+        <p:nvPicPr>
+          <p:cNvPr id="7" name="图片 6">
+            <a:extLst>
+              <a:ext uri="{FF2B5EF4-FFF2-40B4-BE49-F238E27FC236}">
+                <a16:creationId xmlns:a16="http://schemas.microsoft.com/office/drawing/2014/main" id="{8469E660-18E0-42D5-846A-3BEFE4CE7B55}"/>
+              </a:ext>
+            </a:extLst>
+          </p:cNvPr>
+          <p:cNvPicPr>
+            <a:picLocks noChangeAspect="1"/>
+          </p:cNvPicPr>
+          <p:nvPr/>
+        </p:nvPicPr>
+        <p:blipFill>
+          <a:blip r:embed="rId2">
+            <a:extLst>
+              <a:ext uri="{28A0092B-C50C-407E-A947-70E740481C1C}">
+                <a14:useLocalDpi xmlns:a14="http://schemas.microsoft.com/office/drawing/2010/main" val="0"/>
+              </a:ext>
+            </a:extLst>
+          </a:blip>
+          <a:stretch>
+            <a:fillRect/>
+          </a:stretch>
+        </p:blipFill>
+        <p:spPr>
+          <a:xfrm>
+            <a:off x="2000140" y="1583753"/>
+            <a:ext cx="5615505" cy="669599"/>
+          </a:xfrm>
+          <a:prstGeom prst="rect">
+            <a:avLst/>
+          </a:prstGeom>
+        </p:spPr>
+      </p:pic>
+      <p:sp>
+        <p:nvSpPr>
+          <p:cNvPr id="8" name="文本框 7">
+            <a:extLst>
+              <a:ext uri="{FF2B5EF4-FFF2-40B4-BE49-F238E27FC236}">
+                <a16:creationId xmlns:a16="http://schemas.microsoft.com/office/drawing/2014/main" id="{230F620E-DFDC-47D4-A5E3-62B546FF6F29}"/>
+              </a:ext>
+            </a:extLst>
+          </p:cNvPr>
+          <p:cNvSpPr txBox="1"/>
+          <p:nvPr/>
+        </p:nvSpPr>
+        <p:spPr>
+          <a:xfrm>
+            <a:off x="640080" y="2664823"/>
+            <a:ext cx="7236823" cy="369332"/>
+          </a:xfrm>
+          <a:prstGeom prst="rect">
+            <a:avLst/>
+          </a:prstGeom>
+          <a:noFill/>
+        </p:spPr>
+        <p:txBody>
+          <a:bodyPr wrap="square" rtlCol="0">
+            <a:spAutoFit/>
+          </a:bodyPr>
+          <a:lstStyle/>
+          <a:p>
+            <a:r>
+              <a:rPr lang="zh-CN" altLang="en-US" dirty="0"/>
+              <a:t>其中</a:t>
+            </a:r>
+            <a:r>
+              <a:rPr lang="en-US" altLang="zh-CN" dirty="0"/>
+              <a:t>f(x)</a:t>
+            </a:r>
+            <a:r>
+              <a:rPr lang="zh-CN" altLang="en-US" dirty="0"/>
+              <a:t>关于节点</a:t>
+            </a:r>
+            <a:r>
+              <a:rPr lang="en-US" altLang="zh-CN" dirty="0"/>
+              <a:t>x</a:t>
+            </a:r>
+            <a:r>
+              <a:rPr lang="en-US" altLang="zh-CN" baseline="-25000" dirty="0"/>
+              <a:t>i</a:t>
+            </a:r>
+            <a:r>
+              <a:rPr lang="zh-CN" altLang="en-US" dirty="0"/>
+              <a:t>的</a:t>
+            </a:r>
+            <a:r>
+              <a:rPr lang="en-US" altLang="zh-CN" dirty="0"/>
+              <a:t>0</a:t>
+            </a:r>
+            <a:r>
+              <a:rPr lang="zh-CN" altLang="en-US" dirty="0"/>
+              <a:t>阶差商定义为其函数值，即</a:t>
+            </a:r>
+            <a:r>
+              <a:rPr lang="en-US" altLang="zh-CN" dirty="0"/>
+              <a:t>f[x</a:t>
+            </a:r>
+            <a:r>
+              <a:rPr lang="en-US" altLang="zh-CN" baseline="-25000" dirty="0"/>
+              <a:t>i</a:t>
+            </a:r>
+            <a:r>
+              <a:rPr lang="en-US" altLang="zh-CN" dirty="0"/>
+              <a:t>] = f(x</a:t>
+            </a:r>
+            <a:r>
+              <a:rPr lang="en-US" altLang="zh-CN" baseline="-25000" dirty="0"/>
+              <a:t>i</a:t>
+            </a:r>
+            <a:r>
+              <a:rPr lang="en-US" altLang="zh-CN" dirty="0"/>
+              <a:t>)</a:t>
+            </a:r>
+            <a:endParaRPr lang="zh-CN" altLang="en-US" dirty="0"/>
+          </a:p>
+        </p:txBody>
+      </p:sp>
+      <p:pic>
+        <p:nvPicPr>
+          <p:cNvPr id="10" name="图片 9">
+            <a:extLst>
+              <a:ext uri="{FF2B5EF4-FFF2-40B4-BE49-F238E27FC236}">
+                <a16:creationId xmlns:a16="http://schemas.microsoft.com/office/drawing/2014/main" id="{0508618A-D04B-45F6-8BE7-112F7B119CBD}"/>
+              </a:ext>
+            </a:extLst>
+          </p:cNvPr>
+          <p:cNvPicPr>
+            <a:picLocks noChangeAspect="1"/>
+          </p:cNvPicPr>
+          <p:nvPr/>
+        </p:nvPicPr>
+        <p:blipFill>
+          <a:blip r:embed="rId3">
+            <a:extLst>
+              <a:ext uri="{28A0092B-C50C-407E-A947-70E740481C1C}">
+                <a14:useLocalDpi xmlns:a14="http://schemas.microsoft.com/office/drawing/2010/main" val="0"/>
+              </a:ext>
+            </a:extLst>
+          </a:blip>
+          <a:stretch>
+            <a:fillRect/>
+          </a:stretch>
+        </p:blipFill>
+        <p:spPr>
+          <a:xfrm>
+            <a:off x="640080" y="3219172"/>
+            <a:ext cx="5249008" cy="1629002"/>
+          </a:xfrm>
+          <a:prstGeom prst="rect">
+            <a:avLst/>
+          </a:prstGeom>
+        </p:spPr>
+      </p:pic>
+      <p:pic>
+        <p:nvPicPr>
+          <p:cNvPr id="12" name="图片 11">
+            <a:extLst>
+              <a:ext uri="{FF2B5EF4-FFF2-40B4-BE49-F238E27FC236}">
+                <a16:creationId xmlns:a16="http://schemas.microsoft.com/office/drawing/2014/main" id="{010418A6-3AFE-40BA-B40D-ED2D172A92AF}"/>
+              </a:ext>
+            </a:extLst>
+          </p:cNvPr>
+          <p:cNvPicPr>
+            <a:picLocks noChangeAspect="1"/>
+          </p:cNvPicPr>
+          <p:nvPr/>
+        </p:nvPicPr>
+        <p:blipFill>
+          <a:blip r:embed="rId4">
+            <a:extLst>
+              <a:ext uri="{28A0092B-C50C-407E-A947-70E740481C1C}">
+                <a14:useLocalDpi xmlns:a14="http://schemas.microsoft.com/office/drawing/2010/main" val="0"/>
+              </a:ext>
+            </a:extLst>
+          </a:blip>
+          <a:stretch>
+            <a:fillRect/>
+          </a:stretch>
+        </p:blipFill>
+        <p:spPr>
+          <a:xfrm>
+            <a:off x="6302914" y="3034155"/>
+            <a:ext cx="5611008" cy="3372321"/>
+          </a:xfrm>
+          <a:prstGeom prst="rect">
+            <a:avLst/>
+          </a:prstGeom>
+        </p:spPr>
+      </p:pic>
+    </p:spTree>
+    <p:extLst>
+      <p:ext uri="{BB962C8B-B14F-4D97-AF65-F5344CB8AC3E}">
+        <p14:creationId xmlns:p14="http://schemas.microsoft.com/office/powerpoint/2010/main" val="2259986184"/>
+      </p:ext>
+    </p:extLst>
+  </p:cSld>
+  <p:clrMapOvr>
+    <a:masterClrMapping/>
+  </p:clrMapOvr>
+</p:sld>
+</file>
+
+<file path=ppt/slides/slide14.xml><?xml version="1.0" encoding="utf-8"?>
+<p:sld xmlns:a="http://schemas.openxmlformats.org/drawingml/2006/main" xmlns:r="http://schemas.openxmlformats.org/officeDocument/2006/relationships" xmlns:p="http://schemas.openxmlformats.org/presentationml/2006/main">
+  <p:cSld>
+    <p:spTree>
+      <p:nvGrpSpPr>
+        <p:cNvPr id="1" name=""/>
+        <p:cNvGrpSpPr/>
+        <p:nvPr/>
+      </p:nvGrpSpPr>
+      <p:grpSpPr>
+        <a:xfrm>
+          <a:off x="0" y="0"/>
+          <a:ext cx="0" cy="0"/>
+          <a:chOff x="0" y="0"/>
+          <a:chExt cx="0" cy="0"/>
+        </a:xfrm>
+      </p:grpSpPr>
+      <p:sp>
+        <p:nvSpPr>
+          <p:cNvPr id="4" name="文本框 3">
+            <a:extLst>
+              <a:ext uri="{FF2B5EF4-FFF2-40B4-BE49-F238E27FC236}">
+                <a16:creationId xmlns:a16="http://schemas.microsoft.com/office/drawing/2014/main" id="{3688B38A-BE54-4C9E-89C1-2F80164827B3}"/>
+              </a:ext>
+            </a:extLst>
+          </p:cNvPr>
+          <p:cNvSpPr txBox="1"/>
+          <p:nvPr/>
+        </p:nvSpPr>
+        <p:spPr>
+          <a:xfrm>
+            <a:off x="365760" y="339634"/>
+            <a:ext cx="8098971" cy="461665"/>
+          </a:xfrm>
+          <a:prstGeom prst="rect">
+            <a:avLst/>
+          </a:prstGeom>
+          <a:noFill/>
+        </p:spPr>
+        <p:txBody>
+          <a:bodyPr wrap="square" rtlCol="0">
+            <a:spAutoFit/>
+          </a:bodyPr>
+          <a:lstStyle/>
+          <a:p>
+            <a:r>
+              <a:rPr lang="zh-CN" altLang="en-US" sz="2400" b="1" dirty="0">
+                <a:solidFill>
+                  <a:schemeClr val="accent1"/>
+                </a:solidFill>
+              </a:rPr>
+              <a:t>以此类推牛顿插值公式</a:t>
+            </a:r>
+          </a:p>
+        </p:txBody>
+      </p:sp>
+      <p:pic>
+        <p:nvPicPr>
+          <p:cNvPr id="6" name="图片 5">
+            <a:extLst>
+              <a:ext uri="{FF2B5EF4-FFF2-40B4-BE49-F238E27FC236}">
+                <a16:creationId xmlns:a16="http://schemas.microsoft.com/office/drawing/2014/main" id="{12AC6310-94E6-40C6-986E-E09CB86AE185}"/>
+              </a:ext>
+            </a:extLst>
+          </p:cNvPr>
+          <p:cNvPicPr>
+            <a:picLocks noChangeAspect="1"/>
+          </p:cNvPicPr>
+          <p:nvPr/>
+        </p:nvPicPr>
+        <p:blipFill>
+          <a:blip r:embed="rId2">
+            <a:extLst>
+              <a:ext uri="{28A0092B-C50C-407E-A947-70E740481C1C}">
+                <a14:useLocalDpi xmlns:a14="http://schemas.microsoft.com/office/drawing/2010/main" val="0"/>
+              </a:ext>
+            </a:extLst>
+          </a:blip>
+          <a:stretch>
+            <a:fillRect/>
+          </a:stretch>
+        </p:blipFill>
+        <p:spPr>
+          <a:xfrm>
+            <a:off x="566268" y="942883"/>
+            <a:ext cx="5812952" cy="1604374"/>
+          </a:xfrm>
+          <a:prstGeom prst="rect">
+            <a:avLst/>
+          </a:prstGeom>
+        </p:spPr>
+      </p:pic>
+      <p:sp>
+        <p:nvSpPr>
+          <p:cNvPr id="7" name="文本框 6">
+            <a:extLst>
+              <a:ext uri="{FF2B5EF4-FFF2-40B4-BE49-F238E27FC236}">
+                <a16:creationId xmlns:a16="http://schemas.microsoft.com/office/drawing/2014/main" id="{0912A12A-E058-4926-A765-40E911443F51}"/>
+              </a:ext>
+            </a:extLst>
+          </p:cNvPr>
+          <p:cNvSpPr txBox="1"/>
+          <p:nvPr/>
+        </p:nvSpPr>
+        <p:spPr>
+          <a:xfrm>
+            <a:off x="566268" y="3252651"/>
+            <a:ext cx="11438498" cy="1675843"/>
+          </a:xfrm>
+          <a:prstGeom prst="rect">
+            <a:avLst/>
+          </a:prstGeom>
+          <a:noFill/>
+        </p:spPr>
+        <p:txBody>
+          <a:bodyPr wrap="square" rtlCol="0">
+            <a:spAutoFit/>
+          </a:bodyPr>
+          <a:lstStyle/>
+          <a:p>
+            <a:pPr marL="285750" indent="-285750">
+              <a:lnSpc>
+                <a:spcPct val="200000"/>
+              </a:lnSpc>
+              <a:buFont typeface="Arial" panose="020B0604020202020204" pitchFamily="34" charset="0"/>
+              <a:buChar char="•"/>
+            </a:pPr>
+            <a:r>
+              <a:rPr lang="zh-CN" altLang="en-US" dirty="0">
+                <a:solidFill>
+                  <a:schemeClr val="accent5"/>
+                </a:solidFill>
+              </a:rPr>
+              <a:t>优缺点</a:t>
+            </a:r>
+            <a:endParaRPr lang="en-US" altLang="zh-CN" dirty="0">
+              <a:solidFill>
+                <a:schemeClr val="accent5"/>
+              </a:solidFill>
+            </a:endParaRPr>
+          </a:p>
+          <a:p>
+            <a:pPr marL="285750" indent="-285750">
+              <a:lnSpc>
+                <a:spcPct val="200000"/>
+              </a:lnSpc>
+              <a:buFont typeface="Arial" panose="020B0604020202020204" pitchFamily="34" charset="0"/>
+              <a:buChar char="•"/>
+            </a:pPr>
+            <a:r>
+              <a:rPr lang="zh-CN" altLang="en-US" dirty="0">
+                <a:solidFill>
+                  <a:schemeClr val="accent5"/>
+                </a:solidFill>
+              </a:rPr>
+              <a:t>和</a:t>
+            </a:r>
+            <a:r>
+              <a:rPr lang="en-US" altLang="zh-CN" dirty="0">
+                <a:solidFill>
+                  <a:schemeClr val="accent5"/>
+                </a:solidFill>
+              </a:rPr>
+              <a:t>Lagrange</a:t>
+            </a:r>
+            <a:r>
+              <a:rPr lang="zh-CN" altLang="en-US" dirty="0">
+                <a:solidFill>
+                  <a:schemeClr val="accent5"/>
+                </a:solidFill>
+              </a:rPr>
+              <a:t>相比，有很好的继承性，新增节点只需要计算新一阶的差商，简化了计算（优点）</a:t>
+            </a:r>
+            <a:endParaRPr lang="en-US" altLang="zh-CN" dirty="0">
+              <a:solidFill>
+                <a:schemeClr val="accent5"/>
+              </a:solidFill>
+            </a:endParaRPr>
+          </a:p>
+          <a:p>
+            <a:pPr marL="285750" indent="-285750">
+              <a:lnSpc>
+                <a:spcPct val="200000"/>
+              </a:lnSpc>
+              <a:buFont typeface="Arial" panose="020B0604020202020204" pitchFamily="34" charset="0"/>
+              <a:buChar char="•"/>
+            </a:pPr>
+            <a:r>
+              <a:rPr lang="zh-CN" altLang="en-US" dirty="0">
+                <a:solidFill>
+                  <a:schemeClr val="accent5"/>
+                </a:solidFill>
+              </a:rPr>
+              <a:t>实际上和</a:t>
+            </a:r>
+            <a:r>
+              <a:rPr lang="en-US" altLang="zh-CN" dirty="0">
+                <a:solidFill>
+                  <a:schemeClr val="accent5"/>
+                </a:solidFill>
+              </a:rPr>
+              <a:t>Lagrange</a:t>
+            </a:r>
+            <a:r>
+              <a:rPr lang="zh-CN" altLang="en-US" dirty="0">
+                <a:solidFill>
+                  <a:schemeClr val="accent5"/>
+                </a:solidFill>
+              </a:rPr>
+              <a:t>都是求高次多项式的算法，结果唯一，依然有龙格现象</a:t>
+            </a:r>
+          </a:p>
+        </p:txBody>
+      </p:sp>
+    </p:spTree>
+    <p:extLst>
+      <p:ext uri="{BB962C8B-B14F-4D97-AF65-F5344CB8AC3E}">
+        <p14:creationId xmlns:p14="http://schemas.microsoft.com/office/powerpoint/2010/main" val="3233642374"/>
+      </p:ext>
+    </p:extLst>
+  </p:cSld>
+  <p:clrMapOvr>
+    <a:masterClrMapping/>
+  </p:clrMapOvr>
+  <p:timing>
+    <p:tnLst>
+      <p:par>
+        <p:cTn id="1" dur="indefinite" restart="never" nodeType="tmRoot">
+          <p:childTnLst>
+            <p:seq concurrent="1" nextAc="seek">
+              <p:cTn id="2" dur="indefinite" nodeType="mainSeq">
+                <p:childTnLst>
+                  <p:par>
+                    <p:cTn id="3" fill="hold">
+                      <p:stCondLst>
+                        <p:cond delay="indefinite"/>
+                      </p:stCondLst>
+                      <p:childTnLst>
+                        <p:par>
+                          <p:cTn id="4" fill="hold">
+                            <p:stCondLst>
+                              <p:cond delay="0"/>
+                            </p:stCondLst>
+                            <p:childTnLst>
+                              <p:par>
+                                <p:cTn id="5" presetID="2" presetClass="entr" presetSubtype="4" fill="hold" grpId="0" nodeType="clickEffect">
+                                  <p:stCondLst>
+                                    <p:cond delay="0"/>
+                                  </p:stCondLst>
+                                  <p:childTnLst>
+                                    <p:set>
+                                      <p:cBhvr>
+                                        <p:cTn id="6" dur="1" fill="hold">
+                                          <p:stCondLst>
+                                            <p:cond delay="0"/>
+                                          </p:stCondLst>
+                                        </p:cTn>
+                                        <p:tgtEl>
+                                          <p:spTgt spid="4"/>
+                                        </p:tgtEl>
+                                        <p:attrNameLst>
+                                          <p:attrName>style.visibility</p:attrName>
+                                        </p:attrNameLst>
+                                      </p:cBhvr>
+                                      <p:to>
+                                        <p:strVal val="visible"/>
+                                      </p:to>
+                                    </p:set>
+                                    <p:anim calcmode="lin" valueType="num">
+                                      <p:cBhvr additive="base">
+                                        <p:cTn id="7" dur="500" fill="hold"/>
+                                        <p:tgtEl>
+                                          <p:spTgt spid="4"/>
+                                        </p:tgtEl>
+                                        <p:attrNameLst>
+                                          <p:attrName>ppt_x</p:attrName>
+                                        </p:attrNameLst>
+                                      </p:cBhvr>
+                                      <p:tavLst>
+                                        <p:tav tm="0">
+                                          <p:val>
+                                            <p:strVal val="#ppt_x"/>
+                                          </p:val>
+                                        </p:tav>
+                                        <p:tav tm="100000">
+                                          <p:val>
+                                            <p:strVal val="#ppt_x"/>
+                                          </p:val>
+                                        </p:tav>
+                                      </p:tavLst>
+                                    </p:anim>
+                                    <p:anim calcmode="lin" valueType="num">
+                                      <p:cBhvr additive="base">
+                                        <p:cTn id="8" dur="500" fill="hold"/>
+                                        <p:tgtEl>
+                                          <p:spTgt spid="4"/>
+                                        </p:tgtEl>
+                                        <p:attrNameLst>
+                                          <p:attrName>ppt_y</p:attrName>
+                                        </p:attrNameLst>
+                                      </p:cBhvr>
+                                      <p:tavLst>
+                                        <p:tav tm="0">
+                                          <p:val>
+                                            <p:strVal val="1+#ppt_h/2"/>
+                                          </p:val>
+                                        </p:tav>
+                                        <p:tav tm="100000">
+                                          <p:val>
+                                            <p:strVal val="#ppt_y"/>
+                                          </p:val>
+                                        </p:tav>
+                                      </p:tavLst>
+                                    </p:anim>
+                                  </p:childTnLst>
+                                </p:cTn>
+                              </p:par>
+                            </p:childTnLst>
+                          </p:cTn>
+                        </p:par>
+                      </p:childTnLst>
+                    </p:cTn>
+                  </p:par>
+                  <p:par>
+                    <p:cTn id="9" fill="hold">
+                      <p:stCondLst>
+                        <p:cond delay="indefinite"/>
+                      </p:stCondLst>
+                      <p:childTnLst>
+                        <p:par>
+                          <p:cTn id="10" fill="hold">
+                            <p:stCondLst>
+                              <p:cond delay="0"/>
+                            </p:stCondLst>
+                            <p:childTnLst>
+                              <p:par>
+                                <p:cTn id="11" presetID="6" presetClass="entr" presetSubtype="16" fill="hold" nodeType="clickEffect">
+                                  <p:stCondLst>
+                                    <p:cond delay="0"/>
+                                  </p:stCondLst>
+                                  <p:childTnLst>
+                                    <p:set>
+                                      <p:cBhvr>
+                                        <p:cTn id="12" dur="1" fill="hold">
+                                          <p:stCondLst>
+                                            <p:cond delay="0"/>
+                                          </p:stCondLst>
+                                        </p:cTn>
+                                        <p:tgtEl>
+                                          <p:spTgt spid="6"/>
+                                        </p:tgtEl>
+                                        <p:attrNameLst>
+                                          <p:attrName>style.visibility</p:attrName>
+                                        </p:attrNameLst>
+                                      </p:cBhvr>
+                                      <p:to>
+                                        <p:strVal val="visible"/>
+                                      </p:to>
+                                    </p:set>
+                                    <p:animEffect transition="in" filter="circle(in)">
+                                      <p:cBhvr>
+                                        <p:cTn id="13" dur="2000"/>
+                                        <p:tgtEl>
+                                          <p:spTgt spid="6"/>
+                                        </p:tgtEl>
+                                      </p:cBhvr>
+                                    </p:animEffect>
+                                  </p:childTnLst>
+                                </p:cTn>
+                              </p:par>
+                            </p:childTnLst>
+                          </p:cTn>
+                        </p:par>
+                      </p:childTnLst>
+                    </p:cTn>
+                  </p:par>
+                  <p:par>
+                    <p:cTn id="14" fill="hold">
+                      <p:stCondLst>
+                        <p:cond delay="indefinite"/>
+                      </p:stCondLst>
+                      <p:childTnLst>
+                        <p:par>
+                          <p:cTn id="15" fill="hold">
+                            <p:stCondLst>
+                              <p:cond delay="0"/>
+                            </p:stCondLst>
+                            <p:childTnLst>
+                              <p:par>
+                                <p:cTn id="16" presetID="42" presetClass="entr" presetSubtype="0" fill="hold" grpId="0" nodeType="clickEffect">
+                                  <p:stCondLst>
+                                    <p:cond delay="0"/>
+                                  </p:stCondLst>
+                                  <p:childTnLst>
+                                    <p:set>
+                                      <p:cBhvr>
+                                        <p:cTn id="17" dur="1" fill="hold">
+                                          <p:stCondLst>
+                                            <p:cond delay="0"/>
+                                          </p:stCondLst>
+                                        </p:cTn>
+                                        <p:tgtEl>
+                                          <p:spTgt spid="7"/>
+                                        </p:tgtEl>
+                                        <p:attrNameLst>
+                                          <p:attrName>style.visibility</p:attrName>
+                                        </p:attrNameLst>
+                                      </p:cBhvr>
+                                      <p:to>
+                                        <p:strVal val="visible"/>
+                                      </p:to>
+                                    </p:set>
+                                    <p:animEffect transition="in" filter="fade">
+                                      <p:cBhvr>
+                                        <p:cTn id="18" dur="1000"/>
+                                        <p:tgtEl>
+                                          <p:spTgt spid="7"/>
+                                        </p:tgtEl>
+                                      </p:cBhvr>
+                                    </p:animEffect>
+                                    <p:anim calcmode="lin" valueType="num">
+                                      <p:cBhvr>
+                                        <p:cTn id="19" dur="1000" fill="hold"/>
+                                        <p:tgtEl>
+                                          <p:spTgt spid="7"/>
+                                        </p:tgtEl>
+                                        <p:attrNameLst>
+                                          <p:attrName>ppt_x</p:attrName>
+                                        </p:attrNameLst>
+                                      </p:cBhvr>
+                                      <p:tavLst>
+                                        <p:tav tm="0">
+                                          <p:val>
+                                            <p:strVal val="#ppt_x"/>
+                                          </p:val>
+                                        </p:tav>
+                                        <p:tav tm="100000">
+                                          <p:val>
+                                            <p:strVal val="#ppt_x"/>
+                                          </p:val>
+                                        </p:tav>
+                                      </p:tavLst>
+                                    </p:anim>
+                                    <p:anim calcmode="lin" valueType="num">
+                                      <p:cBhvr>
+                                        <p:cTn id="20" dur="1000" fill="hold"/>
+                                        <p:tgtEl>
+                                          <p:spTgt spid="7"/>
+                                        </p:tgtEl>
+                                        <p:attrNameLst>
+                                          <p:attrName>ppt_y</p:attrName>
+                                        </p:attrNameLst>
+                                      </p:cBhvr>
+                                      <p:tavLst>
+                                        <p:tav tm="0">
+                                          <p:val>
+                                            <p:strVal val="#ppt_y+.1"/>
+                                          </p:val>
+                                        </p:tav>
+                                        <p:tav tm="100000">
+                                          <p:val>
+                                            <p:strVal val="#ppt_y"/>
+                                          </p:val>
+                                        </p:tav>
+                                      </p:tavLst>
+                                    </p:anim>
+                                  </p:childTnLst>
+                                </p:cTn>
+                              </p:par>
+                            </p:childTnLst>
+                          </p:cTn>
+                        </p:par>
+                      </p:childTnLst>
+                    </p:cTn>
+                  </p:par>
+                </p:childTnLst>
+              </p:cTn>
+              <p:prevCondLst>
+                <p:cond evt="onPrev" delay="0">
+                  <p:tgtEl>
+                    <p:sldTgt/>
+                  </p:tgtEl>
+                </p:cond>
+              </p:prevCondLst>
+              <p:nextCondLst>
+                <p:cond evt="onNext" delay="0">
+                  <p:tgtEl>
+                    <p:sldTgt/>
+                  </p:tgtEl>
+                </p:cond>
+              </p:nextCondLst>
+            </p:seq>
+          </p:childTnLst>
+        </p:cTn>
+      </p:par>
+    </p:tnLst>
+    <p:bldLst>
+      <p:bldP spid="4" grpId="0"/>
+      <p:bldP spid="7" grpId="0"/>
+    </p:bldLst>
+  </p:timing>
 </p:sld>
 </file>
 
@@ -6036,7 +9046,23 @@
                   <a:schemeClr val="accent1"/>
                 </a:solidFill>
               </a:rPr>
-              <a:t>横空出世，拉格朗日插值法（多项式插值）</a:t>
+              <a:t>横空出世，拉格朗日插值法</a:t>
+            </a:r>
+            <a:r>
+              <a:rPr lang="en-US" altLang="zh-CN" sz="2400" b="1" dirty="0">
+                <a:solidFill>
+                  <a:schemeClr val="accent1"/>
+                </a:solidFill>
+              </a:rPr>
+              <a:t>Lagrange</a:t>
+            </a:r>
+            <a:r>
+              <a:rPr lang="zh-CN" altLang="en-US" sz="2400" b="1" dirty="0">
+                <a:solidFill>
+                  <a:schemeClr val="accent1"/>
+                </a:solidFill>
+              </a:rPr>
+              <a:t>（多项式插值）</a:t>
             </a:r>
           </a:p>
         </p:txBody>

--- a/docs/数据插值与拟合.pptx
+++ b/docs/数据插值与拟合.pptx
@@ -19,6 +19,8 @@
     <p:sldId id="267" r:id="rId13"/>
     <p:sldId id="268" r:id="rId14"/>
     <p:sldId id="269" r:id="rId15"/>
+    <p:sldId id="270" r:id="rId16"/>
+    <p:sldId id="271" r:id="rId17"/>
   </p:sldIdLst>
   <p:sldSz cx="12192000" cy="6858000"/>
   <p:notesSz cx="6858000" cy="9144000"/>
@@ -264,7 +266,7 @@
           <a:p>
             <a:fld id="{7B606B0D-CC14-4A6B-BAF7-F09A2A223F0C}" type="datetimeFigureOut">
               <a:rPr lang="zh-CN" altLang="en-US" smtClean="0"/>
-              <a:t>2019/2/24</a:t>
+              <a:t>2019/2/27</a:t>
             </a:fld>
             <a:endParaRPr lang="zh-CN" altLang="en-US"/>
           </a:p>
@@ -444,7 +446,7 @@
           <a:p>
             <a:fld id="{7B606B0D-CC14-4A6B-BAF7-F09A2A223F0C}" type="datetimeFigureOut">
               <a:rPr lang="zh-CN" altLang="en-US" smtClean="0"/>
-              <a:t>2019/2/24</a:t>
+              <a:t>2019/2/27</a:t>
             </a:fld>
             <a:endParaRPr lang="zh-CN" altLang="en-US"/>
           </a:p>
@@ -628,7 +630,7 @@
           <a:p>
             <a:fld id="{7B606B0D-CC14-4A6B-BAF7-F09A2A223F0C}" type="datetimeFigureOut">
               <a:rPr lang="zh-CN" altLang="en-US" smtClean="0"/>
-              <a:t>2019/2/24</a:t>
+              <a:t>2019/2/27</a:t>
             </a:fld>
             <a:endParaRPr lang="zh-CN" altLang="en-US"/>
           </a:p>
@@ -798,7 +800,7 @@
           <a:p>
             <a:fld id="{7B606B0D-CC14-4A6B-BAF7-F09A2A223F0C}" type="datetimeFigureOut">
               <a:rPr lang="zh-CN" altLang="en-US" smtClean="0"/>
-              <a:t>2019/2/24</a:t>
+              <a:t>2019/2/27</a:t>
             </a:fld>
             <a:endParaRPr lang="zh-CN" altLang="en-US"/>
           </a:p>
@@ -1046,7 +1048,7 @@
           <a:p>
             <a:fld id="{7B606B0D-CC14-4A6B-BAF7-F09A2A223F0C}" type="datetimeFigureOut">
               <a:rPr lang="zh-CN" altLang="en-US" smtClean="0"/>
-              <a:t>2019/2/24</a:t>
+              <a:t>2019/2/27</a:t>
             </a:fld>
             <a:endParaRPr lang="zh-CN" altLang="en-US"/>
           </a:p>
@@ -1283,7 +1285,7 @@
           <a:p>
             <a:fld id="{7B606B0D-CC14-4A6B-BAF7-F09A2A223F0C}" type="datetimeFigureOut">
               <a:rPr lang="zh-CN" altLang="en-US" smtClean="0"/>
-              <a:t>2019/2/24</a:t>
+              <a:t>2019/2/27</a:t>
             </a:fld>
             <a:endParaRPr lang="zh-CN" altLang="en-US"/>
           </a:p>
@@ -1668,7 +1670,7 @@
           <a:p>
             <a:fld id="{7B606B0D-CC14-4A6B-BAF7-F09A2A223F0C}" type="datetimeFigureOut">
               <a:rPr lang="zh-CN" altLang="en-US" smtClean="0"/>
-              <a:t>2019/2/24</a:t>
+              <a:t>2019/2/27</a:t>
             </a:fld>
             <a:endParaRPr lang="zh-CN" altLang="en-US"/>
           </a:p>
@@ -1786,7 +1788,7 @@
           <a:p>
             <a:fld id="{7B606B0D-CC14-4A6B-BAF7-F09A2A223F0C}" type="datetimeFigureOut">
               <a:rPr lang="zh-CN" altLang="en-US" smtClean="0"/>
-              <a:t>2019/2/24</a:t>
+              <a:t>2019/2/27</a:t>
             </a:fld>
             <a:endParaRPr lang="zh-CN" altLang="en-US"/>
           </a:p>
@@ -1881,7 +1883,7 @@
           <a:p>
             <a:fld id="{7B606B0D-CC14-4A6B-BAF7-F09A2A223F0C}" type="datetimeFigureOut">
               <a:rPr lang="zh-CN" altLang="en-US" smtClean="0"/>
-              <a:t>2019/2/24</a:t>
+              <a:t>2019/2/27</a:t>
             </a:fld>
             <a:endParaRPr lang="zh-CN" altLang="en-US"/>
           </a:p>
@@ -2132,7 +2134,7 @@
           <a:p>
             <a:fld id="{7B606B0D-CC14-4A6B-BAF7-F09A2A223F0C}" type="datetimeFigureOut">
               <a:rPr lang="zh-CN" altLang="en-US" smtClean="0"/>
-              <a:t>2019/2/24</a:t>
+              <a:t>2019/2/27</a:t>
             </a:fld>
             <a:endParaRPr lang="zh-CN" altLang="en-US"/>
           </a:p>
@@ -2523,7 +2525,7 @@
           <a:p>
             <a:fld id="{7B606B0D-CC14-4A6B-BAF7-F09A2A223F0C}" type="datetimeFigureOut">
               <a:rPr lang="zh-CN" altLang="en-US" smtClean="0"/>
-              <a:t>2019/2/24</a:t>
+              <a:t>2019/2/27</a:t>
             </a:fld>
             <a:endParaRPr lang="zh-CN" altLang="en-US"/>
           </a:p>
@@ -2740,7 +2742,7 @@
           <a:p>
             <a:fld id="{7B606B0D-CC14-4A6B-BAF7-F09A2A223F0C}" type="datetimeFigureOut">
               <a:rPr lang="zh-CN" altLang="en-US" smtClean="0"/>
-              <a:t>2019/2/24</a:t>
+              <a:t>2019/2/27</a:t>
             </a:fld>
             <a:endParaRPr lang="zh-CN" altLang="en-US"/>
           </a:p>
@@ -3329,7 +3331,7 @@
           <a:p>
             <a:r>
               <a:rPr lang="zh-CN" altLang="en-US" dirty="0"/>
-              <a:t>数据插值法</a:t>
+              <a:t>数据插值与拟合</a:t>
             </a:r>
           </a:p>
         </p:txBody>
@@ -3652,7 +3654,7 @@
                             </p:stCondLst>
                             <p:childTnLst>
                               <p:par>
-                                <p:cTn id="11" presetID="14" presetClass="entr" presetSubtype="10" fill="hold" grpId="0" nodeType="clickEffect">
+                                <p:cTn id="11" presetID="42" presetClass="entr" presetSubtype="0" fill="hold" nodeType="clickEffect">
                                   <p:stCondLst>
                                     <p:cond delay="0"/>
                                   </p:stCondLst>
@@ -3665,59 +3667,6 @@
                                           </p:stCondLst>
                                         </p:cTn>
                                         <p:tgtEl>
-                                          <p:spTgt spid="5"/>
-                                        </p:tgtEl>
-                                        <p:attrNameLst>
-                                          <p:attrName>style.visibility</p:attrName>
-                                        </p:attrNameLst>
-                                      </p:cBhvr>
-                                      <p:to>
-                                        <p:strVal val="visible"/>
-                                      </p:to>
-                                    </p:set>
-                                    <p:animEffect transition="in" filter="randombar(horizontal)">
-                                      <p:cBhvr>
-                                        <p:cTn id="13" dur="500"/>
-                                        <p:tgtEl>
-                                          <p:spTgt spid="5"/>
-                                        </p:tgtEl>
-                                      </p:cBhvr>
-                                    </p:animEffect>
-                                  </p:childTnLst>
-                                </p:cTn>
-                              </p:par>
-                            </p:childTnLst>
-                          </p:cTn>
-                        </p:par>
-                      </p:childTnLst>
-                    </p:cTn>
-                  </p:par>
-                  <p:par>
-                    <p:cTn id="14" fill="hold">
-                      <p:stCondLst>
-                        <p:cond delay="indefinite"/>
-                      </p:stCondLst>
-                      <p:childTnLst>
-                        <p:par>
-                          <p:cTn id="15" fill="hold">
-                            <p:stCondLst>
-                              <p:cond delay="0"/>
-                            </p:stCondLst>
-                            <p:childTnLst>
-                              <p:par>
-                                <p:cTn id="16" presetID="42" presetClass="entr" presetSubtype="0" fill="hold" nodeType="clickEffect">
-                                  <p:stCondLst>
-                                    <p:cond delay="0"/>
-                                  </p:stCondLst>
-                                  <p:childTnLst>
-                                    <p:set>
-                                      <p:cBhvr>
-                                        <p:cTn id="17" dur="1" fill="hold">
-                                          <p:stCondLst>
-                                            <p:cond delay="0"/>
-                                          </p:stCondLst>
-                                        </p:cTn>
-                                        <p:tgtEl>
                                           <p:spTgt spid="5">
                                             <p:txEl>
                                               <p:pRg st="0" end="0"/>
@@ -3734,7 +3683,7 @@
                                     </p:set>
                                     <p:animEffect transition="in" filter="fade">
                                       <p:cBhvr>
-                                        <p:cTn id="18" dur="1000"/>
+                                        <p:cTn id="13" dur="1000"/>
                                         <p:tgtEl>
                                           <p:spTgt spid="5">
                                             <p:txEl>
@@ -3746,7 +3695,7 @@
                                     </p:animEffect>
                                     <p:anim calcmode="lin" valueType="num">
                                       <p:cBhvr>
-                                        <p:cTn id="19" dur="1000" fill="hold"/>
+                                        <p:cTn id="14" dur="1000" fill="hold"/>
                                         <p:tgtEl>
                                           <p:spTgt spid="5">
                                             <p:txEl>
@@ -3773,7 +3722,7 @@
                                     </p:anim>
                                     <p:anim calcmode="lin" valueType="num">
                                       <p:cBhvr>
-                                        <p:cTn id="20" dur="1000" fill="hold"/>
+                                        <p:cTn id="15" dur="1000" fill="hold"/>
                                         <p:tgtEl>
                                           <p:spTgt spid="5">
                                             <p:txEl>
@@ -3801,15 +3750,33 @@
                                   </p:childTnLst>
                                 </p:cTn>
                               </p:par>
+                            </p:childTnLst>
+                          </p:cTn>
+                        </p:par>
+                      </p:childTnLst>
+                    </p:cTn>
+                  </p:par>
+                  <p:par>
+                    <p:cTn id="16" fill="hold">
+                      <p:stCondLst>
+                        <p:cond delay="indefinite"/>
+                      </p:stCondLst>
+                      <p:childTnLst>
+                        <p:par>
+                          <p:cTn id="17" fill="hold">
+                            <p:stCondLst>
+                              <p:cond delay="0"/>
+                            </p:stCondLst>
+                            <p:childTnLst>
                               <p:par>
-                                <p:cTn id="21" presetID="42" presetClass="entr" presetSubtype="0" fill="hold" nodeType="withEffect">
+                                <p:cTn id="18" presetID="42" presetClass="entr" presetSubtype="0" fill="hold" nodeType="clickEffect">
                                   <p:stCondLst>
                                     <p:cond delay="0"/>
                                   </p:stCondLst>
                                   <p:childTnLst>
                                     <p:set>
                                       <p:cBhvr>
-                                        <p:cTn id="22" dur="1" fill="hold">
+                                        <p:cTn id="19" dur="1" fill="hold">
                                           <p:stCondLst>
                                             <p:cond delay="0"/>
                                           </p:stCondLst>
@@ -3831,7 +3798,7 @@
                                     </p:set>
                                     <p:animEffect transition="in" filter="fade">
                                       <p:cBhvr>
-                                        <p:cTn id="23" dur="1000"/>
+                                        <p:cTn id="20" dur="1000"/>
                                         <p:tgtEl>
                                           <p:spTgt spid="5">
                                             <p:txEl>
@@ -3843,7 +3810,7 @@
                                     </p:animEffect>
                                     <p:anim calcmode="lin" valueType="num">
                                       <p:cBhvr>
-                                        <p:cTn id="24" dur="1000" fill="hold"/>
+                                        <p:cTn id="21" dur="1000" fill="hold"/>
                                         <p:tgtEl>
                                           <p:spTgt spid="5">
                                             <p:txEl>
@@ -3870,7 +3837,7 @@
                                     </p:anim>
                                     <p:anim calcmode="lin" valueType="num">
                                       <p:cBhvr>
-                                        <p:cTn id="25" dur="1000" fill="hold"/>
+                                        <p:cTn id="22" dur="1000" fill="hold"/>
                                         <p:tgtEl>
                                           <p:spTgt spid="5">
                                             <p:txEl>
@@ -3898,15 +3865,33 @@
                                   </p:childTnLst>
                                 </p:cTn>
                               </p:par>
+                            </p:childTnLst>
+                          </p:cTn>
+                        </p:par>
+                      </p:childTnLst>
+                    </p:cTn>
+                  </p:par>
+                  <p:par>
+                    <p:cTn id="23" fill="hold">
+                      <p:stCondLst>
+                        <p:cond delay="indefinite"/>
+                      </p:stCondLst>
+                      <p:childTnLst>
+                        <p:par>
+                          <p:cTn id="24" fill="hold">
+                            <p:stCondLst>
+                              <p:cond delay="0"/>
+                            </p:stCondLst>
+                            <p:childTnLst>
                               <p:par>
-                                <p:cTn id="26" presetID="42" presetClass="entr" presetSubtype="0" fill="hold" nodeType="withEffect">
+                                <p:cTn id="25" presetID="42" presetClass="entr" presetSubtype="0" fill="hold" nodeType="clickEffect">
                                   <p:stCondLst>
                                     <p:cond delay="0"/>
                                   </p:stCondLst>
                                   <p:childTnLst>
                                     <p:set>
                                       <p:cBhvr>
-                                        <p:cTn id="27" dur="1" fill="hold">
+                                        <p:cTn id="26" dur="1" fill="hold">
                                           <p:stCondLst>
                                             <p:cond delay="0"/>
                                           </p:stCondLst>
@@ -3928,7 +3913,7 @@
                                     </p:set>
                                     <p:animEffect transition="in" filter="fade">
                                       <p:cBhvr>
-                                        <p:cTn id="28" dur="1000"/>
+                                        <p:cTn id="27" dur="1000"/>
                                         <p:tgtEl>
                                           <p:spTgt spid="5">
                                             <p:txEl>
@@ -3940,7 +3925,7 @@
                                     </p:animEffect>
                                     <p:anim calcmode="lin" valueType="num">
                                       <p:cBhvr>
-                                        <p:cTn id="29" dur="1000" fill="hold"/>
+                                        <p:cTn id="28" dur="1000" fill="hold"/>
                                         <p:tgtEl>
                                           <p:spTgt spid="5">
                                             <p:txEl>
@@ -3967,7 +3952,7 @@
                                     </p:anim>
                                     <p:anim calcmode="lin" valueType="num">
                                       <p:cBhvr>
-                                        <p:cTn id="30" dur="1000" fill="hold"/>
+                                        <p:cTn id="29" dur="1000" fill="hold"/>
                                         <p:tgtEl>
                                           <p:spTgt spid="5">
                                             <p:txEl>
@@ -4024,7 +4009,6 @@
     </p:tnLst>
     <p:bldLst>
       <p:bldP spid="4" grpId="0"/>
-      <p:bldP spid="5" grpId="0"/>
     </p:bldLst>
   </p:timing>
 </p:sld>
@@ -4388,6 +4372,253 @@
   <p:clrMapOvr>
     <a:masterClrMapping/>
   </p:clrMapOvr>
+  <p:timing>
+    <p:tnLst>
+      <p:par>
+        <p:cTn id="1" dur="indefinite" restart="never" nodeType="tmRoot">
+          <p:childTnLst>
+            <p:seq concurrent="1" nextAc="seek">
+              <p:cTn id="2" dur="indefinite" nodeType="mainSeq">
+                <p:childTnLst>
+                  <p:par>
+                    <p:cTn id="3" fill="hold">
+                      <p:stCondLst>
+                        <p:cond delay="indefinite"/>
+                      </p:stCondLst>
+                      <p:childTnLst>
+                        <p:par>
+                          <p:cTn id="4" fill="hold">
+                            <p:stCondLst>
+                              <p:cond delay="0"/>
+                            </p:stCondLst>
+                            <p:childTnLst>
+                              <p:par>
+                                <p:cTn id="5" presetID="10" presetClass="entr" presetSubtype="0" fill="hold" grpId="0" nodeType="clickEffect">
+                                  <p:stCondLst>
+                                    <p:cond delay="0"/>
+                                  </p:stCondLst>
+                                  <p:childTnLst>
+                                    <p:set>
+                                      <p:cBhvr>
+                                        <p:cTn id="6" dur="1" fill="hold">
+                                          <p:stCondLst>
+                                            <p:cond delay="0"/>
+                                          </p:stCondLst>
+                                        </p:cTn>
+                                        <p:tgtEl>
+                                          <p:spTgt spid="4"/>
+                                        </p:tgtEl>
+                                        <p:attrNameLst>
+                                          <p:attrName>style.visibility</p:attrName>
+                                        </p:attrNameLst>
+                                      </p:cBhvr>
+                                      <p:to>
+                                        <p:strVal val="visible"/>
+                                      </p:to>
+                                    </p:set>
+                                    <p:animEffect transition="in" filter="fade">
+                                      <p:cBhvr>
+                                        <p:cTn id="7" dur="500"/>
+                                        <p:tgtEl>
+                                          <p:spTgt spid="4"/>
+                                        </p:tgtEl>
+                                      </p:cBhvr>
+                                    </p:animEffect>
+                                  </p:childTnLst>
+                                </p:cTn>
+                              </p:par>
+                            </p:childTnLst>
+                          </p:cTn>
+                        </p:par>
+                      </p:childTnLst>
+                    </p:cTn>
+                  </p:par>
+                  <p:par>
+                    <p:cTn id="8" fill="hold">
+                      <p:stCondLst>
+                        <p:cond delay="indefinite"/>
+                      </p:stCondLst>
+                      <p:childTnLst>
+                        <p:par>
+                          <p:cTn id="9" fill="hold">
+                            <p:stCondLst>
+                              <p:cond delay="0"/>
+                            </p:stCondLst>
+                            <p:childTnLst>
+                              <p:par>
+                                <p:cTn id="10" presetID="10" presetClass="entr" presetSubtype="0" fill="hold" grpId="0" nodeType="clickEffect">
+                                  <p:stCondLst>
+                                    <p:cond delay="0"/>
+                                  </p:stCondLst>
+                                  <p:childTnLst>
+                                    <p:set>
+                                      <p:cBhvr>
+                                        <p:cTn id="11" dur="1" fill="hold">
+                                          <p:stCondLst>
+                                            <p:cond delay="0"/>
+                                          </p:stCondLst>
+                                        </p:cTn>
+                                        <p:tgtEl>
+                                          <p:spTgt spid="2"/>
+                                        </p:tgtEl>
+                                        <p:attrNameLst>
+                                          <p:attrName>style.visibility</p:attrName>
+                                        </p:attrNameLst>
+                                      </p:cBhvr>
+                                      <p:to>
+                                        <p:strVal val="visible"/>
+                                      </p:to>
+                                    </p:set>
+                                    <p:animEffect transition="in" filter="fade">
+                                      <p:cBhvr>
+                                        <p:cTn id="12" dur="500"/>
+                                        <p:tgtEl>
+                                          <p:spTgt spid="2"/>
+                                        </p:tgtEl>
+                                      </p:cBhvr>
+                                    </p:animEffect>
+                                  </p:childTnLst>
+                                </p:cTn>
+                              </p:par>
+                            </p:childTnLst>
+                          </p:cTn>
+                        </p:par>
+                      </p:childTnLst>
+                    </p:cTn>
+                  </p:par>
+                  <p:par>
+                    <p:cTn id="13" fill="hold">
+                      <p:stCondLst>
+                        <p:cond delay="indefinite"/>
+                      </p:stCondLst>
+                      <p:childTnLst>
+                        <p:par>
+                          <p:cTn id="14" fill="hold">
+                            <p:stCondLst>
+                              <p:cond delay="0"/>
+                            </p:stCondLst>
+                            <p:childTnLst>
+                              <p:par>
+                                <p:cTn id="15" presetID="6" presetClass="entr" presetSubtype="16" fill="hold" nodeType="clickEffect">
+                                  <p:stCondLst>
+                                    <p:cond delay="0"/>
+                                  </p:stCondLst>
+                                  <p:childTnLst>
+                                    <p:set>
+                                      <p:cBhvr>
+                                        <p:cTn id="16" dur="1" fill="hold">
+                                          <p:stCondLst>
+                                            <p:cond delay="0"/>
+                                          </p:stCondLst>
+                                        </p:cTn>
+                                        <p:tgtEl>
+                                          <p:spTgt spid="5"/>
+                                        </p:tgtEl>
+                                        <p:attrNameLst>
+                                          <p:attrName>style.visibility</p:attrName>
+                                        </p:attrNameLst>
+                                      </p:cBhvr>
+                                      <p:to>
+                                        <p:strVal val="visible"/>
+                                      </p:to>
+                                    </p:set>
+                                    <p:animEffect transition="in" filter="circle(in)">
+                                      <p:cBhvr>
+                                        <p:cTn id="17" dur="2000"/>
+                                        <p:tgtEl>
+                                          <p:spTgt spid="5"/>
+                                        </p:tgtEl>
+                                      </p:cBhvr>
+                                    </p:animEffect>
+                                  </p:childTnLst>
+                                </p:cTn>
+                              </p:par>
+                            </p:childTnLst>
+                          </p:cTn>
+                        </p:par>
+                      </p:childTnLst>
+                    </p:cTn>
+                  </p:par>
+                  <p:par>
+                    <p:cTn id="18" fill="hold">
+                      <p:stCondLst>
+                        <p:cond delay="indefinite"/>
+                      </p:stCondLst>
+                      <p:childTnLst>
+                        <p:par>
+                          <p:cTn id="19" fill="hold">
+                            <p:stCondLst>
+                              <p:cond delay="0"/>
+                            </p:stCondLst>
+                            <p:childTnLst>
+                              <p:par>
+                                <p:cTn id="20" presetID="10" presetClass="entr" presetSubtype="0" fill="hold" grpId="0" nodeType="clickEffect">
+                                  <p:stCondLst>
+                                    <p:cond delay="0"/>
+                                  </p:stCondLst>
+                                  <p:childTnLst>
+                                    <p:set>
+                                      <p:cBhvr>
+                                        <p:cTn id="21" dur="1" fill="hold">
+                                          <p:stCondLst>
+                                            <p:cond delay="0"/>
+                                          </p:stCondLst>
+                                        </p:cTn>
+                                        <p:tgtEl>
+                                          <p:spTgt spid="8"/>
+                                        </p:tgtEl>
+                                        <p:attrNameLst>
+                                          <p:attrName>style.visibility</p:attrName>
+                                        </p:attrNameLst>
+                                      </p:cBhvr>
+                                      <p:to>
+                                        <p:strVal val="visible"/>
+                                      </p:to>
+                                    </p:set>
+                                    <p:animEffect transition="in" filter="fade">
+                                      <p:cBhvr>
+                                        <p:cTn id="22" dur="500"/>
+                                        <p:tgtEl>
+                                          <p:spTgt spid="8"/>
+                                        </p:tgtEl>
+                                      </p:cBhvr>
+                                    </p:animEffect>
+                                  </p:childTnLst>
+                                </p:cTn>
+                              </p:par>
+                            </p:childTnLst>
+                          </p:cTn>
+                        </p:par>
+                      </p:childTnLst>
+                    </p:cTn>
+                  </p:par>
+                </p:childTnLst>
+              </p:cTn>
+              <p:prevCondLst>
+                <p:cond evt="onPrev" delay="0">
+                  <p:tgtEl>
+                    <p:sldTgt/>
+                  </p:tgtEl>
+                </p:cond>
+              </p:prevCondLst>
+              <p:nextCondLst>
+                <p:cond evt="onNext" delay="0">
+                  <p:tgtEl>
+                    <p:sldTgt/>
+                  </p:tgtEl>
+                </p:cond>
+              </p:nextCondLst>
+            </p:seq>
+          </p:childTnLst>
+        </p:cTn>
+      </p:par>
+    </p:tnLst>
+    <p:bldLst>
+      <p:bldP spid="4" grpId="0"/>
+      <p:bldP spid="2" grpId="0"/>
+      <p:bldP spid="8" grpId="0"/>
+    </p:bldLst>
+  </p:timing>
 </p:sld>
 </file>
 
@@ -6314,7 +6545,7 @@
                             </p:stCondLst>
                             <p:childTnLst>
                               <p:par>
-                                <p:cTn id="16" presetID="42" presetClass="entr" presetSubtype="0" fill="hold" grpId="0" nodeType="clickEffect">
+                                <p:cTn id="16" presetID="10" presetClass="entr" presetSubtype="0" fill="hold" nodeType="clickEffect">
                                   <p:stCondLst>
                                     <p:cond delay="0"/>
                                   </p:stCondLst>
@@ -6327,7 +6558,11 @@
                                           </p:stCondLst>
                                         </p:cTn>
                                         <p:tgtEl>
-                                          <p:spTgt spid="7"/>
+                                          <p:spTgt spid="7">
+                                            <p:txEl>
+                                              <p:pRg st="0" end="0"/>
+                                            </p:txEl>
+                                          </p:spTgt>
                                         </p:tgtEl>
                                         <p:attrNameLst>
                                           <p:attrName>style.visibility</p:attrName>
@@ -6339,17 +6574,582 @@
                                     </p:set>
                                     <p:animEffect transition="in" filter="fade">
                                       <p:cBhvr>
-                                        <p:cTn id="18" dur="1000"/>
-                                        <p:tgtEl>
-                                          <p:spTgt spid="7"/>
+                                        <p:cTn id="18" dur="500"/>
+                                        <p:tgtEl>
+                                          <p:spTgt spid="7">
+                                            <p:txEl>
+                                              <p:pRg st="0" end="0"/>
+                                            </p:txEl>
+                                          </p:spTgt>
+                                        </p:tgtEl>
+                                      </p:cBhvr>
+                                    </p:animEffect>
+                                  </p:childTnLst>
+                                </p:cTn>
+                              </p:par>
+                            </p:childTnLst>
+                          </p:cTn>
+                        </p:par>
+                      </p:childTnLst>
+                    </p:cTn>
+                  </p:par>
+                  <p:par>
+                    <p:cTn id="19" fill="hold">
+                      <p:stCondLst>
+                        <p:cond delay="indefinite"/>
+                      </p:stCondLst>
+                      <p:childTnLst>
+                        <p:par>
+                          <p:cTn id="20" fill="hold">
+                            <p:stCondLst>
+                              <p:cond delay="0"/>
+                            </p:stCondLst>
+                            <p:childTnLst>
+                              <p:par>
+                                <p:cTn id="21" presetID="10" presetClass="entr" presetSubtype="0" fill="hold" nodeType="clickEffect">
+                                  <p:stCondLst>
+                                    <p:cond delay="0"/>
+                                  </p:stCondLst>
+                                  <p:childTnLst>
+                                    <p:set>
+                                      <p:cBhvr>
+                                        <p:cTn id="22" dur="1" fill="hold">
+                                          <p:stCondLst>
+                                            <p:cond delay="0"/>
+                                          </p:stCondLst>
+                                        </p:cTn>
+                                        <p:tgtEl>
+                                          <p:spTgt spid="7">
+                                            <p:txEl>
+                                              <p:pRg st="1" end="1"/>
+                                            </p:txEl>
+                                          </p:spTgt>
+                                        </p:tgtEl>
+                                        <p:attrNameLst>
+                                          <p:attrName>style.visibility</p:attrName>
+                                        </p:attrNameLst>
+                                      </p:cBhvr>
+                                      <p:to>
+                                        <p:strVal val="visible"/>
+                                      </p:to>
+                                    </p:set>
+                                    <p:animEffect transition="in" filter="fade">
+                                      <p:cBhvr>
+                                        <p:cTn id="23" dur="500"/>
+                                        <p:tgtEl>
+                                          <p:spTgt spid="7">
+                                            <p:txEl>
+                                              <p:pRg st="1" end="1"/>
+                                            </p:txEl>
+                                          </p:spTgt>
+                                        </p:tgtEl>
+                                      </p:cBhvr>
+                                    </p:animEffect>
+                                  </p:childTnLst>
+                                </p:cTn>
+                              </p:par>
+                            </p:childTnLst>
+                          </p:cTn>
+                        </p:par>
+                      </p:childTnLst>
+                    </p:cTn>
+                  </p:par>
+                  <p:par>
+                    <p:cTn id="24" fill="hold">
+                      <p:stCondLst>
+                        <p:cond delay="indefinite"/>
+                      </p:stCondLst>
+                      <p:childTnLst>
+                        <p:par>
+                          <p:cTn id="25" fill="hold">
+                            <p:stCondLst>
+                              <p:cond delay="0"/>
+                            </p:stCondLst>
+                            <p:childTnLst>
+                              <p:par>
+                                <p:cTn id="26" presetID="10" presetClass="entr" presetSubtype="0" fill="hold" nodeType="clickEffect">
+                                  <p:stCondLst>
+                                    <p:cond delay="0"/>
+                                  </p:stCondLst>
+                                  <p:childTnLst>
+                                    <p:set>
+                                      <p:cBhvr>
+                                        <p:cTn id="27" dur="1" fill="hold">
+                                          <p:stCondLst>
+                                            <p:cond delay="0"/>
+                                          </p:stCondLst>
+                                        </p:cTn>
+                                        <p:tgtEl>
+                                          <p:spTgt spid="7">
+                                            <p:txEl>
+                                              <p:pRg st="2" end="2"/>
+                                            </p:txEl>
+                                          </p:spTgt>
+                                        </p:tgtEl>
+                                        <p:attrNameLst>
+                                          <p:attrName>style.visibility</p:attrName>
+                                        </p:attrNameLst>
+                                      </p:cBhvr>
+                                      <p:to>
+                                        <p:strVal val="visible"/>
+                                      </p:to>
+                                    </p:set>
+                                    <p:animEffect transition="in" filter="fade">
+                                      <p:cBhvr>
+                                        <p:cTn id="28" dur="500"/>
+                                        <p:tgtEl>
+                                          <p:spTgt spid="7">
+                                            <p:txEl>
+                                              <p:pRg st="2" end="2"/>
+                                            </p:txEl>
+                                          </p:spTgt>
+                                        </p:tgtEl>
+                                      </p:cBhvr>
+                                    </p:animEffect>
+                                  </p:childTnLst>
+                                </p:cTn>
+                              </p:par>
+                            </p:childTnLst>
+                          </p:cTn>
+                        </p:par>
+                      </p:childTnLst>
+                    </p:cTn>
+                  </p:par>
+                </p:childTnLst>
+              </p:cTn>
+              <p:prevCondLst>
+                <p:cond evt="onPrev" delay="0">
+                  <p:tgtEl>
+                    <p:sldTgt/>
+                  </p:tgtEl>
+                </p:cond>
+              </p:prevCondLst>
+              <p:nextCondLst>
+                <p:cond evt="onNext" delay="0">
+                  <p:tgtEl>
+                    <p:sldTgt/>
+                  </p:tgtEl>
+                </p:cond>
+              </p:nextCondLst>
+            </p:seq>
+          </p:childTnLst>
+        </p:cTn>
+      </p:par>
+    </p:tnLst>
+    <p:bldLst>
+      <p:bldP spid="4" grpId="0"/>
+    </p:bldLst>
+  </p:timing>
+</p:sld>
+</file>
+
+<file path=ppt/slides/slide15.xml><?xml version="1.0" encoding="utf-8"?>
+<p:sld xmlns:a="http://schemas.openxmlformats.org/drawingml/2006/main" xmlns:r="http://schemas.openxmlformats.org/officeDocument/2006/relationships" xmlns:p="http://schemas.openxmlformats.org/presentationml/2006/main">
+  <p:cSld>
+    <p:spTree>
+      <p:nvGrpSpPr>
+        <p:cNvPr id="1" name=""/>
+        <p:cNvGrpSpPr/>
+        <p:nvPr/>
+      </p:nvGrpSpPr>
+      <p:grpSpPr>
+        <a:xfrm>
+          <a:off x="0" y="0"/>
+          <a:ext cx="0" cy="0"/>
+          <a:chOff x="0" y="0"/>
+          <a:chExt cx="0" cy="0"/>
+        </a:xfrm>
+      </p:grpSpPr>
+      <p:sp>
+        <p:nvSpPr>
+          <p:cNvPr id="4" name="文本框 3">
+            <a:extLst>
+              <a:ext uri="{FF2B5EF4-FFF2-40B4-BE49-F238E27FC236}">
+                <a16:creationId xmlns:a16="http://schemas.microsoft.com/office/drawing/2014/main" id="{2CEC5D06-6571-408A-92C6-E35E52CC1AF6}"/>
+              </a:ext>
+            </a:extLst>
+          </p:cNvPr>
+          <p:cNvSpPr txBox="1"/>
+          <p:nvPr/>
+        </p:nvSpPr>
+        <p:spPr>
+          <a:xfrm>
+            <a:off x="378822" y="287383"/>
+            <a:ext cx="5717177" cy="523220"/>
+          </a:xfrm>
+          <a:prstGeom prst="rect">
+            <a:avLst/>
+          </a:prstGeom>
+          <a:noFill/>
+        </p:spPr>
+        <p:txBody>
+          <a:bodyPr wrap="square" rtlCol="0">
+            <a:spAutoFit/>
+          </a:bodyPr>
+          <a:lstStyle/>
+          <a:p>
+            <a:r>
+              <a:rPr lang="zh-CN" altLang="en-US" sz="2800" b="1" dirty="0">
+                <a:solidFill>
+                  <a:schemeClr val="accent1"/>
+                </a:solidFill>
+              </a:rPr>
+              <a:t>埃尔米特</a:t>
+            </a:r>
+            <a:r>
+              <a:rPr lang="en-US" altLang="zh-CN" sz="2800" b="1" dirty="0">
+                <a:solidFill>
+                  <a:schemeClr val="accent1"/>
+                </a:solidFill>
+              </a:rPr>
+              <a:t>(Hermite)</a:t>
+            </a:r>
+            <a:r>
+              <a:rPr lang="zh-CN" altLang="en-US" sz="2800" b="1" dirty="0">
+                <a:solidFill>
+                  <a:schemeClr val="accent1"/>
+                </a:solidFill>
+              </a:rPr>
+              <a:t>插值</a:t>
+            </a:r>
+          </a:p>
+        </p:txBody>
+      </p:sp>
+      <p:sp>
+        <p:nvSpPr>
+          <p:cNvPr id="5" name="文本框 4">
+            <a:extLst>
+              <a:ext uri="{FF2B5EF4-FFF2-40B4-BE49-F238E27FC236}">
+                <a16:creationId xmlns:a16="http://schemas.microsoft.com/office/drawing/2014/main" id="{78500E59-928E-47E7-A985-B633E91093AE}"/>
+              </a:ext>
+            </a:extLst>
+          </p:cNvPr>
+          <p:cNvSpPr txBox="1"/>
+          <p:nvPr/>
+        </p:nvSpPr>
+        <p:spPr>
+          <a:xfrm>
+            <a:off x="849086" y="1136469"/>
+            <a:ext cx="10776857" cy="966931"/>
+          </a:xfrm>
+          <a:prstGeom prst="rect">
+            <a:avLst/>
+          </a:prstGeom>
+          <a:noFill/>
+        </p:spPr>
+        <p:txBody>
+          <a:bodyPr wrap="square" rtlCol="0">
+            <a:spAutoFit/>
+          </a:bodyPr>
+          <a:lstStyle/>
+          <a:p>
+            <a:pPr>
+              <a:lnSpc>
+                <a:spcPct val="150000"/>
+              </a:lnSpc>
+            </a:pPr>
+            <a:r>
+              <a:rPr lang="zh-CN" altLang="en-US" sz="2000" dirty="0">
+                <a:solidFill>
+                  <a:srgbClr val="FFFF00"/>
+                </a:solidFill>
+              </a:rPr>
+              <a:t>        在对函数</a:t>
+            </a:r>
+            <a:r>
+              <a:rPr lang="en-US" altLang="zh-CN" sz="2000" dirty="0">
+                <a:solidFill>
+                  <a:srgbClr val="FFFF00"/>
+                </a:solidFill>
+              </a:rPr>
+              <a:t>F(x)</a:t>
+            </a:r>
+            <a:r>
+              <a:rPr lang="zh-CN" altLang="en-US" sz="2000" dirty="0">
+                <a:solidFill>
+                  <a:srgbClr val="FFFF00"/>
+                </a:solidFill>
+              </a:rPr>
+              <a:t>构造插值函数时，不仅仅是要求在节点处插值多项式</a:t>
+            </a:r>
+            <a:r>
+              <a:rPr lang="en-US" altLang="zh-CN" sz="2000" dirty="0">
+                <a:solidFill>
+                  <a:srgbClr val="FFFF00"/>
+                </a:solidFill>
+              </a:rPr>
+              <a:t>P(x)</a:t>
+            </a:r>
+            <a:r>
+              <a:rPr lang="zh-CN" altLang="en-US" sz="2000" dirty="0">
+                <a:solidFill>
+                  <a:srgbClr val="FFFF00"/>
+                </a:solidFill>
+              </a:rPr>
+              <a:t>的值等于</a:t>
+            </a:r>
+            <a:r>
+              <a:rPr lang="en-US" altLang="zh-CN" sz="2000" dirty="0">
+                <a:solidFill>
+                  <a:srgbClr val="FFFF00"/>
+                </a:solidFill>
+              </a:rPr>
+              <a:t>F(x),</a:t>
+            </a:r>
+            <a:r>
+              <a:rPr lang="zh-CN" altLang="en-US" sz="2000" dirty="0">
+                <a:solidFill>
+                  <a:srgbClr val="FFFF00"/>
+                </a:solidFill>
+              </a:rPr>
+              <a:t>还要求二者的一阶导数或者指定阶导数值相等，这样的插值称为埃尔米特插值。</a:t>
+            </a:r>
+          </a:p>
+        </p:txBody>
+      </p:sp>
+      <p:sp>
+        <p:nvSpPr>
+          <p:cNvPr id="6" name="文本框 5">
+            <a:extLst>
+              <a:ext uri="{FF2B5EF4-FFF2-40B4-BE49-F238E27FC236}">
+                <a16:creationId xmlns:a16="http://schemas.microsoft.com/office/drawing/2014/main" id="{04C6C280-3142-4BBD-AD4D-6AEE66F66EEF}"/>
+              </a:ext>
+            </a:extLst>
+          </p:cNvPr>
+          <p:cNvSpPr txBox="1"/>
+          <p:nvPr/>
+        </p:nvSpPr>
+        <p:spPr>
+          <a:xfrm>
+            <a:off x="849086" y="2429266"/>
+            <a:ext cx="10776857" cy="1785104"/>
+          </a:xfrm>
+          <a:prstGeom prst="rect">
+            <a:avLst/>
+          </a:prstGeom>
+          <a:noFill/>
+        </p:spPr>
+        <p:txBody>
+          <a:bodyPr wrap="square" rtlCol="0">
+            <a:spAutoFit/>
+          </a:bodyPr>
+          <a:lstStyle/>
+          <a:p>
+            <a:pPr marL="285750" indent="-285750">
+              <a:lnSpc>
+                <a:spcPct val="150000"/>
+              </a:lnSpc>
+              <a:buFont typeface="Arial" panose="020B0604020202020204" pitchFamily="34" charset="0"/>
+              <a:buChar char="•"/>
+            </a:pPr>
+            <a:r>
+              <a:rPr lang="zh-CN" altLang="en-US" sz="2000" dirty="0">
+                <a:solidFill>
+                  <a:srgbClr val="FFC000"/>
+                </a:solidFill>
+              </a:rPr>
+              <a:t>这里主要讲简单形式，二者节点值与一阶导数值相等。</a:t>
+            </a:r>
+            <a:endParaRPr lang="en-US" altLang="zh-CN" sz="2000" dirty="0">
+              <a:solidFill>
+                <a:srgbClr val="FFC000"/>
+              </a:solidFill>
+            </a:endParaRPr>
+          </a:p>
+          <a:p>
+            <a:pPr marL="285750" indent="-285750">
+              <a:lnSpc>
+                <a:spcPct val="150000"/>
+              </a:lnSpc>
+              <a:buFont typeface="Arial" panose="020B0604020202020204" pitchFamily="34" charset="0"/>
+              <a:buChar char="•"/>
+            </a:pPr>
+            <a:r>
+              <a:rPr lang="zh-CN" altLang="en-US" sz="2000" dirty="0">
+                <a:solidFill>
+                  <a:srgbClr val="FFC000"/>
+                </a:solidFill>
+              </a:rPr>
+              <a:t>相比于</a:t>
+            </a:r>
+            <a:r>
+              <a:rPr lang="en-US" altLang="zh-CN" sz="2000" dirty="0">
+                <a:solidFill>
+                  <a:srgbClr val="FFC000"/>
+                </a:solidFill>
+              </a:rPr>
+              <a:t>Lagrange</a:t>
+            </a:r>
+            <a:r>
+              <a:rPr lang="zh-CN" altLang="en-US" sz="2000" dirty="0">
+                <a:solidFill>
+                  <a:srgbClr val="FFC000"/>
+                </a:solidFill>
+              </a:rPr>
+              <a:t>和</a:t>
+            </a:r>
+            <a:r>
+              <a:rPr lang="en-US" altLang="zh-CN" sz="2000" dirty="0">
+                <a:solidFill>
+                  <a:srgbClr val="FFC000"/>
+                </a:solidFill>
+              </a:rPr>
+              <a:t>Newton</a:t>
+            </a:r>
+            <a:r>
+              <a:rPr lang="zh-CN" altLang="en-US" sz="2000" dirty="0">
+                <a:solidFill>
+                  <a:srgbClr val="FFC000"/>
+                </a:solidFill>
+              </a:rPr>
+              <a:t>插值，多给定了一组导数值，插值多项式的待定系数增加一倍，当节点数为</a:t>
+            </a:r>
+            <a:r>
+              <a:rPr lang="en-US" altLang="zh-CN" sz="2000" dirty="0">
+                <a:solidFill>
+                  <a:srgbClr val="FFC000"/>
+                </a:solidFill>
+              </a:rPr>
+              <a:t>n+1</a:t>
+            </a:r>
+            <a:r>
+              <a:rPr lang="zh-CN" altLang="en-US" sz="2000" dirty="0">
+                <a:solidFill>
+                  <a:srgbClr val="FFC000"/>
+                </a:solidFill>
+              </a:rPr>
+              <a:t>时，可唯一确定一个次数不超过</a:t>
+            </a:r>
+            <a:r>
+              <a:rPr lang="en-US" altLang="zh-CN" sz="2000" dirty="0">
+                <a:solidFill>
+                  <a:srgbClr val="FFC000"/>
+                </a:solidFill>
+              </a:rPr>
+              <a:t>2n+1</a:t>
+            </a:r>
+            <a:r>
+              <a:rPr lang="zh-CN" altLang="en-US" sz="2000" dirty="0">
+                <a:solidFill>
+                  <a:srgbClr val="FFC000"/>
+                </a:solidFill>
+              </a:rPr>
+              <a:t>的插值多项式。</a:t>
+            </a:r>
+            <a:endParaRPr lang="en-US" altLang="zh-CN" sz="2000" dirty="0">
+              <a:solidFill>
+                <a:srgbClr val="FFC000"/>
+              </a:solidFill>
+            </a:endParaRPr>
+          </a:p>
+          <a:p>
+            <a:endParaRPr lang="zh-CN" altLang="en-US" sz="2000" dirty="0"/>
+          </a:p>
+        </p:txBody>
+      </p:sp>
+      <p:pic>
+        <p:nvPicPr>
+          <p:cNvPr id="8" name="图片 7">
+            <a:extLst>
+              <a:ext uri="{FF2B5EF4-FFF2-40B4-BE49-F238E27FC236}">
+                <a16:creationId xmlns:a16="http://schemas.microsoft.com/office/drawing/2014/main" id="{0B43108C-68AF-40A7-BC32-433176E6AD93}"/>
+              </a:ext>
+            </a:extLst>
+          </p:cNvPr>
+          <p:cNvPicPr>
+            <a:picLocks noChangeAspect="1"/>
+          </p:cNvPicPr>
+          <p:nvPr/>
+        </p:nvPicPr>
+        <p:blipFill>
+          <a:blip r:embed="rId2">
+            <a:extLst>
+              <a:ext uri="{28A0092B-C50C-407E-A947-70E740481C1C}">
+                <a14:useLocalDpi xmlns:a14="http://schemas.microsoft.com/office/drawing/2010/main" val="0"/>
+              </a:ext>
+            </a:extLst>
+          </a:blip>
+          <a:stretch>
+            <a:fillRect/>
+          </a:stretch>
+        </p:blipFill>
+        <p:spPr>
+          <a:xfrm>
+            <a:off x="2687437" y="4214370"/>
+            <a:ext cx="5458587" cy="1428949"/>
+          </a:xfrm>
+          <a:prstGeom prst="rect">
+            <a:avLst/>
+          </a:prstGeom>
+        </p:spPr>
+      </p:pic>
+    </p:spTree>
+    <p:extLst>
+      <p:ext uri="{BB962C8B-B14F-4D97-AF65-F5344CB8AC3E}">
+        <p14:creationId xmlns:p14="http://schemas.microsoft.com/office/powerpoint/2010/main" val="819920794"/>
+      </p:ext>
+    </p:extLst>
+  </p:cSld>
+  <p:clrMapOvr>
+    <a:masterClrMapping/>
+  </p:clrMapOvr>
+  <p:timing>
+    <p:tnLst>
+      <p:par>
+        <p:cTn id="1" dur="indefinite" restart="never" nodeType="tmRoot">
+          <p:childTnLst>
+            <p:seq concurrent="1" nextAc="seek">
+              <p:cTn id="2" dur="indefinite" nodeType="mainSeq">
+                <p:childTnLst>
+                  <p:par>
+                    <p:cTn id="3" fill="hold">
+                      <p:stCondLst>
+                        <p:cond delay="indefinite"/>
+                      </p:stCondLst>
+                      <p:childTnLst>
+                        <p:par>
+                          <p:cTn id="4" fill="hold">
+                            <p:stCondLst>
+                              <p:cond delay="0"/>
+                            </p:stCondLst>
+                            <p:childTnLst>
+                              <p:par>
+                                <p:cTn id="5" presetID="42" presetClass="entr" presetSubtype="0" fill="hold" grpId="0" nodeType="clickEffect">
+                                  <p:stCondLst>
+                                    <p:cond delay="0"/>
+                                  </p:stCondLst>
+                                  <p:childTnLst>
+                                    <p:set>
+                                      <p:cBhvr>
+                                        <p:cTn id="6" dur="1" fill="hold">
+                                          <p:stCondLst>
+                                            <p:cond delay="0"/>
+                                          </p:stCondLst>
+                                        </p:cTn>
+                                        <p:tgtEl>
+                                          <p:spTgt spid="4"/>
+                                        </p:tgtEl>
+                                        <p:attrNameLst>
+                                          <p:attrName>style.visibility</p:attrName>
+                                        </p:attrNameLst>
+                                      </p:cBhvr>
+                                      <p:to>
+                                        <p:strVal val="visible"/>
+                                      </p:to>
+                                    </p:set>
+                                    <p:animEffect transition="in" filter="fade">
+                                      <p:cBhvr>
+                                        <p:cTn id="7" dur="1000"/>
+                                        <p:tgtEl>
+                                          <p:spTgt spid="4"/>
                                         </p:tgtEl>
                                       </p:cBhvr>
                                     </p:animEffect>
                                     <p:anim calcmode="lin" valueType="num">
                                       <p:cBhvr>
-                                        <p:cTn id="19" dur="1000" fill="hold"/>
-                                        <p:tgtEl>
-                                          <p:spTgt spid="7"/>
+                                        <p:cTn id="8" dur="1000" fill="hold"/>
+                                        <p:tgtEl>
+                                          <p:spTgt spid="4"/>
                                         </p:tgtEl>
                                         <p:attrNameLst>
                                           <p:attrName>ppt_x</p:attrName>
@@ -6370,9 +7170,2272 @@
                                     </p:anim>
                                     <p:anim calcmode="lin" valueType="num">
                                       <p:cBhvr>
-                                        <p:cTn id="20" dur="1000" fill="hold"/>
+                                        <p:cTn id="9" dur="1000" fill="hold"/>
+                                        <p:tgtEl>
+                                          <p:spTgt spid="4"/>
+                                        </p:tgtEl>
+                                        <p:attrNameLst>
+                                          <p:attrName>ppt_y</p:attrName>
+                                        </p:attrNameLst>
+                                      </p:cBhvr>
+                                      <p:tavLst>
+                                        <p:tav tm="0">
+                                          <p:val>
+                                            <p:strVal val="#ppt_y+.1"/>
+                                          </p:val>
+                                        </p:tav>
+                                        <p:tav tm="100000">
+                                          <p:val>
+                                            <p:strVal val="#ppt_y"/>
+                                          </p:val>
+                                        </p:tav>
+                                      </p:tavLst>
+                                    </p:anim>
+                                  </p:childTnLst>
+                                </p:cTn>
+                              </p:par>
+                            </p:childTnLst>
+                          </p:cTn>
+                        </p:par>
+                      </p:childTnLst>
+                    </p:cTn>
+                  </p:par>
+                  <p:par>
+                    <p:cTn id="10" fill="hold">
+                      <p:stCondLst>
+                        <p:cond delay="indefinite"/>
+                      </p:stCondLst>
+                      <p:childTnLst>
+                        <p:par>
+                          <p:cTn id="11" fill="hold">
+                            <p:stCondLst>
+                              <p:cond delay="0"/>
+                            </p:stCondLst>
+                            <p:childTnLst>
+                              <p:par>
+                                <p:cTn id="12" presetID="10" presetClass="entr" presetSubtype="0" fill="hold" grpId="0" nodeType="clickEffect">
+                                  <p:stCondLst>
+                                    <p:cond delay="0"/>
+                                  </p:stCondLst>
+                                  <p:childTnLst>
+                                    <p:set>
+                                      <p:cBhvr>
+                                        <p:cTn id="13" dur="1" fill="hold">
+                                          <p:stCondLst>
+                                            <p:cond delay="0"/>
+                                          </p:stCondLst>
+                                        </p:cTn>
+                                        <p:tgtEl>
+                                          <p:spTgt spid="5"/>
+                                        </p:tgtEl>
+                                        <p:attrNameLst>
+                                          <p:attrName>style.visibility</p:attrName>
+                                        </p:attrNameLst>
+                                      </p:cBhvr>
+                                      <p:to>
+                                        <p:strVal val="visible"/>
+                                      </p:to>
+                                    </p:set>
+                                    <p:animEffect transition="in" filter="fade">
+                                      <p:cBhvr>
+                                        <p:cTn id="14" dur="500"/>
+                                        <p:tgtEl>
+                                          <p:spTgt spid="5"/>
+                                        </p:tgtEl>
+                                      </p:cBhvr>
+                                    </p:animEffect>
+                                  </p:childTnLst>
+                                </p:cTn>
+                              </p:par>
+                            </p:childTnLst>
+                          </p:cTn>
+                        </p:par>
+                      </p:childTnLst>
+                    </p:cTn>
+                  </p:par>
+                  <p:par>
+                    <p:cTn id="15" fill="hold">
+                      <p:stCondLst>
+                        <p:cond delay="indefinite"/>
+                      </p:stCondLst>
+                      <p:childTnLst>
+                        <p:par>
+                          <p:cTn id="16" fill="hold">
+                            <p:stCondLst>
+                              <p:cond delay="0"/>
+                            </p:stCondLst>
+                            <p:childTnLst>
+                              <p:par>
+                                <p:cTn id="17" presetID="10" presetClass="entr" presetSubtype="0" fill="hold" nodeType="clickEffect">
+                                  <p:stCondLst>
+                                    <p:cond delay="0"/>
+                                  </p:stCondLst>
+                                  <p:childTnLst>
+                                    <p:set>
+                                      <p:cBhvr>
+                                        <p:cTn id="18" dur="1" fill="hold">
+                                          <p:stCondLst>
+                                            <p:cond delay="0"/>
+                                          </p:stCondLst>
+                                        </p:cTn>
+                                        <p:tgtEl>
+                                          <p:spTgt spid="6">
+                                            <p:txEl>
+                                              <p:pRg st="0" end="0"/>
+                                            </p:txEl>
+                                          </p:spTgt>
+                                        </p:tgtEl>
+                                        <p:attrNameLst>
+                                          <p:attrName>style.visibility</p:attrName>
+                                        </p:attrNameLst>
+                                      </p:cBhvr>
+                                      <p:to>
+                                        <p:strVal val="visible"/>
+                                      </p:to>
+                                    </p:set>
+                                    <p:animEffect transition="in" filter="fade">
+                                      <p:cBhvr>
+                                        <p:cTn id="19" dur="500"/>
+                                        <p:tgtEl>
+                                          <p:spTgt spid="6">
+                                            <p:txEl>
+                                              <p:pRg st="0" end="0"/>
+                                            </p:txEl>
+                                          </p:spTgt>
+                                        </p:tgtEl>
+                                      </p:cBhvr>
+                                    </p:animEffect>
+                                  </p:childTnLst>
+                                </p:cTn>
+                              </p:par>
+                            </p:childTnLst>
+                          </p:cTn>
+                        </p:par>
+                      </p:childTnLst>
+                    </p:cTn>
+                  </p:par>
+                  <p:par>
+                    <p:cTn id="20" fill="hold">
+                      <p:stCondLst>
+                        <p:cond delay="indefinite"/>
+                      </p:stCondLst>
+                      <p:childTnLst>
+                        <p:par>
+                          <p:cTn id="21" fill="hold">
+                            <p:stCondLst>
+                              <p:cond delay="0"/>
+                            </p:stCondLst>
+                            <p:childTnLst>
+                              <p:par>
+                                <p:cTn id="22" presetID="10" presetClass="entr" presetSubtype="0" fill="hold" nodeType="clickEffect">
+                                  <p:stCondLst>
+                                    <p:cond delay="0"/>
+                                  </p:stCondLst>
+                                  <p:childTnLst>
+                                    <p:set>
+                                      <p:cBhvr>
+                                        <p:cTn id="23" dur="1" fill="hold">
+                                          <p:stCondLst>
+                                            <p:cond delay="0"/>
+                                          </p:stCondLst>
+                                        </p:cTn>
+                                        <p:tgtEl>
+                                          <p:spTgt spid="6">
+                                            <p:txEl>
+                                              <p:pRg st="1" end="1"/>
+                                            </p:txEl>
+                                          </p:spTgt>
+                                        </p:tgtEl>
+                                        <p:attrNameLst>
+                                          <p:attrName>style.visibility</p:attrName>
+                                        </p:attrNameLst>
+                                      </p:cBhvr>
+                                      <p:to>
+                                        <p:strVal val="visible"/>
+                                      </p:to>
+                                    </p:set>
+                                    <p:animEffect transition="in" filter="fade">
+                                      <p:cBhvr>
+                                        <p:cTn id="24" dur="500"/>
+                                        <p:tgtEl>
+                                          <p:spTgt spid="6">
+                                            <p:txEl>
+                                              <p:pRg st="1" end="1"/>
+                                            </p:txEl>
+                                          </p:spTgt>
+                                        </p:tgtEl>
+                                      </p:cBhvr>
+                                    </p:animEffect>
+                                  </p:childTnLst>
+                                </p:cTn>
+                              </p:par>
+                            </p:childTnLst>
+                          </p:cTn>
+                        </p:par>
+                      </p:childTnLst>
+                    </p:cTn>
+                  </p:par>
+                  <p:par>
+                    <p:cTn id="25" fill="hold">
+                      <p:stCondLst>
+                        <p:cond delay="indefinite"/>
+                      </p:stCondLst>
+                      <p:childTnLst>
+                        <p:par>
+                          <p:cTn id="26" fill="hold">
+                            <p:stCondLst>
+                              <p:cond delay="0"/>
+                            </p:stCondLst>
+                            <p:childTnLst>
+                              <p:par>
+                                <p:cTn id="27" presetID="6" presetClass="entr" presetSubtype="16" fill="hold" nodeType="clickEffect">
+                                  <p:stCondLst>
+                                    <p:cond delay="0"/>
+                                  </p:stCondLst>
+                                  <p:childTnLst>
+                                    <p:set>
+                                      <p:cBhvr>
+                                        <p:cTn id="28" dur="1" fill="hold">
+                                          <p:stCondLst>
+                                            <p:cond delay="0"/>
+                                          </p:stCondLst>
+                                        </p:cTn>
+                                        <p:tgtEl>
+                                          <p:spTgt spid="8"/>
+                                        </p:tgtEl>
+                                        <p:attrNameLst>
+                                          <p:attrName>style.visibility</p:attrName>
+                                        </p:attrNameLst>
+                                      </p:cBhvr>
+                                      <p:to>
+                                        <p:strVal val="visible"/>
+                                      </p:to>
+                                    </p:set>
+                                    <p:animEffect transition="in" filter="circle(in)">
+                                      <p:cBhvr>
+                                        <p:cTn id="29" dur="2000"/>
+                                        <p:tgtEl>
+                                          <p:spTgt spid="8"/>
+                                        </p:tgtEl>
+                                      </p:cBhvr>
+                                    </p:animEffect>
+                                  </p:childTnLst>
+                                </p:cTn>
+                              </p:par>
+                            </p:childTnLst>
+                          </p:cTn>
+                        </p:par>
+                      </p:childTnLst>
+                    </p:cTn>
+                  </p:par>
+                </p:childTnLst>
+              </p:cTn>
+              <p:prevCondLst>
+                <p:cond evt="onPrev" delay="0">
+                  <p:tgtEl>
+                    <p:sldTgt/>
+                  </p:tgtEl>
+                </p:cond>
+              </p:prevCondLst>
+              <p:nextCondLst>
+                <p:cond evt="onNext" delay="0">
+                  <p:tgtEl>
+                    <p:sldTgt/>
+                  </p:tgtEl>
+                </p:cond>
+              </p:nextCondLst>
+            </p:seq>
+          </p:childTnLst>
+        </p:cTn>
+      </p:par>
+    </p:tnLst>
+    <p:bldLst>
+      <p:bldP spid="4" grpId="0"/>
+      <p:bldP spid="5" grpId="0"/>
+    </p:bldLst>
+  </p:timing>
+</p:sld>
+</file>
+
+<file path=ppt/slides/slide16.xml><?xml version="1.0" encoding="utf-8"?>
+<p:sld xmlns:a="http://schemas.openxmlformats.org/drawingml/2006/main" xmlns:r="http://schemas.openxmlformats.org/officeDocument/2006/relationships" xmlns:p="http://schemas.openxmlformats.org/presentationml/2006/main">
+  <p:cSld>
+    <p:spTree>
+      <p:nvGrpSpPr>
+        <p:cNvPr id="1" name=""/>
+        <p:cNvGrpSpPr/>
+        <p:nvPr/>
+      </p:nvGrpSpPr>
+      <p:grpSpPr>
+        <a:xfrm>
+          <a:off x="0" y="0"/>
+          <a:ext cx="0" cy="0"/>
+          <a:chOff x="0" y="0"/>
+          <a:chExt cx="0" cy="0"/>
+        </a:xfrm>
+      </p:grpSpPr>
+      <p:sp>
+        <p:nvSpPr>
+          <p:cNvPr id="2" name="文本框 1">
+            <a:extLst>
+              <a:ext uri="{FF2B5EF4-FFF2-40B4-BE49-F238E27FC236}">
+                <a16:creationId xmlns:a16="http://schemas.microsoft.com/office/drawing/2014/main" id="{0E12310E-3E2C-4FC5-92D6-7F80C6276DCF}"/>
+              </a:ext>
+            </a:extLst>
+          </p:cNvPr>
+          <p:cNvSpPr txBox="1"/>
+          <p:nvPr/>
+        </p:nvSpPr>
+        <p:spPr>
+          <a:xfrm>
+            <a:off x="313509" y="352697"/>
+            <a:ext cx="8059782" cy="461665"/>
+          </a:xfrm>
+          <a:prstGeom prst="rect">
+            <a:avLst/>
+          </a:prstGeom>
+          <a:noFill/>
+        </p:spPr>
+        <p:txBody>
+          <a:bodyPr wrap="square" rtlCol="0">
+            <a:spAutoFit/>
+          </a:bodyPr>
+          <a:lstStyle/>
+          <a:p>
+            <a:r>
+              <a:rPr lang="zh-CN" altLang="en-US" sz="2400" dirty="0">
+                <a:solidFill>
+                  <a:schemeClr val="accent1"/>
+                </a:solidFill>
+              </a:rPr>
+              <a:t>参考</a:t>
+            </a:r>
+            <a:r>
+              <a:rPr lang="en-US" altLang="zh-CN" sz="2400" dirty="0">
+                <a:solidFill>
+                  <a:schemeClr val="accent1"/>
+                </a:solidFill>
+              </a:rPr>
+              <a:t>Lagrange</a:t>
+            </a:r>
+            <a:r>
+              <a:rPr lang="zh-CN" altLang="en-US" sz="2400" dirty="0">
+                <a:solidFill>
+                  <a:schemeClr val="accent1"/>
+                </a:solidFill>
+              </a:rPr>
+              <a:t>构造基函数思想推导</a:t>
+            </a:r>
+          </a:p>
+        </p:txBody>
+      </p:sp>
+      <p:sp>
+        <p:nvSpPr>
+          <p:cNvPr id="5" name="文本框 4">
+            <a:extLst>
+              <a:ext uri="{FF2B5EF4-FFF2-40B4-BE49-F238E27FC236}">
+                <a16:creationId xmlns:a16="http://schemas.microsoft.com/office/drawing/2014/main" id="{3CE5A922-2DC2-4745-AFAD-D83AC6DC04D3}"/>
+              </a:ext>
+            </a:extLst>
+          </p:cNvPr>
+          <p:cNvSpPr txBox="1"/>
+          <p:nvPr/>
+        </p:nvSpPr>
+        <p:spPr>
+          <a:xfrm>
+            <a:off x="504793" y="2403564"/>
+            <a:ext cx="11687208" cy="3729804"/>
+          </a:xfrm>
+          <a:prstGeom prst="rect">
+            <a:avLst/>
+          </a:prstGeom>
+          <a:noFill/>
+        </p:spPr>
+        <p:txBody>
+          <a:bodyPr wrap="square" rtlCol="0">
+            <a:spAutoFit/>
+          </a:bodyPr>
+          <a:lstStyle/>
+          <a:p>
+            <a:pPr marL="285750" indent="-285750">
+              <a:lnSpc>
+                <a:spcPct val="150000"/>
+              </a:lnSpc>
+              <a:buFont typeface="Arial" panose="020B0604020202020204" pitchFamily="34" charset="0"/>
+              <a:buChar char="•"/>
+            </a:pPr>
+            <a:r>
+              <a:rPr lang="zh-CN" altLang="en-US" sz="2000" dirty="0">
+                <a:solidFill>
+                  <a:srgbClr val="FFC000"/>
+                </a:solidFill>
+              </a:rPr>
+              <a:t>①中</a:t>
+            </a:r>
+            <a:r>
+              <a:rPr lang="el-GR" altLang="zh-CN" sz="2000" dirty="0">
+                <a:solidFill>
+                  <a:srgbClr val="FFC000"/>
+                </a:solidFill>
+              </a:rPr>
+              <a:t>α</a:t>
+            </a:r>
+            <a:r>
+              <a:rPr lang="en-US" altLang="zh-CN" sz="2000" baseline="-25000" dirty="0">
+                <a:solidFill>
+                  <a:srgbClr val="FFC000"/>
+                </a:solidFill>
+              </a:rPr>
+              <a:t>j</a:t>
+            </a:r>
+            <a:r>
+              <a:rPr lang="en-US" altLang="zh-CN" sz="2000" dirty="0">
+                <a:solidFill>
+                  <a:srgbClr val="FFC000"/>
+                </a:solidFill>
+              </a:rPr>
+              <a:t>(x)</a:t>
+            </a:r>
+            <a:r>
+              <a:rPr lang="zh-CN" altLang="en-US" sz="2000" dirty="0">
+                <a:solidFill>
+                  <a:srgbClr val="FFC000"/>
+                </a:solidFill>
+              </a:rPr>
+              <a:t>保证在</a:t>
+            </a:r>
+            <a:r>
+              <a:rPr lang="en-US" altLang="zh-CN" sz="2000" dirty="0" err="1">
+                <a:solidFill>
+                  <a:srgbClr val="FFC000"/>
+                </a:solidFill>
+              </a:rPr>
+              <a:t>x</a:t>
+            </a:r>
+            <a:r>
+              <a:rPr lang="en-US" altLang="zh-CN" sz="2000" baseline="-25000" dirty="0" err="1">
+                <a:solidFill>
+                  <a:srgbClr val="FFC000"/>
+                </a:solidFill>
+              </a:rPr>
+              <a:t>j</a:t>
+            </a:r>
+            <a:r>
+              <a:rPr lang="zh-CN" altLang="en-US" sz="2000" dirty="0">
+                <a:solidFill>
+                  <a:srgbClr val="FFC000"/>
+                </a:solidFill>
+              </a:rPr>
+              <a:t>点值为</a:t>
+            </a:r>
+            <a:r>
+              <a:rPr lang="en-US" altLang="zh-CN" sz="2000" dirty="0">
+                <a:solidFill>
+                  <a:srgbClr val="FFC000"/>
+                </a:solidFill>
+              </a:rPr>
+              <a:t>1</a:t>
+            </a:r>
+            <a:r>
+              <a:rPr lang="zh-CN" altLang="en-US" sz="2000" dirty="0">
+                <a:solidFill>
+                  <a:srgbClr val="FFC000"/>
+                </a:solidFill>
+              </a:rPr>
+              <a:t>，其余为</a:t>
+            </a:r>
+            <a:r>
+              <a:rPr lang="en-US" altLang="zh-CN" sz="2000" dirty="0">
+                <a:solidFill>
+                  <a:srgbClr val="FFC000"/>
+                </a:solidFill>
+              </a:rPr>
+              <a:t>0; </a:t>
+            </a:r>
+            <a:r>
+              <a:rPr lang="zh-CN" altLang="en-US" sz="2000" dirty="0">
+                <a:solidFill>
+                  <a:srgbClr val="FFC000"/>
+                </a:solidFill>
+              </a:rPr>
+              <a:t> </a:t>
+            </a:r>
+            <a:r>
+              <a:rPr lang="en-US" altLang="zh-CN" sz="2000" dirty="0">
+                <a:solidFill>
+                  <a:srgbClr val="FFC000"/>
+                </a:solidFill>
+              </a:rPr>
+              <a:t>	②</a:t>
+            </a:r>
+            <a:r>
+              <a:rPr lang="zh-CN" altLang="en-US" sz="2000" dirty="0">
+                <a:solidFill>
+                  <a:srgbClr val="FFC000"/>
+                </a:solidFill>
+              </a:rPr>
+              <a:t>中</a:t>
+            </a:r>
+            <a:r>
+              <a:rPr lang="el-GR" altLang="zh-CN" sz="2000" dirty="0">
+                <a:solidFill>
+                  <a:srgbClr val="FFC000"/>
+                </a:solidFill>
+              </a:rPr>
+              <a:t>β</a:t>
+            </a:r>
+            <a:r>
+              <a:rPr lang="en-US" altLang="zh-CN" sz="2000" baseline="-25000" dirty="0">
+                <a:solidFill>
+                  <a:srgbClr val="FFC000"/>
+                </a:solidFill>
+              </a:rPr>
+              <a:t>j</a:t>
+            </a:r>
+            <a:r>
+              <a:rPr lang="en-US" altLang="zh-CN" sz="2000" dirty="0">
+                <a:solidFill>
+                  <a:srgbClr val="FFC000"/>
+                </a:solidFill>
+              </a:rPr>
+              <a:t>(x)</a:t>
+            </a:r>
+            <a:r>
+              <a:rPr lang="zh-CN" altLang="en-US" sz="2000" dirty="0">
+                <a:solidFill>
+                  <a:srgbClr val="FFC000"/>
+                </a:solidFill>
+              </a:rPr>
+              <a:t>保证在所有插值</a:t>
+            </a:r>
+            <a:r>
+              <a:rPr lang="en-US" altLang="zh-CN" sz="2000" dirty="0">
+                <a:solidFill>
+                  <a:srgbClr val="FFC000"/>
+                </a:solidFill>
+              </a:rPr>
+              <a:t>x</a:t>
+            </a:r>
+            <a:r>
+              <a:rPr lang="zh-CN" altLang="en-US" sz="2000" dirty="0">
+                <a:solidFill>
+                  <a:srgbClr val="FFC000"/>
+                </a:solidFill>
+              </a:rPr>
+              <a:t>上为</a:t>
+            </a:r>
+            <a:r>
+              <a:rPr lang="en-US" altLang="zh-CN" sz="2000" dirty="0">
+                <a:solidFill>
+                  <a:srgbClr val="FFC000"/>
+                </a:solidFill>
+              </a:rPr>
+              <a:t>0;  	</a:t>
+            </a:r>
+            <a:r>
+              <a:rPr lang="zh-CN" altLang="en-US" sz="2000" dirty="0">
+                <a:solidFill>
+                  <a:srgbClr val="FFC000"/>
+                </a:solidFill>
+              </a:rPr>
+              <a:t>有</a:t>
+            </a:r>
+            <a:r>
+              <a:rPr lang="en-US" altLang="zh-CN" sz="2000" dirty="0">
+                <a:solidFill>
+                  <a:srgbClr val="FFC000"/>
+                </a:solidFill>
+              </a:rPr>
+              <a:t>H</a:t>
+            </a:r>
+            <a:r>
+              <a:rPr lang="en-US" altLang="zh-CN" sz="2000" baseline="-25000" dirty="0">
+                <a:solidFill>
+                  <a:srgbClr val="FFC000"/>
+                </a:solidFill>
+              </a:rPr>
+              <a:t>2n+1</a:t>
+            </a:r>
+            <a:r>
+              <a:rPr lang="en-US" altLang="zh-CN" sz="2000" dirty="0">
+                <a:solidFill>
+                  <a:srgbClr val="FFC000"/>
+                </a:solidFill>
+              </a:rPr>
+              <a:t>(x) = F(x).</a:t>
+            </a:r>
+            <a:endParaRPr lang="en-US" altLang="zh-CN" sz="2000" baseline="-25000" dirty="0">
+              <a:solidFill>
+                <a:srgbClr val="FFC000"/>
+              </a:solidFill>
+            </a:endParaRPr>
+          </a:p>
+          <a:p>
+            <a:pPr marL="285750" indent="-285750">
+              <a:lnSpc>
+                <a:spcPct val="150000"/>
+              </a:lnSpc>
+              <a:buFont typeface="Arial" panose="020B0604020202020204" pitchFamily="34" charset="0"/>
+              <a:buChar char="•"/>
+            </a:pPr>
+            <a:r>
+              <a:rPr lang="zh-CN" altLang="en-US" sz="2000" dirty="0">
+                <a:solidFill>
+                  <a:srgbClr val="FFC000"/>
+                </a:solidFill>
+              </a:rPr>
+              <a:t>①中</a:t>
+            </a:r>
+            <a:r>
+              <a:rPr lang="el-GR" altLang="zh-CN" sz="2000" dirty="0">
+                <a:solidFill>
+                  <a:srgbClr val="FFC000"/>
+                </a:solidFill>
+              </a:rPr>
+              <a:t>α</a:t>
+            </a:r>
+            <a:r>
+              <a:rPr lang="en-US" altLang="zh-CN" sz="2000" baseline="-25000" dirty="0">
+                <a:solidFill>
+                  <a:srgbClr val="FFC000"/>
+                </a:solidFill>
+              </a:rPr>
+              <a:t>j</a:t>
+            </a:r>
+            <a:r>
+              <a:rPr lang="en-US" altLang="zh-CN" sz="2000" baseline="30000" dirty="0">
+                <a:solidFill>
+                  <a:srgbClr val="FFC000"/>
+                </a:solidFill>
+              </a:rPr>
+              <a:t>’</a:t>
+            </a:r>
+            <a:r>
+              <a:rPr lang="en-US" altLang="zh-CN" sz="2000" dirty="0">
+                <a:solidFill>
+                  <a:srgbClr val="FFC000"/>
+                </a:solidFill>
+              </a:rPr>
+              <a:t>(x)</a:t>
+            </a:r>
+            <a:r>
+              <a:rPr lang="zh-CN" altLang="en-US" sz="2000" dirty="0">
+                <a:solidFill>
+                  <a:srgbClr val="FFC000"/>
+                </a:solidFill>
+              </a:rPr>
+              <a:t>保证所有插值点为</a:t>
+            </a:r>
+            <a:r>
+              <a:rPr lang="en-US" altLang="zh-CN" sz="2000" dirty="0">
+                <a:solidFill>
+                  <a:srgbClr val="FFC000"/>
+                </a:solidFill>
+              </a:rPr>
+              <a:t>0;</a:t>
+            </a:r>
+            <a:r>
+              <a:rPr lang="zh-CN" altLang="en-US" sz="2000" dirty="0">
+                <a:solidFill>
+                  <a:srgbClr val="FFC000"/>
+                </a:solidFill>
+              </a:rPr>
+              <a:t>           </a:t>
+            </a:r>
+            <a:r>
+              <a:rPr lang="en-US" altLang="zh-CN" sz="2000" dirty="0">
+                <a:solidFill>
+                  <a:srgbClr val="FFC000"/>
+                </a:solidFill>
+              </a:rPr>
+              <a:t>	②</a:t>
+            </a:r>
+            <a:r>
+              <a:rPr lang="zh-CN" altLang="en-US" sz="2000" dirty="0">
+                <a:solidFill>
+                  <a:srgbClr val="FFC000"/>
+                </a:solidFill>
+              </a:rPr>
+              <a:t>中</a:t>
+            </a:r>
+            <a:r>
+              <a:rPr lang="el-GR" altLang="zh-CN" sz="2000" dirty="0">
+                <a:solidFill>
+                  <a:srgbClr val="FFC000"/>
+                </a:solidFill>
+              </a:rPr>
+              <a:t>β</a:t>
+            </a:r>
+            <a:r>
+              <a:rPr lang="en-US" altLang="zh-CN" sz="2000" baseline="-25000" dirty="0">
+                <a:solidFill>
+                  <a:srgbClr val="FFC000"/>
+                </a:solidFill>
+              </a:rPr>
+              <a:t>j</a:t>
+            </a:r>
+            <a:r>
+              <a:rPr lang="en-US" altLang="zh-CN" sz="2000" baseline="30000" dirty="0">
+                <a:solidFill>
+                  <a:srgbClr val="FFC000"/>
+                </a:solidFill>
+              </a:rPr>
+              <a:t>’</a:t>
+            </a:r>
+            <a:r>
+              <a:rPr lang="en-US" altLang="zh-CN" sz="2000" dirty="0">
+                <a:solidFill>
+                  <a:srgbClr val="FFC000"/>
+                </a:solidFill>
+              </a:rPr>
+              <a:t>(x)</a:t>
+            </a:r>
+            <a:r>
+              <a:rPr lang="zh-CN" altLang="en-US" sz="2000" dirty="0">
+                <a:solidFill>
+                  <a:srgbClr val="FFC000"/>
+                </a:solidFill>
+              </a:rPr>
+              <a:t>保证</a:t>
+            </a:r>
+            <a:r>
+              <a:rPr lang="en-US" altLang="zh-CN" sz="2000" dirty="0" err="1">
+                <a:solidFill>
+                  <a:srgbClr val="FFC000"/>
+                </a:solidFill>
+              </a:rPr>
+              <a:t>x</a:t>
+            </a:r>
+            <a:r>
+              <a:rPr lang="en-US" altLang="zh-CN" sz="2000" baseline="-25000" dirty="0" err="1">
+                <a:solidFill>
+                  <a:srgbClr val="FFC000"/>
+                </a:solidFill>
+              </a:rPr>
+              <a:t>j</a:t>
+            </a:r>
+            <a:r>
+              <a:rPr lang="zh-CN" altLang="en-US" sz="2000" dirty="0">
+                <a:solidFill>
+                  <a:srgbClr val="FFC000"/>
+                </a:solidFill>
+              </a:rPr>
+              <a:t>点值为</a:t>
+            </a:r>
+            <a:r>
+              <a:rPr lang="en-US" altLang="zh-CN" sz="2000" dirty="0">
+                <a:solidFill>
+                  <a:srgbClr val="FFC000"/>
+                </a:solidFill>
+              </a:rPr>
+              <a:t>1</a:t>
+            </a:r>
+            <a:r>
+              <a:rPr lang="zh-CN" altLang="en-US" sz="2000" dirty="0">
+                <a:solidFill>
+                  <a:srgbClr val="FFC000"/>
+                </a:solidFill>
+              </a:rPr>
+              <a:t>，其余为</a:t>
+            </a:r>
+            <a:r>
+              <a:rPr lang="en-US" altLang="zh-CN" sz="2000" dirty="0">
+                <a:solidFill>
+                  <a:srgbClr val="FFC000"/>
+                </a:solidFill>
+              </a:rPr>
+              <a:t>0;  	</a:t>
+            </a:r>
+            <a:r>
+              <a:rPr lang="zh-CN" altLang="en-US" sz="2000" dirty="0">
+                <a:solidFill>
+                  <a:srgbClr val="FFC000"/>
+                </a:solidFill>
+              </a:rPr>
+              <a:t>有</a:t>
+            </a:r>
+            <a:r>
+              <a:rPr lang="en-US" altLang="zh-CN" sz="2000" dirty="0">
+                <a:solidFill>
+                  <a:srgbClr val="FFC000"/>
+                </a:solidFill>
+              </a:rPr>
+              <a:t>H</a:t>
+            </a:r>
+            <a:r>
+              <a:rPr lang="en-US" altLang="zh-CN" sz="2000" baseline="-25000" dirty="0">
+                <a:solidFill>
+                  <a:srgbClr val="FFC000"/>
+                </a:solidFill>
+              </a:rPr>
+              <a:t>2n+1</a:t>
+            </a:r>
+            <a:r>
+              <a:rPr lang="en-US" altLang="zh-CN" sz="2000" baseline="30000" dirty="0">
+                <a:solidFill>
+                  <a:srgbClr val="FFC000"/>
+                </a:solidFill>
+              </a:rPr>
+              <a:t>’</a:t>
+            </a:r>
+            <a:r>
+              <a:rPr lang="en-US" altLang="zh-CN" sz="2000" dirty="0">
+                <a:solidFill>
+                  <a:srgbClr val="FFC000"/>
+                </a:solidFill>
+              </a:rPr>
+              <a:t>(x) = F’(x).</a:t>
+            </a:r>
+          </a:p>
+          <a:p>
+            <a:pPr marL="285750" indent="-285750">
+              <a:lnSpc>
+                <a:spcPct val="150000"/>
+              </a:lnSpc>
+              <a:buFont typeface="Arial" panose="020B0604020202020204" pitchFamily="34" charset="0"/>
+              <a:buChar char="•"/>
+            </a:pPr>
+            <a:r>
+              <a:rPr lang="en-US" altLang="zh-CN" sz="2000" dirty="0" err="1">
+                <a:solidFill>
+                  <a:srgbClr val="FFC000"/>
+                </a:solidFill>
+              </a:rPr>
+              <a:t>En</a:t>
+            </a:r>
+            <a:r>
+              <a:rPr lang="en-US" altLang="zh-CN" sz="2000" dirty="0">
+                <a:solidFill>
+                  <a:srgbClr val="FFC000"/>
+                </a:solidFill>
+              </a:rPr>
+              <a:t>,  </a:t>
+            </a:r>
+            <a:r>
+              <a:rPr lang="en-US" altLang="zh-CN" sz="2000" dirty="0" err="1">
+                <a:solidFill>
+                  <a:srgbClr val="FFC000"/>
+                </a:solidFill>
+              </a:rPr>
+              <a:t>balabalabala</a:t>
+            </a:r>
+            <a:r>
+              <a:rPr lang="en-US" altLang="zh-CN" sz="2000" dirty="0">
+                <a:solidFill>
+                  <a:srgbClr val="FFC000"/>
+                </a:solidFill>
+              </a:rPr>
+              <a:t>………………….</a:t>
+            </a:r>
+            <a:r>
+              <a:rPr lang="zh-CN" altLang="en-US" sz="2000" dirty="0">
+                <a:solidFill>
+                  <a:srgbClr val="FFC000"/>
+                </a:solidFill>
+              </a:rPr>
+              <a:t>还推导么？</a:t>
+            </a:r>
+            <a:endParaRPr lang="en-US" altLang="zh-CN" sz="2000" dirty="0">
+              <a:solidFill>
+                <a:srgbClr val="FFC000"/>
+              </a:solidFill>
+            </a:endParaRPr>
+          </a:p>
+          <a:p>
+            <a:pPr marL="285750" indent="-285750">
+              <a:lnSpc>
+                <a:spcPct val="150000"/>
+              </a:lnSpc>
+              <a:buFont typeface="Arial" panose="020B0604020202020204" pitchFamily="34" charset="0"/>
+              <a:buChar char="•"/>
+            </a:pPr>
+            <a:r>
+              <a:rPr lang="zh-CN" altLang="en-US" sz="2000" dirty="0">
+                <a:solidFill>
+                  <a:srgbClr val="FFC000"/>
+                </a:solidFill>
+              </a:rPr>
+              <a:t>再推导下试试    </a:t>
+            </a:r>
+            <a:r>
+              <a:rPr lang="th-TH" altLang="zh-CN" sz="2000" dirty="0">
+                <a:solidFill>
+                  <a:srgbClr val="FFC000"/>
+                </a:solidFill>
+              </a:rPr>
+              <a:t>(๑•̀</a:t>
+            </a:r>
+            <a:r>
+              <a:rPr lang="ko-KR" altLang="en-US" sz="2000" dirty="0">
+                <a:solidFill>
+                  <a:srgbClr val="FFC000"/>
+                </a:solidFill>
+              </a:rPr>
+              <a:t>ㅂ</a:t>
+            </a:r>
+            <a:r>
+              <a:rPr lang="en-US" altLang="ko-KR" sz="2000" dirty="0">
+                <a:solidFill>
+                  <a:srgbClr val="FFC000"/>
+                </a:solidFill>
+              </a:rPr>
+              <a:t>•́)</a:t>
+            </a:r>
+            <a:r>
+              <a:rPr lang="ar-AE" altLang="zh-CN" sz="2000" dirty="0">
+                <a:solidFill>
+                  <a:srgbClr val="FFC000"/>
+                </a:solidFill>
+              </a:rPr>
+              <a:t>و✧</a:t>
+            </a:r>
+            <a:endParaRPr lang="en-US" altLang="zh-CN" sz="2000" dirty="0">
+              <a:solidFill>
+                <a:srgbClr val="FFC000"/>
+              </a:solidFill>
+            </a:endParaRPr>
+          </a:p>
+          <a:p>
+            <a:pPr marL="285750" indent="-285750">
+              <a:lnSpc>
+                <a:spcPct val="150000"/>
+              </a:lnSpc>
+              <a:buFont typeface="Arial" panose="020B0604020202020204" pitchFamily="34" charset="0"/>
+              <a:buChar char="•"/>
+            </a:pPr>
+            <a:r>
+              <a:rPr lang="zh-CN" altLang="en-US" sz="2000" dirty="0">
+                <a:solidFill>
+                  <a:srgbClr val="FFC000"/>
+                </a:solidFill>
+              </a:rPr>
+              <a:t>首先看看</a:t>
+            </a:r>
+            <a:r>
+              <a:rPr lang="en-US" altLang="zh-CN" sz="2000" dirty="0">
+                <a:solidFill>
+                  <a:srgbClr val="FFC000"/>
+                </a:solidFill>
+              </a:rPr>
+              <a:t>Lagrange</a:t>
+            </a:r>
+            <a:r>
+              <a:rPr lang="zh-CN" altLang="en-US" sz="2000" dirty="0">
+                <a:solidFill>
+                  <a:srgbClr val="FFC000"/>
+                </a:solidFill>
+              </a:rPr>
+              <a:t>基函数，</a:t>
+            </a:r>
+            <a:r>
+              <a:rPr lang="en-US" altLang="zh-CN" sz="2000" dirty="0" err="1">
+                <a:solidFill>
+                  <a:srgbClr val="FFC000"/>
+                </a:solidFill>
+              </a:rPr>
+              <a:t>L</a:t>
+            </a:r>
+            <a:r>
+              <a:rPr lang="en-US" altLang="zh-CN" sz="2000" baseline="-25000" dirty="0" err="1">
+                <a:solidFill>
+                  <a:srgbClr val="FFC000"/>
+                </a:solidFill>
+              </a:rPr>
+              <a:t>j</a:t>
+            </a:r>
+            <a:r>
+              <a:rPr lang="en-US" altLang="zh-CN" sz="2000" dirty="0">
+                <a:solidFill>
+                  <a:srgbClr val="FFC000"/>
+                </a:solidFill>
+              </a:rPr>
+              <a:t>(x), </a:t>
+            </a:r>
+            <a:r>
+              <a:rPr lang="zh-CN" altLang="en-US" sz="2000" dirty="0">
+                <a:solidFill>
+                  <a:srgbClr val="FFC000"/>
+                </a:solidFill>
+              </a:rPr>
+              <a:t>在</a:t>
+            </a:r>
+            <a:r>
+              <a:rPr lang="en-US" altLang="zh-CN" sz="2000" dirty="0" err="1">
+                <a:solidFill>
+                  <a:srgbClr val="FFC000"/>
+                </a:solidFill>
+              </a:rPr>
+              <a:t>x</a:t>
+            </a:r>
+            <a:r>
+              <a:rPr lang="en-US" altLang="zh-CN" sz="2000" baseline="-25000" dirty="0" err="1">
+                <a:solidFill>
+                  <a:srgbClr val="FFC000"/>
+                </a:solidFill>
+              </a:rPr>
+              <a:t>j</a:t>
+            </a:r>
+            <a:r>
+              <a:rPr lang="zh-CN" altLang="en-US" sz="2000" dirty="0">
+                <a:solidFill>
+                  <a:srgbClr val="FFC000"/>
+                </a:solidFill>
+              </a:rPr>
+              <a:t>点值为</a:t>
+            </a:r>
+            <a:r>
+              <a:rPr lang="en-US" altLang="zh-CN" sz="2000" dirty="0">
+                <a:solidFill>
+                  <a:srgbClr val="FFC000"/>
+                </a:solidFill>
+              </a:rPr>
+              <a:t>1</a:t>
+            </a:r>
+            <a:r>
+              <a:rPr lang="zh-CN" altLang="en-US" sz="2000" dirty="0">
+                <a:solidFill>
+                  <a:srgbClr val="FFC000"/>
+                </a:solidFill>
+              </a:rPr>
+              <a:t>，其余为</a:t>
+            </a:r>
+            <a:r>
+              <a:rPr lang="en-US" altLang="zh-CN" sz="2000" dirty="0">
+                <a:solidFill>
+                  <a:srgbClr val="FFC000"/>
+                </a:solidFill>
+              </a:rPr>
+              <a:t>0</a:t>
+            </a:r>
+            <a:r>
+              <a:rPr lang="zh-CN" altLang="en-US" sz="2000" dirty="0">
+                <a:solidFill>
+                  <a:srgbClr val="FFC000"/>
+                </a:solidFill>
+              </a:rPr>
+              <a:t>；多么的相似呀，</a:t>
+            </a:r>
+            <a:r>
+              <a:rPr lang="zh-CN" altLang="en-US" dirty="0"/>
+              <a:t> </a:t>
+            </a:r>
+            <a:r>
+              <a:rPr lang="zh-CN" altLang="en-US" sz="2000" dirty="0">
+                <a:solidFill>
+                  <a:srgbClr val="FFC000"/>
+                </a:solidFill>
+              </a:rPr>
+              <a:t>╰</a:t>
+            </a:r>
+            <a:r>
+              <a:rPr lang="en-US" altLang="zh-CN" sz="2000" dirty="0">
+                <a:solidFill>
+                  <a:srgbClr val="FFC000"/>
+                </a:solidFill>
+              </a:rPr>
+              <a:t>(*°▽°*)╯</a:t>
+            </a:r>
+          </a:p>
+          <a:p>
+            <a:pPr marL="285750" indent="-285750">
+              <a:lnSpc>
+                <a:spcPct val="150000"/>
+              </a:lnSpc>
+              <a:buFont typeface="Arial" panose="020B0604020202020204" pitchFamily="34" charset="0"/>
+              <a:buChar char="•"/>
+            </a:pPr>
+            <a:r>
+              <a:rPr lang="el-GR" altLang="zh-CN" sz="2000" dirty="0">
+                <a:solidFill>
+                  <a:srgbClr val="FFC000"/>
+                </a:solidFill>
+              </a:rPr>
+              <a:t>α</a:t>
+            </a:r>
+            <a:r>
+              <a:rPr lang="en-US" altLang="zh-CN" sz="2000" baseline="-25000" dirty="0">
+                <a:solidFill>
+                  <a:srgbClr val="FFC000"/>
+                </a:solidFill>
+              </a:rPr>
+              <a:t>j</a:t>
+            </a:r>
+            <a:r>
+              <a:rPr lang="en-US" altLang="zh-CN" sz="2000" dirty="0">
+                <a:solidFill>
+                  <a:srgbClr val="FFC000"/>
+                </a:solidFill>
+              </a:rPr>
+              <a:t>(x) = (ax + b)L</a:t>
+            </a:r>
+            <a:r>
+              <a:rPr lang="en-US" altLang="zh-CN" sz="2000" baseline="-25000" dirty="0">
+                <a:solidFill>
+                  <a:srgbClr val="FFC000"/>
+                </a:solidFill>
+              </a:rPr>
+              <a:t>j</a:t>
+            </a:r>
+            <a:r>
+              <a:rPr lang="en-US" altLang="zh-CN" sz="2000" baseline="30000" dirty="0">
+                <a:solidFill>
+                  <a:srgbClr val="FFC000"/>
+                </a:solidFill>
+              </a:rPr>
+              <a:t>2</a:t>
+            </a:r>
+            <a:r>
+              <a:rPr lang="en-US" altLang="zh-CN" sz="2000" dirty="0">
+                <a:solidFill>
+                  <a:srgbClr val="FFC000"/>
+                </a:solidFill>
+              </a:rPr>
+              <a:t>(x)</a:t>
+            </a:r>
+          </a:p>
+          <a:p>
+            <a:pPr marL="285750" indent="-285750">
+              <a:lnSpc>
+                <a:spcPct val="150000"/>
+              </a:lnSpc>
+              <a:buFont typeface="Arial" panose="020B0604020202020204" pitchFamily="34" charset="0"/>
+              <a:buChar char="•"/>
+            </a:pPr>
+            <a:r>
+              <a:rPr lang="zh-CN" altLang="en-US" sz="2000" dirty="0">
+                <a:solidFill>
+                  <a:srgbClr val="FFC000"/>
+                </a:solidFill>
+              </a:rPr>
+              <a:t>嗯，对于</a:t>
+            </a:r>
+            <a:r>
+              <a:rPr lang="el-GR" altLang="zh-CN" sz="2000" dirty="0">
+                <a:solidFill>
+                  <a:srgbClr val="FFC000"/>
+                </a:solidFill>
+              </a:rPr>
+              <a:t>β</a:t>
+            </a:r>
+            <a:r>
+              <a:rPr lang="en-US" altLang="zh-CN" sz="2000" baseline="-25000" dirty="0">
+                <a:solidFill>
+                  <a:srgbClr val="FFC000"/>
+                </a:solidFill>
+              </a:rPr>
+              <a:t>j</a:t>
+            </a:r>
+            <a:r>
+              <a:rPr lang="en-US" altLang="zh-CN" sz="2000" dirty="0">
+                <a:solidFill>
+                  <a:srgbClr val="FFC000"/>
+                </a:solidFill>
+              </a:rPr>
+              <a:t>(x)</a:t>
+            </a:r>
+            <a:r>
+              <a:rPr lang="zh-CN" altLang="en-US" sz="2000" dirty="0">
+                <a:solidFill>
+                  <a:srgbClr val="FFC000"/>
+                </a:solidFill>
+              </a:rPr>
+              <a:t>， </a:t>
+            </a:r>
+            <a:r>
+              <a:rPr lang="en-US" altLang="zh-CN" sz="2000" dirty="0" err="1">
+                <a:solidFill>
+                  <a:srgbClr val="FFC000"/>
+                </a:solidFill>
+              </a:rPr>
+              <a:t>x</a:t>
+            </a:r>
+            <a:r>
+              <a:rPr lang="en-US" altLang="zh-CN" sz="2000" baseline="-25000" dirty="0" err="1">
+                <a:solidFill>
+                  <a:srgbClr val="FFC000"/>
+                </a:solidFill>
+              </a:rPr>
+              <a:t>j</a:t>
+            </a:r>
+            <a:r>
+              <a:rPr lang="zh-CN" altLang="en-US" sz="2000" dirty="0">
+                <a:solidFill>
+                  <a:srgbClr val="FFC000"/>
+                </a:solidFill>
+              </a:rPr>
+              <a:t>值点为</a:t>
+            </a:r>
+            <a:r>
+              <a:rPr lang="en-US" altLang="zh-CN" sz="2000" dirty="0">
+                <a:solidFill>
+                  <a:srgbClr val="FFC000"/>
+                </a:solidFill>
+              </a:rPr>
+              <a:t>1</a:t>
+            </a:r>
+            <a:r>
+              <a:rPr lang="zh-CN" altLang="en-US" sz="2000" dirty="0">
+                <a:solidFill>
+                  <a:srgbClr val="FFC000"/>
+                </a:solidFill>
+              </a:rPr>
+              <a:t>重零点，其他为</a:t>
+            </a:r>
+            <a:r>
+              <a:rPr lang="en-US" altLang="zh-CN" sz="2000" dirty="0">
+                <a:solidFill>
+                  <a:srgbClr val="FFC000"/>
+                </a:solidFill>
+              </a:rPr>
+              <a:t>2</a:t>
+            </a:r>
+            <a:r>
+              <a:rPr lang="zh-CN" altLang="en-US" sz="2000" dirty="0">
+                <a:solidFill>
+                  <a:srgbClr val="FFC000"/>
+                </a:solidFill>
+              </a:rPr>
+              <a:t>重零点</a:t>
+            </a:r>
+            <a:endParaRPr lang="en-US" altLang="zh-CN" sz="2000" dirty="0">
+              <a:solidFill>
+                <a:srgbClr val="FFC000"/>
+              </a:solidFill>
+            </a:endParaRPr>
+          </a:p>
+          <a:p>
+            <a:pPr marL="285750" indent="-285750">
+              <a:lnSpc>
+                <a:spcPct val="150000"/>
+              </a:lnSpc>
+              <a:buFont typeface="Arial" panose="020B0604020202020204" pitchFamily="34" charset="0"/>
+              <a:buChar char="•"/>
+            </a:pPr>
+            <a:r>
+              <a:rPr lang="el-GR" altLang="zh-CN" sz="2000" dirty="0">
+                <a:solidFill>
+                  <a:srgbClr val="FFC000"/>
+                </a:solidFill>
+              </a:rPr>
+              <a:t>β</a:t>
+            </a:r>
+            <a:r>
+              <a:rPr lang="en-US" altLang="zh-CN" sz="2000" baseline="-25000" dirty="0">
+                <a:solidFill>
+                  <a:srgbClr val="FFC000"/>
+                </a:solidFill>
+              </a:rPr>
+              <a:t>j</a:t>
+            </a:r>
+            <a:r>
+              <a:rPr lang="en-US" altLang="zh-CN" sz="2000" dirty="0">
+                <a:solidFill>
+                  <a:srgbClr val="FFC000"/>
+                </a:solidFill>
+              </a:rPr>
+              <a:t>(x) = c(x - </a:t>
+            </a:r>
+            <a:r>
+              <a:rPr lang="en-US" altLang="zh-CN" sz="2000" dirty="0" err="1">
+                <a:solidFill>
+                  <a:srgbClr val="FFC000"/>
+                </a:solidFill>
+              </a:rPr>
+              <a:t>x</a:t>
+            </a:r>
+            <a:r>
+              <a:rPr lang="en-US" altLang="zh-CN" sz="2000" baseline="-25000" dirty="0" err="1">
+                <a:solidFill>
+                  <a:srgbClr val="FFC000"/>
+                </a:solidFill>
+              </a:rPr>
+              <a:t>j</a:t>
+            </a:r>
+            <a:r>
+              <a:rPr lang="en-US" altLang="zh-CN" sz="2000" dirty="0">
+                <a:solidFill>
+                  <a:srgbClr val="FFC000"/>
+                </a:solidFill>
+              </a:rPr>
+              <a:t>) L</a:t>
+            </a:r>
+            <a:r>
+              <a:rPr lang="en-US" altLang="zh-CN" sz="2000" baseline="-25000" dirty="0">
+                <a:solidFill>
+                  <a:srgbClr val="FFC000"/>
+                </a:solidFill>
+              </a:rPr>
+              <a:t>j</a:t>
+            </a:r>
+            <a:r>
+              <a:rPr lang="en-US" altLang="zh-CN" sz="2000" baseline="30000" dirty="0">
+                <a:solidFill>
+                  <a:srgbClr val="FFC000"/>
+                </a:solidFill>
+              </a:rPr>
+              <a:t>2</a:t>
+            </a:r>
+            <a:r>
+              <a:rPr lang="en-US" altLang="zh-CN" sz="2000" dirty="0">
+                <a:solidFill>
+                  <a:srgbClr val="FFC000"/>
+                </a:solidFill>
+              </a:rPr>
+              <a:t>(x)</a:t>
+            </a:r>
+            <a:endParaRPr lang="zh-CN" altLang="en-US" sz="2000" dirty="0">
+              <a:solidFill>
+                <a:srgbClr val="FFC000"/>
+              </a:solidFill>
+            </a:endParaRPr>
+          </a:p>
+        </p:txBody>
+      </p:sp>
+      <p:pic>
+        <p:nvPicPr>
+          <p:cNvPr id="7" name="图片 6">
+            <a:extLst>
+              <a:ext uri="{FF2B5EF4-FFF2-40B4-BE49-F238E27FC236}">
+                <a16:creationId xmlns:a16="http://schemas.microsoft.com/office/drawing/2014/main" id="{8DF4B416-E448-4FE5-B95E-777311CB847A}"/>
+              </a:ext>
+            </a:extLst>
+          </p:cNvPr>
+          <p:cNvPicPr>
+            <a:picLocks noChangeAspect="1"/>
+          </p:cNvPicPr>
+          <p:nvPr/>
+        </p:nvPicPr>
+        <p:blipFill>
+          <a:blip r:embed="rId2">
+            <a:extLst>
+              <a:ext uri="{28A0092B-C50C-407E-A947-70E740481C1C}">
+                <a14:useLocalDpi xmlns:a14="http://schemas.microsoft.com/office/drawing/2010/main" val="0"/>
+              </a:ext>
+            </a:extLst>
+          </a:blip>
+          <a:stretch>
+            <a:fillRect/>
+          </a:stretch>
+        </p:blipFill>
+        <p:spPr>
+          <a:xfrm>
+            <a:off x="1144872" y="1021438"/>
+            <a:ext cx="6106377" cy="1342939"/>
+          </a:xfrm>
+          <a:prstGeom prst="rect">
+            <a:avLst/>
+          </a:prstGeom>
+        </p:spPr>
+      </p:pic>
+    </p:spTree>
+    <p:extLst>
+      <p:ext uri="{BB962C8B-B14F-4D97-AF65-F5344CB8AC3E}">
+        <p14:creationId xmlns:p14="http://schemas.microsoft.com/office/powerpoint/2010/main" val="1075626778"/>
+      </p:ext>
+    </p:extLst>
+  </p:cSld>
+  <p:clrMapOvr>
+    <a:masterClrMapping/>
+  </p:clrMapOvr>
+  <p:timing>
+    <p:tnLst>
+      <p:par>
+        <p:cTn id="1" dur="indefinite" restart="never" nodeType="tmRoot">
+          <p:childTnLst>
+            <p:seq concurrent="1" nextAc="seek">
+              <p:cTn id="2" dur="indefinite" nodeType="mainSeq">
+                <p:childTnLst>
+                  <p:par>
+                    <p:cTn id="3" fill="hold">
+                      <p:stCondLst>
+                        <p:cond delay="indefinite"/>
+                      </p:stCondLst>
+                      <p:childTnLst>
+                        <p:par>
+                          <p:cTn id="4" fill="hold">
+                            <p:stCondLst>
+                              <p:cond delay="0"/>
+                            </p:stCondLst>
+                            <p:childTnLst>
+                              <p:par>
+                                <p:cTn id="5" presetID="6" presetClass="entr" presetSubtype="16" fill="hold" grpId="0" nodeType="clickEffect">
+                                  <p:stCondLst>
+                                    <p:cond delay="0"/>
+                                  </p:stCondLst>
+                                  <p:childTnLst>
+                                    <p:set>
+                                      <p:cBhvr>
+                                        <p:cTn id="6" dur="1" fill="hold">
+                                          <p:stCondLst>
+                                            <p:cond delay="0"/>
+                                          </p:stCondLst>
+                                        </p:cTn>
+                                        <p:tgtEl>
+                                          <p:spTgt spid="2"/>
+                                        </p:tgtEl>
+                                        <p:attrNameLst>
+                                          <p:attrName>style.visibility</p:attrName>
+                                        </p:attrNameLst>
+                                      </p:cBhvr>
+                                      <p:to>
+                                        <p:strVal val="visible"/>
+                                      </p:to>
+                                    </p:set>
+                                    <p:animEffect transition="in" filter="circle(in)">
+                                      <p:cBhvr>
+                                        <p:cTn id="7" dur="2000"/>
+                                        <p:tgtEl>
+                                          <p:spTgt spid="2"/>
+                                        </p:tgtEl>
+                                      </p:cBhvr>
+                                    </p:animEffect>
+                                  </p:childTnLst>
+                                </p:cTn>
+                              </p:par>
+                            </p:childTnLst>
+                          </p:cTn>
+                        </p:par>
+                      </p:childTnLst>
+                    </p:cTn>
+                  </p:par>
+                  <p:par>
+                    <p:cTn id="8" fill="hold">
+                      <p:stCondLst>
+                        <p:cond delay="indefinite"/>
+                      </p:stCondLst>
+                      <p:childTnLst>
+                        <p:par>
+                          <p:cTn id="9" fill="hold">
+                            <p:stCondLst>
+                              <p:cond delay="0"/>
+                            </p:stCondLst>
+                            <p:childTnLst>
+                              <p:par>
+                                <p:cTn id="10" presetID="6" presetClass="entr" presetSubtype="16" fill="hold" nodeType="clickEffect">
+                                  <p:stCondLst>
+                                    <p:cond delay="0"/>
+                                  </p:stCondLst>
+                                  <p:childTnLst>
+                                    <p:set>
+                                      <p:cBhvr>
+                                        <p:cTn id="11" dur="1" fill="hold">
+                                          <p:stCondLst>
+                                            <p:cond delay="0"/>
+                                          </p:stCondLst>
+                                        </p:cTn>
                                         <p:tgtEl>
                                           <p:spTgt spid="7"/>
+                                        </p:tgtEl>
+                                        <p:attrNameLst>
+                                          <p:attrName>style.visibility</p:attrName>
+                                        </p:attrNameLst>
+                                      </p:cBhvr>
+                                      <p:to>
+                                        <p:strVal val="visible"/>
+                                      </p:to>
+                                    </p:set>
+                                    <p:animEffect transition="in" filter="circle(in)">
+                                      <p:cBhvr>
+                                        <p:cTn id="12" dur="2000"/>
+                                        <p:tgtEl>
+                                          <p:spTgt spid="7"/>
+                                        </p:tgtEl>
+                                      </p:cBhvr>
+                                    </p:animEffect>
+                                  </p:childTnLst>
+                                </p:cTn>
+                              </p:par>
+                            </p:childTnLst>
+                          </p:cTn>
+                        </p:par>
+                      </p:childTnLst>
+                    </p:cTn>
+                  </p:par>
+                  <p:par>
+                    <p:cTn id="13" fill="hold">
+                      <p:stCondLst>
+                        <p:cond delay="indefinite"/>
+                      </p:stCondLst>
+                      <p:childTnLst>
+                        <p:par>
+                          <p:cTn id="14" fill="hold">
+                            <p:stCondLst>
+                              <p:cond delay="0"/>
+                            </p:stCondLst>
+                            <p:childTnLst>
+                              <p:par>
+                                <p:cTn id="15" presetID="10" presetClass="entr" presetSubtype="0" fill="hold" nodeType="clickEffect">
+                                  <p:stCondLst>
+                                    <p:cond delay="0"/>
+                                  </p:stCondLst>
+                                  <p:childTnLst>
+                                    <p:set>
+                                      <p:cBhvr>
+                                        <p:cTn id="16" dur="1" fill="hold">
+                                          <p:stCondLst>
+                                            <p:cond delay="0"/>
+                                          </p:stCondLst>
+                                        </p:cTn>
+                                        <p:tgtEl>
+                                          <p:spTgt spid="5">
+                                            <p:txEl>
+                                              <p:pRg st="0" end="0"/>
+                                            </p:txEl>
+                                          </p:spTgt>
+                                        </p:tgtEl>
+                                        <p:attrNameLst>
+                                          <p:attrName>style.visibility</p:attrName>
+                                        </p:attrNameLst>
+                                      </p:cBhvr>
+                                      <p:to>
+                                        <p:strVal val="visible"/>
+                                      </p:to>
+                                    </p:set>
+                                    <p:animEffect transition="in" filter="fade">
+                                      <p:cBhvr>
+                                        <p:cTn id="17" dur="500"/>
+                                        <p:tgtEl>
+                                          <p:spTgt spid="5">
+                                            <p:txEl>
+                                              <p:pRg st="0" end="0"/>
+                                            </p:txEl>
+                                          </p:spTgt>
+                                        </p:tgtEl>
+                                      </p:cBhvr>
+                                    </p:animEffect>
+                                  </p:childTnLst>
+                                </p:cTn>
+                              </p:par>
+                            </p:childTnLst>
+                          </p:cTn>
+                        </p:par>
+                      </p:childTnLst>
+                    </p:cTn>
+                  </p:par>
+                  <p:par>
+                    <p:cTn id="18" fill="hold">
+                      <p:stCondLst>
+                        <p:cond delay="indefinite"/>
+                      </p:stCondLst>
+                      <p:childTnLst>
+                        <p:par>
+                          <p:cTn id="19" fill="hold">
+                            <p:stCondLst>
+                              <p:cond delay="0"/>
+                            </p:stCondLst>
+                            <p:childTnLst>
+                              <p:par>
+                                <p:cTn id="20" presetID="10" presetClass="entr" presetSubtype="0" fill="hold" nodeType="clickEffect">
+                                  <p:stCondLst>
+                                    <p:cond delay="0"/>
+                                  </p:stCondLst>
+                                  <p:childTnLst>
+                                    <p:set>
+                                      <p:cBhvr>
+                                        <p:cTn id="21" dur="1" fill="hold">
+                                          <p:stCondLst>
+                                            <p:cond delay="0"/>
+                                          </p:stCondLst>
+                                        </p:cTn>
+                                        <p:tgtEl>
+                                          <p:spTgt spid="5">
+                                            <p:txEl>
+                                              <p:pRg st="1" end="1"/>
+                                            </p:txEl>
+                                          </p:spTgt>
+                                        </p:tgtEl>
+                                        <p:attrNameLst>
+                                          <p:attrName>style.visibility</p:attrName>
+                                        </p:attrNameLst>
+                                      </p:cBhvr>
+                                      <p:to>
+                                        <p:strVal val="visible"/>
+                                      </p:to>
+                                    </p:set>
+                                    <p:animEffect transition="in" filter="fade">
+                                      <p:cBhvr>
+                                        <p:cTn id="22" dur="500"/>
+                                        <p:tgtEl>
+                                          <p:spTgt spid="5">
+                                            <p:txEl>
+                                              <p:pRg st="1" end="1"/>
+                                            </p:txEl>
+                                          </p:spTgt>
+                                        </p:tgtEl>
+                                      </p:cBhvr>
+                                    </p:animEffect>
+                                  </p:childTnLst>
+                                </p:cTn>
+                              </p:par>
+                            </p:childTnLst>
+                          </p:cTn>
+                        </p:par>
+                      </p:childTnLst>
+                    </p:cTn>
+                  </p:par>
+                  <p:par>
+                    <p:cTn id="23" fill="hold">
+                      <p:stCondLst>
+                        <p:cond delay="indefinite"/>
+                      </p:stCondLst>
+                      <p:childTnLst>
+                        <p:par>
+                          <p:cTn id="24" fill="hold">
+                            <p:stCondLst>
+                              <p:cond delay="0"/>
+                            </p:stCondLst>
+                            <p:childTnLst>
+                              <p:par>
+                                <p:cTn id="25" presetID="42" presetClass="entr" presetSubtype="0" fill="hold" nodeType="clickEffect">
+                                  <p:stCondLst>
+                                    <p:cond delay="0"/>
+                                  </p:stCondLst>
+                                  <p:childTnLst>
+                                    <p:set>
+                                      <p:cBhvr>
+                                        <p:cTn id="26" dur="1" fill="hold">
+                                          <p:stCondLst>
+                                            <p:cond delay="0"/>
+                                          </p:stCondLst>
+                                        </p:cTn>
+                                        <p:tgtEl>
+                                          <p:spTgt spid="5">
+                                            <p:txEl>
+                                              <p:pRg st="2" end="2"/>
+                                            </p:txEl>
+                                          </p:spTgt>
+                                        </p:tgtEl>
+                                        <p:attrNameLst>
+                                          <p:attrName>style.visibility</p:attrName>
+                                        </p:attrNameLst>
+                                      </p:cBhvr>
+                                      <p:to>
+                                        <p:strVal val="visible"/>
+                                      </p:to>
+                                    </p:set>
+                                    <p:animEffect transition="in" filter="fade">
+                                      <p:cBhvr>
+                                        <p:cTn id="27" dur="1000"/>
+                                        <p:tgtEl>
+                                          <p:spTgt spid="5">
+                                            <p:txEl>
+                                              <p:pRg st="2" end="2"/>
+                                            </p:txEl>
+                                          </p:spTgt>
+                                        </p:tgtEl>
+                                      </p:cBhvr>
+                                    </p:animEffect>
+                                    <p:anim calcmode="lin" valueType="num">
+                                      <p:cBhvr>
+                                        <p:cTn id="28" dur="1000" fill="hold"/>
+                                        <p:tgtEl>
+                                          <p:spTgt spid="5">
+                                            <p:txEl>
+                                              <p:pRg st="2" end="2"/>
+                                            </p:txEl>
+                                          </p:spTgt>
+                                        </p:tgtEl>
+                                        <p:attrNameLst>
+                                          <p:attrName>ppt_x</p:attrName>
+                                        </p:attrNameLst>
+                                      </p:cBhvr>
+                                      <p:tavLst>
+                                        <p:tav tm="0">
+                                          <p:val>
+                                            <p:strVal val="#ppt_x"/>
+                                          </p:val>
+                                        </p:tav>
+                                        <p:tav tm="100000">
+                                          <p:val>
+                                            <p:strVal val="#ppt_x"/>
+                                          </p:val>
+                                        </p:tav>
+                                      </p:tavLst>
+                                    </p:anim>
+                                    <p:anim calcmode="lin" valueType="num">
+                                      <p:cBhvr>
+                                        <p:cTn id="29" dur="1000" fill="hold"/>
+                                        <p:tgtEl>
+                                          <p:spTgt spid="5">
+                                            <p:txEl>
+                                              <p:pRg st="2" end="2"/>
+                                            </p:txEl>
+                                          </p:spTgt>
+                                        </p:tgtEl>
+                                        <p:attrNameLst>
+                                          <p:attrName>ppt_y</p:attrName>
+                                        </p:attrNameLst>
+                                      </p:cBhvr>
+                                      <p:tavLst>
+                                        <p:tav tm="0">
+                                          <p:val>
+                                            <p:strVal val="#ppt_y+.1"/>
+                                          </p:val>
+                                        </p:tav>
+                                        <p:tav tm="100000">
+                                          <p:val>
+                                            <p:strVal val="#ppt_y"/>
+                                          </p:val>
+                                        </p:tav>
+                                      </p:tavLst>
+                                    </p:anim>
+                                  </p:childTnLst>
+                                </p:cTn>
+                              </p:par>
+                            </p:childTnLst>
+                          </p:cTn>
+                        </p:par>
+                      </p:childTnLst>
+                    </p:cTn>
+                  </p:par>
+                  <p:par>
+                    <p:cTn id="30" fill="hold">
+                      <p:stCondLst>
+                        <p:cond delay="indefinite"/>
+                      </p:stCondLst>
+                      <p:childTnLst>
+                        <p:par>
+                          <p:cTn id="31" fill="hold">
+                            <p:stCondLst>
+                              <p:cond delay="0"/>
+                            </p:stCondLst>
+                            <p:childTnLst>
+                              <p:par>
+                                <p:cTn id="32" presetID="42" presetClass="entr" presetSubtype="0" fill="hold" nodeType="clickEffect">
+                                  <p:stCondLst>
+                                    <p:cond delay="0"/>
+                                  </p:stCondLst>
+                                  <p:childTnLst>
+                                    <p:set>
+                                      <p:cBhvr>
+                                        <p:cTn id="33" dur="1" fill="hold">
+                                          <p:stCondLst>
+                                            <p:cond delay="0"/>
+                                          </p:stCondLst>
+                                        </p:cTn>
+                                        <p:tgtEl>
+                                          <p:spTgt spid="5">
+                                            <p:txEl>
+                                              <p:pRg st="3" end="3"/>
+                                            </p:txEl>
+                                          </p:spTgt>
+                                        </p:tgtEl>
+                                        <p:attrNameLst>
+                                          <p:attrName>style.visibility</p:attrName>
+                                        </p:attrNameLst>
+                                      </p:cBhvr>
+                                      <p:to>
+                                        <p:strVal val="visible"/>
+                                      </p:to>
+                                    </p:set>
+                                    <p:animEffect transition="in" filter="fade">
+                                      <p:cBhvr>
+                                        <p:cTn id="34" dur="1000"/>
+                                        <p:tgtEl>
+                                          <p:spTgt spid="5">
+                                            <p:txEl>
+                                              <p:pRg st="3" end="3"/>
+                                            </p:txEl>
+                                          </p:spTgt>
+                                        </p:tgtEl>
+                                      </p:cBhvr>
+                                    </p:animEffect>
+                                    <p:anim calcmode="lin" valueType="num">
+                                      <p:cBhvr>
+                                        <p:cTn id="35" dur="1000" fill="hold"/>
+                                        <p:tgtEl>
+                                          <p:spTgt spid="5">
+                                            <p:txEl>
+                                              <p:pRg st="3" end="3"/>
+                                            </p:txEl>
+                                          </p:spTgt>
+                                        </p:tgtEl>
+                                        <p:attrNameLst>
+                                          <p:attrName>ppt_x</p:attrName>
+                                        </p:attrNameLst>
+                                      </p:cBhvr>
+                                      <p:tavLst>
+                                        <p:tav tm="0">
+                                          <p:val>
+                                            <p:strVal val="#ppt_x"/>
+                                          </p:val>
+                                        </p:tav>
+                                        <p:tav tm="100000">
+                                          <p:val>
+                                            <p:strVal val="#ppt_x"/>
+                                          </p:val>
+                                        </p:tav>
+                                      </p:tavLst>
+                                    </p:anim>
+                                    <p:anim calcmode="lin" valueType="num">
+                                      <p:cBhvr>
+                                        <p:cTn id="36" dur="1000" fill="hold"/>
+                                        <p:tgtEl>
+                                          <p:spTgt spid="5">
+                                            <p:txEl>
+                                              <p:pRg st="3" end="3"/>
+                                            </p:txEl>
+                                          </p:spTgt>
+                                        </p:tgtEl>
+                                        <p:attrNameLst>
+                                          <p:attrName>ppt_y</p:attrName>
+                                        </p:attrNameLst>
+                                      </p:cBhvr>
+                                      <p:tavLst>
+                                        <p:tav tm="0">
+                                          <p:val>
+                                            <p:strVal val="#ppt_y+.1"/>
+                                          </p:val>
+                                        </p:tav>
+                                        <p:tav tm="100000">
+                                          <p:val>
+                                            <p:strVal val="#ppt_y"/>
+                                          </p:val>
+                                        </p:tav>
+                                      </p:tavLst>
+                                    </p:anim>
+                                  </p:childTnLst>
+                                </p:cTn>
+                              </p:par>
+                            </p:childTnLst>
+                          </p:cTn>
+                        </p:par>
+                      </p:childTnLst>
+                    </p:cTn>
+                  </p:par>
+                  <p:par>
+                    <p:cTn id="37" fill="hold">
+                      <p:stCondLst>
+                        <p:cond delay="indefinite"/>
+                      </p:stCondLst>
+                      <p:childTnLst>
+                        <p:par>
+                          <p:cTn id="38" fill="hold">
+                            <p:stCondLst>
+                              <p:cond delay="0"/>
+                            </p:stCondLst>
+                            <p:childTnLst>
+                              <p:par>
+                                <p:cTn id="39" presetID="42" presetClass="entr" presetSubtype="0" fill="hold" nodeType="clickEffect">
+                                  <p:stCondLst>
+                                    <p:cond delay="0"/>
+                                  </p:stCondLst>
+                                  <p:childTnLst>
+                                    <p:set>
+                                      <p:cBhvr>
+                                        <p:cTn id="40" dur="1" fill="hold">
+                                          <p:stCondLst>
+                                            <p:cond delay="0"/>
+                                          </p:stCondLst>
+                                        </p:cTn>
+                                        <p:tgtEl>
+                                          <p:spTgt spid="5">
+                                            <p:txEl>
+                                              <p:pRg st="4" end="4"/>
+                                            </p:txEl>
+                                          </p:spTgt>
+                                        </p:tgtEl>
+                                        <p:attrNameLst>
+                                          <p:attrName>style.visibility</p:attrName>
+                                        </p:attrNameLst>
+                                      </p:cBhvr>
+                                      <p:to>
+                                        <p:strVal val="visible"/>
+                                      </p:to>
+                                    </p:set>
+                                    <p:animEffect transition="in" filter="fade">
+                                      <p:cBhvr>
+                                        <p:cTn id="41" dur="1000"/>
+                                        <p:tgtEl>
+                                          <p:spTgt spid="5">
+                                            <p:txEl>
+                                              <p:pRg st="4" end="4"/>
+                                            </p:txEl>
+                                          </p:spTgt>
+                                        </p:tgtEl>
+                                      </p:cBhvr>
+                                    </p:animEffect>
+                                    <p:anim calcmode="lin" valueType="num">
+                                      <p:cBhvr>
+                                        <p:cTn id="42" dur="1000" fill="hold"/>
+                                        <p:tgtEl>
+                                          <p:spTgt spid="5">
+                                            <p:txEl>
+                                              <p:pRg st="4" end="4"/>
+                                            </p:txEl>
+                                          </p:spTgt>
+                                        </p:tgtEl>
+                                        <p:attrNameLst>
+                                          <p:attrName>ppt_x</p:attrName>
+                                        </p:attrNameLst>
+                                      </p:cBhvr>
+                                      <p:tavLst>
+                                        <p:tav tm="0">
+                                          <p:val>
+                                            <p:strVal val="#ppt_x"/>
+                                          </p:val>
+                                        </p:tav>
+                                        <p:tav tm="100000">
+                                          <p:val>
+                                            <p:strVal val="#ppt_x"/>
+                                          </p:val>
+                                        </p:tav>
+                                      </p:tavLst>
+                                    </p:anim>
+                                    <p:anim calcmode="lin" valueType="num">
+                                      <p:cBhvr>
+                                        <p:cTn id="43" dur="1000" fill="hold"/>
+                                        <p:tgtEl>
+                                          <p:spTgt spid="5">
+                                            <p:txEl>
+                                              <p:pRg st="4" end="4"/>
+                                            </p:txEl>
+                                          </p:spTgt>
+                                        </p:tgtEl>
+                                        <p:attrNameLst>
+                                          <p:attrName>ppt_y</p:attrName>
+                                        </p:attrNameLst>
+                                      </p:cBhvr>
+                                      <p:tavLst>
+                                        <p:tav tm="0">
+                                          <p:val>
+                                            <p:strVal val="#ppt_y+.1"/>
+                                          </p:val>
+                                        </p:tav>
+                                        <p:tav tm="100000">
+                                          <p:val>
+                                            <p:strVal val="#ppt_y"/>
+                                          </p:val>
+                                        </p:tav>
+                                      </p:tavLst>
+                                    </p:anim>
+                                  </p:childTnLst>
+                                </p:cTn>
+                              </p:par>
+                            </p:childTnLst>
+                          </p:cTn>
+                        </p:par>
+                      </p:childTnLst>
+                    </p:cTn>
+                  </p:par>
+                  <p:par>
+                    <p:cTn id="44" fill="hold">
+                      <p:stCondLst>
+                        <p:cond delay="indefinite"/>
+                      </p:stCondLst>
+                      <p:childTnLst>
+                        <p:par>
+                          <p:cTn id="45" fill="hold">
+                            <p:stCondLst>
+                              <p:cond delay="0"/>
+                            </p:stCondLst>
+                            <p:childTnLst>
+                              <p:par>
+                                <p:cTn id="46" presetID="42" presetClass="entr" presetSubtype="0" fill="hold" nodeType="clickEffect">
+                                  <p:stCondLst>
+                                    <p:cond delay="0"/>
+                                  </p:stCondLst>
+                                  <p:childTnLst>
+                                    <p:set>
+                                      <p:cBhvr>
+                                        <p:cTn id="47" dur="1" fill="hold">
+                                          <p:stCondLst>
+                                            <p:cond delay="0"/>
+                                          </p:stCondLst>
+                                        </p:cTn>
+                                        <p:tgtEl>
+                                          <p:spTgt spid="5">
+                                            <p:txEl>
+                                              <p:pRg st="5" end="5"/>
+                                            </p:txEl>
+                                          </p:spTgt>
+                                        </p:tgtEl>
+                                        <p:attrNameLst>
+                                          <p:attrName>style.visibility</p:attrName>
+                                        </p:attrNameLst>
+                                      </p:cBhvr>
+                                      <p:to>
+                                        <p:strVal val="visible"/>
+                                      </p:to>
+                                    </p:set>
+                                    <p:animEffect transition="in" filter="fade">
+                                      <p:cBhvr>
+                                        <p:cTn id="48" dur="1000"/>
+                                        <p:tgtEl>
+                                          <p:spTgt spid="5">
+                                            <p:txEl>
+                                              <p:pRg st="5" end="5"/>
+                                            </p:txEl>
+                                          </p:spTgt>
+                                        </p:tgtEl>
+                                      </p:cBhvr>
+                                    </p:animEffect>
+                                    <p:anim calcmode="lin" valueType="num">
+                                      <p:cBhvr>
+                                        <p:cTn id="49" dur="1000" fill="hold"/>
+                                        <p:tgtEl>
+                                          <p:spTgt spid="5">
+                                            <p:txEl>
+                                              <p:pRg st="5" end="5"/>
+                                            </p:txEl>
+                                          </p:spTgt>
+                                        </p:tgtEl>
+                                        <p:attrNameLst>
+                                          <p:attrName>ppt_x</p:attrName>
+                                        </p:attrNameLst>
+                                      </p:cBhvr>
+                                      <p:tavLst>
+                                        <p:tav tm="0">
+                                          <p:val>
+                                            <p:strVal val="#ppt_x"/>
+                                          </p:val>
+                                        </p:tav>
+                                        <p:tav tm="100000">
+                                          <p:val>
+                                            <p:strVal val="#ppt_x"/>
+                                          </p:val>
+                                        </p:tav>
+                                      </p:tavLst>
+                                    </p:anim>
+                                    <p:anim calcmode="lin" valueType="num">
+                                      <p:cBhvr>
+                                        <p:cTn id="50" dur="1000" fill="hold"/>
+                                        <p:tgtEl>
+                                          <p:spTgt spid="5">
+                                            <p:txEl>
+                                              <p:pRg st="5" end="5"/>
+                                            </p:txEl>
+                                          </p:spTgt>
+                                        </p:tgtEl>
+                                        <p:attrNameLst>
+                                          <p:attrName>ppt_y</p:attrName>
+                                        </p:attrNameLst>
+                                      </p:cBhvr>
+                                      <p:tavLst>
+                                        <p:tav tm="0">
+                                          <p:val>
+                                            <p:strVal val="#ppt_y+.1"/>
+                                          </p:val>
+                                        </p:tav>
+                                        <p:tav tm="100000">
+                                          <p:val>
+                                            <p:strVal val="#ppt_y"/>
+                                          </p:val>
+                                        </p:tav>
+                                      </p:tavLst>
+                                    </p:anim>
+                                  </p:childTnLst>
+                                </p:cTn>
+                              </p:par>
+                            </p:childTnLst>
+                          </p:cTn>
+                        </p:par>
+                      </p:childTnLst>
+                    </p:cTn>
+                  </p:par>
+                  <p:par>
+                    <p:cTn id="51" fill="hold">
+                      <p:stCondLst>
+                        <p:cond delay="indefinite"/>
+                      </p:stCondLst>
+                      <p:childTnLst>
+                        <p:par>
+                          <p:cTn id="52" fill="hold">
+                            <p:stCondLst>
+                              <p:cond delay="0"/>
+                            </p:stCondLst>
+                            <p:childTnLst>
+                              <p:par>
+                                <p:cTn id="53" presetID="42" presetClass="entr" presetSubtype="0" fill="hold" nodeType="clickEffect">
+                                  <p:stCondLst>
+                                    <p:cond delay="0"/>
+                                  </p:stCondLst>
+                                  <p:childTnLst>
+                                    <p:set>
+                                      <p:cBhvr>
+                                        <p:cTn id="54" dur="1" fill="hold">
+                                          <p:stCondLst>
+                                            <p:cond delay="0"/>
+                                          </p:stCondLst>
+                                        </p:cTn>
+                                        <p:tgtEl>
+                                          <p:spTgt spid="5">
+                                            <p:txEl>
+                                              <p:pRg st="6" end="6"/>
+                                            </p:txEl>
+                                          </p:spTgt>
+                                        </p:tgtEl>
+                                        <p:attrNameLst>
+                                          <p:attrName>style.visibility</p:attrName>
+                                        </p:attrNameLst>
+                                      </p:cBhvr>
+                                      <p:to>
+                                        <p:strVal val="visible"/>
+                                      </p:to>
+                                    </p:set>
+                                    <p:animEffect transition="in" filter="fade">
+                                      <p:cBhvr>
+                                        <p:cTn id="55" dur="1000"/>
+                                        <p:tgtEl>
+                                          <p:spTgt spid="5">
+                                            <p:txEl>
+                                              <p:pRg st="6" end="6"/>
+                                            </p:txEl>
+                                          </p:spTgt>
+                                        </p:tgtEl>
+                                      </p:cBhvr>
+                                    </p:animEffect>
+                                    <p:anim calcmode="lin" valueType="num">
+                                      <p:cBhvr>
+                                        <p:cTn id="56" dur="1000" fill="hold"/>
+                                        <p:tgtEl>
+                                          <p:spTgt spid="5">
+                                            <p:txEl>
+                                              <p:pRg st="6" end="6"/>
+                                            </p:txEl>
+                                          </p:spTgt>
+                                        </p:tgtEl>
+                                        <p:attrNameLst>
+                                          <p:attrName>ppt_x</p:attrName>
+                                        </p:attrNameLst>
+                                      </p:cBhvr>
+                                      <p:tavLst>
+                                        <p:tav tm="0">
+                                          <p:val>
+                                            <p:strVal val="#ppt_x"/>
+                                          </p:val>
+                                        </p:tav>
+                                        <p:tav tm="100000">
+                                          <p:val>
+                                            <p:strVal val="#ppt_x"/>
+                                          </p:val>
+                                        </p:tav>
+                                      </p:tavLst>
+                                    </p:anim>
+                                    <p:anim calcmode="lin" valueType="num">
+                                      <p:cBhvr>
+                                        <p:cTn id="57" dur="1000" fill="hold"/>
+                                        <p:tgtEl>
+                                          <p:spTgt spid="5">
+                                            <p:txEl>
+                                              <p:pRg st="6" end="6"/>
+                                            </p:txEl>
+                                          </p:spTgt>
+                                        </p:tgtEl>
+                                        <p:attrNameLst>
+                                          <p:attrName>ppt_y</p:attrName>
+                                        </p:attrNameLst>
+                                      </p:cBhvr>
+                                      <p:tavLst>
+                                        <p:tav tm="0">
+                                          <p:val>
+                                            <p:strVal val="#ppt_y+.1"/>
+                                          </p:val>
+                                        </p:tav>
+                                        <p:tav tm="100000">
+                                          <p:val>
+                                            <p:strVal val="#ppt_y"/>
+                                          </p:val>
+                                        </p:tav>
+                                      </p:tavLst>
+                                    </p:anim>
+                                  </p:childTnLst>
+                                </p:cTn>
+                              </p:par>
+                            </p:childTnLst>
+                          </p:cTn>
+                        </p:par>
+                      </p:childTnLst>
+                    </p:cTn>
+                  </p:par>
+                  <p:par>
+                    <p:cTn id="58" fill="hold">
+                      <p:stCondLst>
+                        <p:cond delay="indefinite"/>
+                      </p:stCondLst>
+                      <p:childTnLst>
+                        <p:par>
+                          <p:cTn id="59" fill="hold">
+                            <p:stCondLst>
+                              <p:cond delay="0"/>
+                            </p:stCondLst>
+                            <p:childTnLst>
+                              <p:par>
+                                <p:cTn id="60" presetID="42" presetClass="entr" presetSubtype="0" fill="hold" nodeType="clickEffect">
+                                  <p:stCondLst>
+                                    <p:cond delay="0"/>
+                                  </p:stCondLst>
+                                  <p:childTnLst>
+                                    <p:set>
+                                      <p:cBhvr>
+                                        <p:cTn id="61" dur="1" fill="hold">
+                                          <p:stCondLst>
+                                            <p:cond delay="0"/>
+                                          </p:stCondLst>
+                                        </p:cTn>
+                                        <p:tgtEl>
+                                          <p:spTgt spid="5">
+                                            <p:txEl>
+                                              <p:pRg st="7" end="7"/>
+                                            </p:txEl>
+                                          </p:spTgt>
+                                        </p:tgtEl>
+                                        <p:attrNameLst>
+                                          <p:attrName>style.visibility</p:attrName>
+                                        </p:attrNameLst>
+                                      </p:cBhvr>
+                                      <p:to>
+                                        <p:strVal val="visible"/>
+                                      </p:to>
+                                    </p:set>
+                                    <p:animEffect transition="in" filter="fade">
+                                      <p:cBhvr>
+                                        <p:cTn id="62" dur="1000"/>
+                                        <p:tgtEl>
+                                          <p:spTgt spid="5">
+                                            <p:txEl>
+                                              <p:pRg st="7" end="7"/>
+                                            </p:txEl>
+                                          </p:spTgt>
+                                        </p:tgtEl>
+                                      </p:cBhvr>
+                                    </p:animEffect>
+                                    <p:anim calcmode="lin" valueType="num">
+                                      <p:cBhvr>
+                                        <p:cTn id="63" dur="1000" fill="hold"/>
+                                        <p:tgtEl>
+                                          <p:spTgt spid="5">
+                                            <p:txEl>
+                                              <p:pRg st="7" end="7"/>
+                                            </p:txEl>
+                                          </p:spTgt>
+                                        </p:tgtEl>
+                                        <p:attrNameLst>
+                                          <p:attrName>ppt_x</p:attrName>
+                                        </p:attrNameLst>
+                                      </p:cBhvr>
+                                      <p:tavLst>
+                                        <p:tav tm="0">
+                                          <p:val>
+                                            <p:strVal val="#ppt_x"/>
+                                          </p:val>
+                                        </p:tav>
+                                        <p:tav tm="100000">
+                                          <p:val>
+                                            <p:strVal val="#ppt_x"/>
+                                          </p:val>
+                                        </p:tav>
+                                      </p:tavLst>
+                                    </p:anim>
+                                    <p:anim calcmode="lin" valueType="num">
+                                      <p:cBhvr>
+                                        <p:cTn id="64" dur="1000" fill="hold"/>
+                                        <p:tgtEl>
+                                          <p:spTgt spid="5">
+                                            <p:txEl>
+                                              <p:pRg st="7" end="7"/>
+                                            </p:txEl>
+                                          </p:spTgt>
                                         </p:tgtEl>
                                         <p:attrNameLst>
                                           <p:attrName>ppt_y</p:attrName>
@@ -6422,8 +9485,7 @@
       </p:par>
     </p:tnLst>
     <p:bldLst>
-      <p:bldP spid="4" grpId="0"/>
-      <p:bldP spid="7" grpId="0"/>
+      <p:bldP spid="2" grpId="0"/>
     </p:bldLst>
   </p:timing>
 </p:sld>
@@ -11368,7 +14430,7 @@
                             </p:stCondLst>
                             <p:childTnLst>
                               <p:par>
-                                <p:cTn id="5" presetID="42" presetClass="entr" presetSubtype="0" fill="hold" grpId="0" nodeType="clickEffect">
+                                <p:cTn id="5" presetID="2" presetClass="entr" presetSubtype="4" fill="hold" grpId="0" nodeType="clickEffect">
                                   <p:stCondLst>
                                     <p:cond delay="0"/>
                                   </p:stCondLst>
@@ -11391,17 +14453,9 @@
                                         <p:strVal val="visible"/>
                                       </p:to>
                                     </p:set>
-                                    <p:animEffect transition="in" filter="fade">
-                                      <p:cBhvr>
-                                        <p:cTn id="7" dur="1000"/>
-                                        <p:tgtEl>
-                                          <p:spTgt spid="10"/>
-                                        </p:tgtEl>
-                                      </p:cBhvr>
-                                    </p:animEffect>
                                     <p:anim calcmode="lin" valueType="num">
-                                      <p:cBhvr>
-                                        <p:cTn id="8" dur="1000" fill="hold"/>
+                                      <p:cBhvr additive="base">
+                                        <p:cTn id="7" dur="500" fill="hold"/>
                                         <p:tgtEl>
                                           <p:spTgt spid="10"/>
                                         </p:tgtEl>
@@ -11423,10 +14477,231 @@
                                       </p:tavLst>
                                     </p:anim>
                                     <p:anim calcmode="lin" valueType="num">
-                                      <p:cBhvr>
-                                        <p:cTn id="9" dur="1000" fill="hold"/>
+                                      <p:cBhvr additive="base">
+                                        <p:cTn id="8" dur="500" fill="hold"/>
                                         <p:tgtEl>
                                           <p:spTgt spid="10"/>
+                                        </p:tgtEl>
+                                        <p:attrNameLst>
+                                          <p:attrName>ppt_y</p:attrName>
+                                        </p:attrNameLst>
+                                      </p:cBhvr>
+                                      <p:tavLst>
+                                        <p:tav tm="0">
+                                          <p:val>
+                                            <p:strVal val="1+#ppt_h/2"/>
+                                          </p:val>
+                                        </p:tav>
+                                        <p:tav tm="100000">
+                                          <p:val>
+                                            <p:strVal val="#ppt_y"/>
+                                          </p:val>
+                                        </p:tav>
+                                      </p:tavLst>
+                                    </p:anim>
+                                  </p:childTnLst>
+                                </p:cTn>
+                              </p:par>
+                            </p:childTnLst>
+                          </p:cTn>
+                        </p:par>
+                      </p:childTnLst>
+                    </p:cTn>
+                  </p:par>
+                  <p:par>
+                    <p:cTn id="9" fill="hold">
+                      <p:stCondLst>
+                        <p:cond delay="indefinite"/>
+                      </p:stCondLst>
+                      <p:childTnLst>
+                        <p:par>
+                          <p:cTn id="10" fill="hold">
+                            <p:stCondLst>
+                              <p:cond delay="0"/>
+                            </p:stCondLst>
+                            <p:childTnLst>
+                              <p:par>
+                                <p:cTn id="11" presetID="10" presetClass="entr" presetSubtype="0" fill="hold" nodeType="clickEffect">
+                                  <p:stCondLst>
+                                    <p:cond delay="0"/>
+                                  </p:stCondLst>
+                                  <p:childTnLst>
+                                    <p:set>
+                                      <p:cBhvr>
+                                        <p:cTn id="12" dur="1" fill="hold">
+                                          <p:stCondLst>
+                                            <p:cond delay="0"/>
+                                          </p:stCondLst>
+                                        </p:cTn>
+                                        <p:tgtEl>
+                                          <p:spTgt spid="10">
+                                            <p:txEl>
+                                              <p:pRg st="1" end="1"/>
+                                            </p:txEl>
+                                          </p:spTgt>
+                                        </p:tgtEl>
+                                        <p:attrNameLst>
+                                          <p:attrName>style.visibility</p:attrName>
+                                        </p:attrNameLst>
+                                      </p:cBhvr>
+                                      <p:to>
+                                        <p:strVal val="visible"/>
+                                      </p:to>
+                                    </p:set>
+                                    <p:animEffect transition="in" filter="fade">
+                                      <p:cBhvr>
+                                        <p:cTn id="13" dur="500"/>
+                                        <p:tgtEl>
+                                          <p:spTgt spid="10">
+                                            <p:txEl>
+                                              <p:pRg st="1" end="1"/>
+                                            </p:txEl>
+                                          </p:spTgt>
+                                        </p:tgtEl>
+                                      </p:cBhvr>
+                                    </p:animEffect>
+                                  </p:childTnLst>
+                                </p:cTn>
+                              </p:par>
+                            </p:childTnLst>
+                          </p:cTn>
+                        </p:par>
+                      </p:childTnLst>
+                    </p:cTn>
+                  </p:par>
+                  <p:par>
+                    <p:cTn id="14" fill="hold">
+                      <p:stCondLst>
+                        <p:cond delay="indefinite"/>
+                      </p:stCondLst>
+                      <p:childTnLst>
+                        <p:par>
+                          <p:cTn id="15" fill="hold">
+                            <p:stCondLst>
+                              <p:cond delay="0"/>
+                            </p:stCondLst>
+                            <p:childTnLst>
+                              <p:par>
+                                <p:cTn id="16" presetID="10" presetClass="entr" presetSubtype="0" fill="hold" nodeType="clickEffect">
+                                  <p:stCondLst>
+                                    <p:cond delay="0"/>
+                                  </p:stCondLst>
+                                  <p:childTnLst>
+                                    <p:set>
+                                      <p:cBhvr>
+                                        <p:cTn id="17" dur="1" fill="hold">
+                                          <p:stCondLst>
+                                            <p:cond delay="0"/>
+                                          </p:stCondLst>
+                                        </p:cTn>
+                                        <p:tgtEl>
+                                          <p:spTgt spid="10">
+                                            <p:txEl>
+                                              <p:pRg st="2" end="2"/>
+                                            </p:txEl>
+                                          </p:spTgt>
+                                        </p:tgtEl>
+                                        <p:attrNameLst>
+                                          <p:attrName>style.visibility</p:attrName>
+                                        </p:attrNameLst>
+                                      </p:cBhvr>
+                                      <p:to>
+                                        <p:strVal val="visible"/>
+                                      </p:to>
+                                    </p:set>
+                                    <p:animEffect transition="in" filter="fade">
+                                      <p:cBhvr>
+                                        <p:cTn id="18" dur="500"/>
+                                        <p:tgtEl>
+                                          <p:spTgt spid="10">
+                                            <p:txEl>
+                                              <p:pRg st="2" end="2"/>
+                                            </p:txEl>
+                                          </p:spTgt>
+                                        </p:tgtEl>
+                                      </p:cBhvr>
+                                    </p:animEffect>
+                                  </p:childTnLst>
+                                </p:cTn>
+                              </p:par>
+                            </p:childTnLst>
+                          </p:cTn>
+                        </p:par>
+                      </p:childTnLst>
+                    </p:cTn>
+                  </p:par>
+                  <p:par>
+                    <p:cTn id="19" fill="hold">
+                      <p:stCondLst>
+                        <p:cond delay="indefinite"/>
+                      </p:stCondLst>
+                      <p:childTnLst>
+                        <p:par>
+                          <p:cTn id="20" fill="hold">
+                            <p:stCondLst>
+                              <p:cond delay="0"/>
+                            </p:stCondLst>
+                            <p:childTnLst>
+                              <p:par>
+                                <p:cTn id="21" presetID="42" presetClass="entr" presetSubtype="0" fill="hold" grpId="0" nodeType="clickEffect">
+                                  <p:stCondLst>
+                                    <p:cond delay="0"/>
+                                  </p:stCondLst>
+                                  <p:childTnLst>
+                                    <p:set>
+                                      <p:cBhvr>
+                                        <p:cTn id="22" dur="1" fill="hold">
+                                          <p:stCondLst>
+                                            <p:cond delay="0"/>
+                                          </p:stCondLst>
+                                        </p:cTn>
+                                        <p:tgtEl>
+                                          <p:spTgt spid="11"/>
+                                        </p:tgtEl>
+                                        <p:attrNameLst>
+                                          <p:attrName>style.visibility</p:attrName>
+                                        </p:attrNameLst>
+                                      </p:cBhvr>
+                                      <p:to>
+                                        <p:strVal val="visible"/>
+                                      </p:to>
+                                    </p:set>
+                                    <p:animEffect transition="in" filter="fade">
+                                      <p:cBhvr>
+                                        <p:cTn id="23" dur="1000"/>
+                                        <p:tgtEl>
+                                          <p:spTgt spid="11"/>
+                                        </p:tgtEl>
+                                      </p:cBhvr>
+                                    </p:animEffect>
+                                    <p:anim calcmode="lin" valueType="num">
+                                      <p:cBhvr>
+                                        <p:cTn id="24" dur="1000" fill="hold"/>
+                                        <p:tgtEl>
+                                          <p:spTgt spid="11"/>
+                                        </p:tgtEl>
+                                        <p:attrNameLst>
+                                          <p:attrName>ppt_x</p:attrName>
+                                        </p:attrNameLst>
+                                      </p:cBhvr>
+                                      <p:tavLst>
+                                        <p:tav tm="0">
+                                          <p:val>
+                                            <p:strVal val="#ppt_x"/>
+                                          </p:val>
+                                        </p:tav>
+                                        <p:tav tm="100000">
+                                          <p:val>
+                                            <p:strVal val="#ppt_x"/>
+                                          </p:val>
+                                        </p:tav>
+                                      </p:tavLst>
+                                    </p:anim>
+                                    <p:anim calcmode="lin" valueType="num">
+                                      <p:cBhvr>
+                                        <p:cTn id="25" dur="1000" fill="hold"/>
+                                        <p:tgtEl>
+                                          <p:spTgt spid="11"/>
                                         </p:tgtEl>
                                         <p:attrNameLst>
                                           <p:attrName>ppt_y</p:attrName>
@@ -11455,125 +14730,26 @@
                     </p:cTn>
                   </p:par>
                   <p:par>
-                    <p:cTn id="10" fill="hold">
+                    <p:cTn id="26" fill="hold">
                       <p:stCondLst>
                         <p:cond delay="indefinite"/>
                       </p:stCondLst>
                       <p:childTnLst>
                         <p:par>
-                          <p:cTn id="11" fill="hold">
+                          <p:cTn id="27" fill="hold">
                             <p:stCondLst>
                               <p:cond delay="0"/>
                             </p:stCondLst>
                             <p:childTnLst>
                               <p:par>
-                                <p:cTn id="12" presetID="42" presetClass="entr" presetSubtype="0" fill="hold" grpId="0" nodeType="clickEffect">
+                                <p:cTn id="28" presetID="6" presetClass="entr" presetSubtype="16" fill="hold" nodeType="clickEffect">
                                   <p:stCondLst>
                                     <p:cond delay="0"/>
                                   </p:stCondLst>
                                   <p:childTnLst>
                                     <p:set>
                                       <p:cBhvr>
-                                        <p:cTn id="13" dur="1" fill="hold">
-                                          <p:stCondLst>
-                                            <p:cond delay="0"/>
-                                          </p:stCondLst>
-                                        </p:cTn>
-                                        <p:tgtEl>
-                                          <p:spTgt spid="11"/>
-                                        </p:tgtEl>
-                                        <p:attrNameLst>
-                                          <p:attrName>style.visibility</p:attrName>
-                                        </p:attrNameLst>
-                                      </p:cBhvr>
-                                      <p:to>
-                                        <p:strVal val="visible"/>
-                                      </p:to>
-                                    </p:set>
-                                    <p:animEffect transition="in" filter="fade">
-                                      <p:cBhvr>
-                                        <p:cTn id="14" dur="1000"/>
-                                        <p:tgtEl>
-                                          <p:spTgt spid="11"/>
-                                        </p:tgtEl>
-                                      </p:cBhvr>
-                                    </p:animEffect>
-                                    <p:anim calcmode="lin" valueType="num">
-                                      <p:cBhvr>
-                                        <p:cTn id="15" dur="1000" fill="hold"/>
-                                        <p:tgtEl>
-                                          <p:spTgt spid="11"/>
-                                        </p:tgtEl>
-                                        <p:attrNameLst>
-                                          <p:attrName>ppt_x</p:attrName>
-                                        </p:attrNameLst>
-                                      </p:cBhvr>
-                                      <p:tavLst>
-                                        <p:tav tm="0">
-                                          <p:val>
-                                            <p:strVal val="#ppt_x"/>
-                                          </p:val>
-                                        </p:tav>
-                                        <p:tav tm="100000">
-                                          <p:val>
-                                            <p:strVal val="#ppt_x"/>
-                                          </p:val>
-                                        </p:tav>
-                                      </p:tavLst>
-                                    </p:anim>
-                                    <p:anim calcmode="lin" valueType="num">
-                                      <p:cBhvr>
-                                        <p:cTn id="16" dur="1000" fill="hold"/>
-                                        <p:tgtEl>
-                                          <p:spTgt spid="11"/>
-                                        </p:tgtEl>
-                                        <p:attrNameLst>
-                                          <p:attrName>ppt_y</p:attrName>
-                                        </p:attrNameLst>
-                                      </p:cBhvr>
-                                      <p:tavLst>
-                                        <p:tav tm="0">
-                                          <p:val>
-                                            <p:strVal val="#ppt_y+.1"/>
-                                          </p:val>
-                                        </p:tav>
-                                        <p:tav tm="100000">
-                                          <p:val>
-                                            <p:strVal val="#ppt_y"/>
-                                          </p:val>
-                                        </p:tav>
-                                      </p:tavLst>
-                                    </p:anim>
-                                  </p:childTnLst>
-                                </p:cTn>
-                              </p:par>
-                            </p:childTnLst>
-                          </p:cTn>
-                        </p:par>
-                      </p:childTnLst>
-                    </p:cTn>
-                  </p:par>
-                  <p:par>
-                    <p:cTn id="17" fill="hold">
-                      <p:stCondLst>
-                        <p:cond delay="indefinite"/>
-                      </p:stCondLst>
-                      <p:childTnLst>
-                        <p:par>
-                          <p:cTn id="18" fill="hold">
-                            <p:stCondLst>
-                              <p:cond delay="0"/>
-                            </p:stCondLst>
-                            <p:childTnLst>
-                              <p:par>
-                                <p:cTn id="19" presetID="6" presetClass="entr" presetSubtype="16" fill="hold" nodeType="clickEffect">
-                                  <p:stCondLst>
-                                    <p:cond delay="0"/>
-                                  </p:stCondLst>
-                                  <p:childTnLst>
-                                    <p:set>
-                                      <p:cBhvr>
-                                        <p:cTn id="20" dur="1" fill="hold">
+                                        <p:cTn id="29" dur="1" fill="hold">
                                           <p:stCondLst>
                                             <p:cond delay="0"/>
                                           </p:stCondLst>
@@ -11591,7 +14767,7 @@
                                     </p:set>
                                     <p:animEffect transition="in" filter="circle(in)">
                                       <p:cBhvr>
-                                        <p:cTn id="21" dur="2000"/>
+                                        <p:cTn id="30" dur="2000"/>
                                         <p:tgtEl>
                                           <p:spTgt spid="13"/>
                                         </p:tgtEl>
